--- a/sak_20210620_ErasmusAttn_models.pptx
+++ b/sak_20210620_ErasmusAttn_models.pptx
@@ -8,7 +8,13 @@
     <p:sldId id="258" r:id="rId2"/>
     <p:sldId id="259" r:id="rId3"/>
     <p:sldId id="260" r:id="rId4"/>
-    <p:sldId id="257" r:id="rId5"/>
+    <p:sldId id="262" r:id="rId5"/>
+    <p:sldId id="264" r:id="rId6"/>
+    <p:sldId id="257" r:id="rId7"/>
+    <p:sldId id="263" r:id="rId8"/>
+    <p:sldId id="265" r:id="rId9"/>
+    <p:sldId id="266" r:id="rId10"/>
+    <p:sldId id="267" r:id="rId11"/>
   </p:sldIdLst>
   <p:sldSz cx="12192000" cy="6858000"/>
   <p:notesSz cx="6858000" cy="9144000"/>
@@ -107,13 +113,19 @@
       </a:defRPr>
     </a:lvl9pPr>
   </p:defaultTextStyle>
+  <p:extLst>
+    <p:ext uri="{EFAFB233-063F-42B5-8137-9DF3F51BA10A}">
+      <p15:sldGuideLst xmlns:p15="http://schemas.microsoft.com/office/powerpoint/2012/main"/>
+    </p:ext>
+  </p:extLst>
 </p:presentation>
 </file>
 
 <file path=ppt/revisionInfo.xml><?xml version="1.0" encoding="utf-8"?>
 <p1510:revInfo xmlns:a="http://schemas.openxmlformats.org/drawingml/2006/main" xmlns:r="http://schemas.openxmlformats.org/officeDocument/2006/relationships" xmlns:p1510="http://schemas.microsoft.com/office/powerpoint/2015/10/main">
   <p1510:revLst>
-    <p1510:client id="{C336EFB0-1FE2-4779-B15F-E18B0B9F5947}" v="5" dt="2021-06-21T03:01:51.200"/>
+    <p1510:client id="{C336EFB0-1FE2-4779-B15F-E18B0B9F5947}" v="241" dt="2021-06-23T14:56:39.297"/>
+    <p1510:client id="{DE9C5C34-71FE-4361-954A-170750A5C28C}" v="151" dt="2021-06-23T15:39:58.255"/>
   </p1510:revLst>
 </p1510:revInfo>
 </file>
@@ -121,9 +133,33 @@
 <file path=ppt/changesInfos/changesInfo1.xml><?xml version="1.0" encoding="utf-8"?>
 <pc:chgInfo xmlns:a="http://schemas.openxmlformats.org/drawingml/2006/main" xmlns:r="http://schemas.openxmlformats.org/officeDocument/2006/relationships" xmlns:ac="http://schemas.microsoft.com/office/drawing/2013/main/command" xmlns:pc="http://schemas.microsoft.com/office/powerpoint/2013/main/command">
   <pc:docChgLst>
+    <pc:chgData name="Sue Ann Koay" userId="41cda4b70aab0210" providerId="LiveId" clId="{DE9C5C34-71FE-4361-954A-170750A5C28C}"/>
+    <pc:docChg chg="custSel modSld">
+      <pc:chgData name="Sue Ann Koay" userId="41cda4b70aab0210" providerId="LiveId" clId="{DE9C5C34-71FE-4361-954A-170750A5C28C}" dt="2021-06-23T15:39:58.255" v="150" actId="122"/>
+      <pc:docMkLst>
+        <pc:docMk/>
+      </pc:docMkLst>
+      <pc:sldChg chg="modSp mod">
+        <pc:chgData name="Sue Ann Koay" userId="41cda4b70aab0210" providerId="LiveId" clId="{DE9C5C34-71FE-4361-954A-170750A5C28C}" dt="2021-06-23T15:39:58.255" v="150" actId="122"/>
+        <pc:sldMkLst>
+          <pc:docMk/>
+          <pc:sldMk cId="430150345" sldId="267"/>
+        </pc:sldMkLst>
+        <pc:spChg chg="mod">
+          <ac:chgData name="Sue Ann Koay" userId="41cda4b70aab0210" providerId="LiveId" clId="{DE9C5C34-71FE-4361-954A-170750A5C28C}" dt="2021-06-23T15:39:58.255" v="150" actId="122"/>
+          <ac:spMkLst>
+            <pc:docMk/>
+            <pc:sldMk cId="430150345" sldId="267"/>
+            <ac:spMk id="2" creationId="{9C8398AF-6728-430C-8FAC-2CC15B53DB57}"/>
+          </ac:spMkLst>
+        </pc:spChg>
+      </pc:sldChg>
+    </pc:docChg>
+  </pc:docChgLst>
+  <pc:docChgLst>
     <pc:chgData name="Sue Ann Koay" userId="41cda4b70aab0210" providerId="LiveId" clId="{C336EFB0-1FE2-4779-B15F-E18B0B9F5947}"/>
-    <pc:docChg chg="undo custSel addSld delSld modSld modMainMaster">
-      <pc:chgData name="Sue Ann Koay" userId="41cda4b70aab0210" providerId="LiveId" clId="{C336EFB0-1FE2-4779-B15F-E18B0B9F5947}" dt="2021-06-21T03:07:47.449" v="895" actId="20577"/>
+    <pc:docChg chg="undo custSel addSld delSld modSld sldOrd modMainMaster">
+      <pc:chgData name="Sue Ann Koay" userId="41cda4b70aab0210" providerId="LiveId" clId="{C336EFB0-1FE2-4779-B15F-E18B0B9F5947}" dt="2021-06-23T15:31:11.466" v="4460" actId="1076"/>
       <pc:docMkLst>
         <pc:docMk/>
       </pc:docMkLst>
@@ -214,8 +250,8 @@
           </ac:picMkLst>
         </pc:picChg>
       </pc:sldChg>
-      <pc:sldChg chg="modSp add mod chgLayout">
-        <pc:chgData name="Sue Ann Koay" userId="41cda4b70aab0210" providerId="LiveId" clId="{C336EFB0-1FE2-4779-B15F-E18B0B9F5947}" dt="2021-06-21T02:37:26.450" v="194" actId="700"/>
+      <pc:sldChg chg="addSp delSp modSp add mod chgLayout">
+        <pc:chgData name="Sue Ann Koay" userId="41cda4b70aab0210" providerId="LiveId" clId="{C336EFB0-1FE2-4779-B15F-E18B0B9F5947}" dt="2021-06-21T15:52:15.421" v="903" actId="1076"/>
         <pc:sldMkLst>
           <pc:docMk/>
           <pc:sldMk cId="2599452507" sldId="257"/>
@@ -228,8 +264,40 @@
             <ac:spMk id="2" creationId="{6CA0C562-03CE-4446-89CF-51028042D4AD}"/>
           </ac:spMkLst>
         </pc:spChg>
-        <pc:picChg chg="mod ord">
-          <ac:chgData name="Sue Ann Koay" userId="41cda4b70aab0210" providerId="LiveId" clId="{C336EFB0-1FE2-4779-B15F-E18B0B9F5947}" dt="2021-06-21T02:37:26.450" v="194" actId="700"/>
+        <pc:spChg chg="add del mod">
+          <ac:chgData name="Sue Ann Koay" userId="41cda4b70aab0210" providerId="LiveId" clId="{C336EFB0-1FE2-4779-B15F-E18B0B9F5947}" dt="2021-06-21T15:50:25.716" v="897" actId="22"/>
+          <ac:spMkLst>
+            <pc:docMk/>
+            <pc:sldMk cId="2599452507" sldId="257"/>
+            <ac:spMk id="4" creationId="{42F00A98-96AF-401C-A00A-9F98DF3B0CC4}"/>
+          </ac:spMkLst>
+        </pc:spChg>
+        <pc:spChg chg="add del mod">
+          <ac:chgData name="Sue Ann Koay" userId="41cda4b70aab0210" providerId="LiveId" clId="{C336EFB0-1FE2-4779-B15F-E18B0B9F5947}" dt="2021-06-21T15:52:02.077" v="899" actId="22"/>
+          <ac:spMkLst>
+            <pc:docMk/>
+            <pc:sldMk cId="2599452507" sldId="257"/>
+            <ac:spMk id="8" creationId="{E313AB2D-7F4A-4AE9-8681-211EF09E0EF8}"/>
+          </ac:spMkLst>
+        </pc:spChg>
+        <pc:picChg chg="add del mod ord">
+          <ac:chgData name="Sue Ann Koay" userId="41cda4b70aab0210" providerId="LiveId" clId="{C336EFB0-1FE2-4779-B15F-E18B0B9F5947}" dt="2021-06-21T15:50:55.524" v="898" actId="478"/>
+          <ac:picMkLst>
+            <pc:docMk/>
+            <pc:sldMk cId="2599452507" sldId="257"/>
+            <ac:picMk id="6" creationId="{3796FFEF-3A17-4E75-BAD0-3F2EDDE9F40F}"/>
+          </ac:picMkLst>
+        </pc:picChg>
+        <pc:picChg chg="add mod ord">
+          <ac:chgData name="Sue Ann Koay" userId="41cda4b70aab0210" providerId="LiveId" clId="{C336EFB0-1FE2-4779-B15F-E18B0B9F5947}" dt="2021-06-21T15:52:15.421" v="903" actId="1076"/>
+          <ac:picMkLst>
+            <pc:docMk/>
+            <pc:sldMk cId="2599452507" sldId="257"/>
+            <ac:picMk id="10" creationId="{0748CB1E-7D08-45F8-A70E-0897293BA0D7}"/>
+          </ac:picMkLst>
+        </pc:picChg>
+        <pc:picChg chg="del mod ord">
+          <ac:chgData name="Sue Ann Koay" userId="41cda4b70aab0210" providerId="LiveId" clId="{C336EFB0-1FE2-4779-B15F-E18B0B9F5947}" dt="2021-06-21T15:50:23.804" v="896" actId="478"/>
           <ac:picMkLst>
             <pc:docMk/>
             <pc:sldMk cId="2599452507" sldId="257"/>
@@ -245,7 +313,7 @@
         </pc:sldMkLst>
       </pc:sldChg>
       <pc:sldChg chg="addSp delSp modSp new mod">
-        <pc:chgData name="Sue Ann Koay" userId="41cda4b70aab0210" providerId="LiveId" clId="{C336EFB0-1FE2-4779-B15F-E18B0B9F5947}" dt="2021-06-21T03:07:47.449" v="895" actId="20577"/>
+        <pc:chgData name="Sue Ann Koay" userId="41cda4b70aab0210" providerId="LiveId" clId="{C336EFB0-1FE2-4779-B15F-E18B0B9F5947}" dt="2021-06-21T19:20:23.150" v="965" actId="20577"/>
         <pc:sldMkLst>
           <pc:docMk/>
           <pc:sldMk cId="3157142872" sldId="258"/>
@@ -259,7 +327,7 @@
           </ac:spMkLst>
         </pc:spChg>
         <pc:spChg chg="mod">
-          <ac:chgData name="Sue Ann Koay" userId="41cda4b70aab0210" providerId="LiveId" clId="{C336EFB0-1FE2-4779-B15F-E18B0B9F5947}" dt="2021-06-21T03:07:47.449" v="895" actId="20577"/>
+          <ac:chgData name="Sue Ann Koay" userId="41cda4b70aab0210" providerId="LiveId" clId="{C336EFB0-1FE2-4779-B15F-E18B0B9F5947}" dt="2021-06-21T19:20:23.150" v="965" actId="20577"/>
           <ac:spMkLst>
             <pc:docMk/>
             <pc:sldMk cId="3157142872" sldId="258"/>
@@ -451,19 +519,698 @@
           </ac:cxnSpMkLst>
         </pc:cxnChg>
       </pc:sldChg>
-      <pc:sldChg chg="add">
-        <pc:chgData name="Sue Ann Koay" userId="41cda4b70aab0210" providerId="LiveId" clId="{C336EFB0-1FE2-4779-B15F-E18B0B9F5947}" dt="2021-06-21T02:37:32.854" v="196" actId="2890"/>
+      <pc:sldChg chg="addSp delSp modSp add mod">
+        <pc:chgData name="Sue Ann Koay" userId="41cda4b70aab0210" providerId="LiveId" clId="{C336EFB0-1FE2-4779-B15F-E18B0B9F5947}" dt="2021-06-23T02:58:21.828" v="1105" actId="122"/>
         <pc:sldMkLst>
           <pc:docMk/>
           <pc:sldMk cId="3874124491" sldId="259"/>
         </pc:sldMkLst>
+        <pc:spChg chg="mod">
+          <ac:chgData name="Sue Ann Koay" userId="41cda4b70aab0210" providerId="LiveId" clId="{C336EFB0-1FE2-4779-B15F-E18B0B9F5947}" dt="2021-06-23T02:58:21.828" v="1105" actId="122"/>
+          <ac:spMkLst>
+            <pc:docMk/>
+            <pc:sldMk cId="3874124491" sldId="259"/>
+            <ac:spMk id="2" creationId="{2AB8DDE8-21E9-4FE7-9033-C9124254C3F0}"/>
+          </ac:spMkLst>
+        </pc:spChg>
+        <pc:spChg chg="del">
+          <ac:chgData name="Sue Ann Koay" userId="41cda4b70aab0210" providerId="LiveId" clId="{C336EFB0-1FE2-4779-B15F-E18B0B9F5947}" dt="2021-06-21T19:05:15.874" v="904" actId="22"/>
+          <ac:spMkLst>
+            <pc:docMk/>
+            <pc:sldMk cId="3874124491" sldId="259"/>
+            <ac:spMk id="3" creationId="{608CBF71-CA49-45DC-8752-BEFCF0EE7AFB}"/>
+          </ac:spMkLst>
+        </pc:spChg>
+        <pc:picChg chg="add mod ord">
+          <ac:chgData name="Sue Ann Koay" userId="41cda4b70aab0210" providerId="LiveId" clId="{C336EFB0-1FE2-4779-B15F-E18B0B9F5947}" dt="2021-06-21T19:05:15.874" v="904" actId="22"/>
+          <ac:picMkLst>
+            <pc:docMk/>
+            <pc:sldMk cId="3874124491" sldId="259"/>
+            <ac:picMk id="5" creationId="{4F46FE90-028E-4D1A-B7F7-F1EED4B52427}"/>
+          </ac:picMkLst>
+        </pc:picChg>
       </pc:sldChg>
-      <pc:sldChg chg="add">
-        <pc:chgData name="Sue Ann Koay" userId="41cda4b70aab0210" providerId="LiveId" clId="{C336EFB0-1FE2-4779-B15F-E18B0B9F5947}" dt="2021-06-21T02:37:33.041" v="197" actId="2890"/>
+      <pc:sldChg chg="addSp delSp modSp add mod modAnim">
+        <pc:chgData name="Sue Ann Koay" userId="41cda4b70aab0210" providerId="LiveId" clId="{C336EFB0-1FE2-4779-B15F-E18B0B9F5947}" dt="2021-06-23T14:43:32.888" v="3995"/>
         <pc:sldMkLst>
           <pc:docMk/>
           <pc:sldMk cId="2592071916" sldId="260"/>
         </pc:sldMkLst>
+        <pc:spChg chg="mod">
+          <ac:chgData name="Sue Ann Koay" userId="41cda4b70aab0210" providerId="LiveId" clId="{C336EFB0-1FE2-4779-B15F-E18B0B9F5947}" dt="2021-06-23T02:58:57.054" v="1241" actId="122"/>
+          <ac:spMkLst>
+            <pc:docMk/>
+            <pc:sldMk cId="2592071916" sldId="260"/>
+            <ac:spMk id="2" creationId="{2AB8DDE8-21E9-4FE7-9033-C9124254C3F0}"/>
+          </ac:spMkLst>
+        </pc:spChg>
+        <pc:spChg chg="mod">
+          <ac:chgData name="Sue Ann Koay" userId="41cda4b70aab0210" providerId="LiveId" clId="{C336EFB0-1FE2-4779-B15F-E18B0B9F5947}" dt="2021-06-23T13:38:54.923" v="1782" actId="1037"/>
+          <ac:spMkLst>
+            <pc:docMk/>
+            <pc:sldMk cId="2592071916" sldId="260"/>
+            <ac:spMk id="3" creationId="{608CBF71-CA49-45DC-8752-BEFCF0EE7AFB}"/>
+          </ac:spMkLst>
+        </pc:spChg>
+        <pc:spChg chg="add del mod">
+          <ac:chgData name="Sue Ann Koay" userId="41cda4b70aab0210" providerId="LiveId" clId="{C336EFB0-1FE2-4779-B15F-E18B0B9F5947}" dt="2021-06-23T03:01:33.118" v="1388" actId="478"/>
+          <ac:spMkLst>
+            <pc:docMk/>
+            <pc:sldMk cId="2592071916" sldId="260"/>
+            <ac:spMk id="4" creationId="{84B1AE45-4721-4698-A123-2CFBF7B948BE}"/>
+          </ac:spMkLst>
+        </pc:spChg>
+        <pc:spChg chg="add mod">
+          <ac:chgData name="Sue Ann Koay" userId="41cda4b70aab0210" providerId="LiveId" clId="{C336EFB0-1FE2-4779-B15F-E18B0B9F5947}" dt="2021-06-23T13:38:54.923" v="1782" actId="1037"/>
+          <ac:spMkLst>
+            <pc:docMk/>
+            <pc:sldMk cId="2592071916" sldId="260"/>
+            <ac:spMk id="5" creationId="{48703C58-0C36-4C9F-A1F4-698C99203903}"/>
+          </ac:spMkLst>
+        </pc:spChg>
+        <pc:spChg chg="add mod">
+          <ac:chgData name="Sue Ann Koay" userId="41cda4b70aab0210" providerId="LiveId" clId="{C336EFB0-1FE2-4779-B15F-E18B0B9F5947}" dt="2021-06-23T13:38:54.923" v="1782" actId="1037"/>
+          <ac:spMkLst>
+            <pc:docMk/>
+            <pc:sldMk cId="2592071916" sldId="260"/>
+            <ac:spMk id="6" creationId="{CEB005E2-C3BB-46AF-98D5-B8704DDD63DA}"/>
+          </ac:spMkLst>
+        </pc:spChg>
+        <pc:spChg chg="add del mod">
+          <ac:chgData name="Sue Ann Koay" userId="41cda4b70aab0210" providerId="LiveId" clId="{C336EFB0-1FE2-4779-B15F-E18B0B9F5947}" dt="2021-06-23T03:02:12.307" v="1410" actId="478"/>
+          <ac:spMkLst>
+            <pc:docMk/>
+            <pc:sldMk cId="2592071916" sldId="260"/>
+            <ac:spMk id="7" creationId="{820C3870-348A-491C-917D-58DBA7AEFB18}"/>
+          </ac:spMkLst>
+        </pc:spChg>
+        <pc:spChg chg="add mod">
+          <ac:chgData name="Sue Ann Koay" userId="41cda4b70aab0210" providerId="LiveId" clId="{C336EFB0-1FE2-4779-B15F-E18B0B9F5947}" dt="2021-06-23T13:38:54.923" v="1782" actId="1037"/>
+          <ac:spMkLst>
+            <pc:docMk/>
+            <pc:sldMk cId="2592071916" sldId="260"/>
+            <ac:spMk id="8" creationId="{4DFA8473-F520-40F6-89C4-61787C57085E}"/>
+          </ac:spMkLst>
+        </pc:spChg>
+        <pc:spChg chg="add del mod">
+          <ac:chgData name="Sue Ann Koay" userId="41cda4b70aab0210" providerId="LiveId" clId="{C336EFB0-1FE2-4779-B15F-E18B0B9F5947}" dt="2021-06-23T13:19:59.358" v="1620" actId="478"/>
+          <ac:spMkLst>
+            <pc:docMk/>
+            <pc:sldMk cId="2592071916" sldId="260"/>
+            <ac:spMk id="9" creationId="{B7991C18-60AE-4EC6-898C-E81380660888}"/>
+          </ac:spMkLst>
+        </pc:spChg>
+        <pc:spChg chg="add mod">
+          <ac:chgData name="Sue Ann Koay" userId="41cda4b70aab0210" providerId="LiveId" clId="{C336EFB0-1FE2-4779-B15F-E18B0B9F5947}" dt="2021-06-23T13:48:33.550" v="2130" actId="1076"/>
+          <ac:spMkLst>
+            <pc:docMk/>
+            <pc:sldMk cId="2592071916" sldId="260"/>
+            <ac:spMk id="10" creationId="{933B03C8-D756-4C47-88FB-2DBA4BDA26CC}"/>
+          </ac:spMkLst>
+        </pc:spChg>
+        <pc:spChg chg="add mod">
+          <ac:chgData name="Sue Ann Koay" userId="41cda4b70aab0210" providerId="LiveId" clId="{C336EFB0-1FE2-4779-B15F-E18B0B9F5947}" dt="2021-06-23T13:38:54.923" v="1782" actId="1037"/>
+          <ac:spMkLst>
+            <pc:docMk/>
+            <pc:sldMk cId="2592071916" sldId="260"/>
+            <ac:spMk id="11" creationId="{08B1D26D-14C3-412E-98E6-6CF4440F72AC}"/>
+          </ac:spMkLst>
+        </pc:spChg>
+        <pc:spChg chg="add mod">
+          <ac:chgData name="Sue Ann Koay" userId="41cda4b70aab0210" providerId="LiveId" clId="{C336EFB0-1FE2-4779-B15F-E18B0B9F5947}" dt="2021-06-23T13:49:48.694" v="2152" actId="207"/>
+          <ac:spMkLst>
+            <pc:docMk/>
+            <pc:sldMk cId="2592071916" sldId="260"/>
+            <ac:spMk id="12" creationId="{AF40E1B5-F3BA-48DD-B92D-62BBB8ECAECD}"/>
+          </ac:spMkLst>
+        </pc:spChg>
+        <pc:spChg chg="add mod">
+          <ac:chgData name="Sue Ann Koay" userId="41cda4b70aab0210" providerId="LiveId" clId="{C336EFB0-1FE2-4779-B15F-E18B0B9F5947}" dt="2021-06-23T13:46:53.880" v="1996" actId="1037"/>
+          <ac:spMkLst>
+            <pc:docMk/>
+            <pc:sldMk cId="2592071916" sldId="260"/>
+            <ac:spMk id="22" creationId="{A670F2FE-B3C6-452F-A4BB-C51BB4F9F53C}"/>
+          </ac:spMkLst>
+        </pc:spChg>
+        <pc:spChg chg="add mod">
+          <ac:chgData name="Sue Ann Koay" userId="41cda4b70aab0210" providerId="LiveId" clId="{C336EFB0-1FE2-4779-B15F-E18B0B9F5947}" dt="2021-06-23T13:47:02.196" v="2016" actId="1038"/>
+          <ac:spMkLst>
+            <pc:docMk/>
+            <pc:sldMk cId="2592071916" sldId="260"/>
+            <ac:spMk id="33" creationId="{72BE1DD4-418C-4416-87FF-4259C519FCC7}"/>
+          </ac:spMkLst>
+        </pc:spChg>
+        <pc:spChg chg="add mod">
+          <ac:chgData name="Sue Ann Koay" userId="41cda4b70aab0210" providerId="LiveId" clId="{C336EFB0-1FE2-4779-B15F-E18B0B9F5947}" dt="2021-06-23T13:49:19.603" v="2139" actId="2085"/>
+          <ac:spMkLst>
+            <pc:docMk/>
+            <pc:sldMk cId="2592071916" sldId="260"/>
+            <ac:spMk id="37" creationId="{7EB1D2A9-FB71-4D39-91FD-658FA504F20E}"/>
+          </ac:spMkLst>
+        </pc:spChg>
+        <pc:spChg chg="add mod">
+          <ac:chgData name="Sue Ann Koay" userId="41cda4b70aab0210" providerId="LiveId" clId="{C336EFB0-1FE2-4779-B15F-E18B0B9F5947}" dt="2021-06-23T13:53:08.364" v="2315" actId="1076"/>
+          <ac:spMkLst>
+            <pc:docMk/>
+            <pc:sldMk cId="2592071916" sldId="260"/>
+            <ac:spMk id="44" creationId="{9739841C-6730-4CCE-AF32-C5D777F2FAAE}"/>
+          </ac:spMkLst>
+        </pc:spChg>
+        <pc:grpChg chg="add mod">
+          <ac:chgData name="Sue Ann Koay" userId="41cda4b70aab0210" providerId="LiveId" clId="{C336EFB0-1FE2-4779-B15F-E18B0B9F5947}" dt="2021-06-23T13:52:48.543" v="2291" actId="1035"/>
+          <ac:grpSpMkLst>
+            <pc:docMk/>
+            <pc:sldMk cId="2592071916" sldId="260"/>
+            <ac:grpSpMk id="34" creationId="{53B58345-283D-4B27-BEA5-7A84F3D73F55}"/>
+          </ac:grpSpMkLst>
+        </pc:grpChg>
+        <pc:picChg chg="add del mod">
+          <ac:chgData name="Sue Ann Koay" userId="41cda4b70aab0210" providerId="LiveId" clId="{C336EFB0-1FE2-4779-B15F-E18B0B9F5947}" dt="2021-06-23T13:37:31.187" v="1726" actId="478"/>
+          <ac:picMkLst>
+            <pc:docMk/>
+            <pc:sldMk cId="2592071916" sldId="260"/>
+            <ac:picMk id="14" creationId="{7012A2DE-3416-4EDB-A5FD-E59EF9257E33}"/>
+          </ac:picMkLst>
+        </pc:picChg>
+        <pc:picChg chg="add del mod">
+          <ac:chgData name="Sue Ann Koay" userId="41cda4b70aab0210" providerId="LiveId" clId="{C336EFB0-1FE2-4779-B15F-E18B0B9F5947}" dt="2021-06-23T13:38:03.609" v="1729" actId="478"/>
+          <ac:picMkLst>
+            <pc:docMk/>
+            <pc:sldMk cId="2592071916" sldId="260"/>
+            <ac:picMk id="16" creationId="{EA799825-8F6E-4967-A139-937E77218043}"/>
+          </ac:picMkLst>
+        </pc:picChg>
+        <pc:picChg chg="add del mod">
+          <ac:chgData name="Sue Ann Koay" userId="41cda4b70aab0210" providerId="LiveId" clId="{C336EFB0-1FE2-4779-B15F-E18B0B9F5947}" dt="2021-06-23T13:38:31.599" v="1732" actId="478"/>
+          <ac:picMkLst>
+            <pc:docMk/>
+            <pc:sldMk cId="2592071916" sldId="260"/>
+            <ac:picMk id="18" creationId="{CEAE96FB-9603-4D4B-8924-5260F55FB69E}"/>
+          </ac:picMkLst>
+        </pc:picChg>
+        <pc:picChg chg="add mod">
+          <ac:chgData name="Sue Ann Koay" userId="41cda4b70aab0210" providerId="LiveId" clId="{C336EFB0-1FE2-4779-B15F-E18B0B9F5947}" dt="2021-06-23T13:52:48.543" v="2291" actId="1035"/>
+          <ac:picMkLst>
+            <pc:docMk/>
+            <pc:sldMk cId="2592071916" sldId="260"/>
+            <ac:picMk id="20" creationId="{4708E399-5EBB-4760-B777-D24163F1008B}"/>
+          </ac:picMkLst>
+        </pc:picChg>
+        <pc:cxnChg chg="add mod">
+          <ac:chgData name="Sue Ann Koay" userId="41cda4b70aab0210" providerId="LiveId" clId="{C336EFB0-1FE2-4779-B15F-E18B0B9F5947}" dt="2021-06-23T13:44:29.519" v="1974" actId="164"/>
+          <ac:cxnSpMkLst>
+            <pc:docMk/>
+            <pc:sldMk cId="2592071916" sldId="260"/>
+            <ac:cxnSpMk id="24" creationId="{E4A28327-4EBE-46D8-910C-D5F7B0A0E1CF}"/>
+          </ac:cxnSpMkLst>
+        </pc:cxnChg>
+        <pc:cxnChg chg="add del mod">
+          <ac:chgData name="Sue Ann Koay" userId="41cda4b70aab0210" providerId="LiveId" clId="{C336EFB0-1FE2-4779-B15F-E18B0B9F5947}" dt="2021-06-23T13:43:49.188" v="1966" actId="478"/>
+          <ac:cxnSpMkLst>
+            <pc:docMk/>
+            <pc:sldMk cId="2592071916" sldId="260"/>
+            <ac:cxnSpMk id="27" creationId="{4C6CE3CC-F63F-483F-AB09-F74380B21FAC}"/>
+          </ac:cxnSpMkLst>
+        </pc:cxnChg>
+        <pc:cxnChg chg="add mod">
+          <ac:chgData name="Sue Ann Koay" userId="41cda4b70aab0210" providerId="LiveId" clId="{C336EFB0-1FE2-4779-B15F-E18B0B9F5947}" dt="2021-06-23T13:44:29.519" v="1974" actId="164"/>
+          <ac:cxnSpMkLst>
+            <pc:docMk/>
+            <pc:sldMk cId="2592071916" sldId="260"/>
+            <ac:cxnSpMk id="30" creationId="{519AB26F-46EA-469D-9888-A18333B83326}"/>
+          </ac:cxnSpMkLst>
+        </pc:cxnChg>
+        <pc:cxnChg chg="add mod">
+          <ac:chgData name="Sue Ann Koay" userId="41cda4b70aab0210" providerId="LiveId" clId="{C336EFB0-1FE2-4779-B15F-E18B0B9F5947}" dt="2021-06-23T13:52:48.543" v="2291" actId="1035"/>
+          <ac:cxnSpMkLst>
+            <pc:docMk/>
+            <pc:sldMk cId="2592071916" sldId="260"/>
+            <ac:cxnSpMk id="36" creationId="{054787DB-50B8-4001-9B02-1ECF39DE4AE5}"/>
+          </ac:cxnSpMkLst>
+        </pc:cxnChg>
+        <pc:cxnChg chg="add mod">
+          <ac:chgData name="Sue Ann Koay" userId="41cda4b70aab0210" providerId="LiveId" clId="{C336EFB0-1FE2-4779-B15F-E18B0B9F5947}" dt="2021-06-23T13:49:33.768" v="2149" actId="1038"/>
+          <ac:cxnSpMkLst>
+            <pc:docMk/>
+            <pc:sldMk cId="2592071916" sldId="260"/>
+            <ac:cxnSpMk id="39" creationId="{4F3BD7B5-6C58-4B65-B569-1B0B3187B850}"/>
+          </ac:cxnSpMkLst>
+        </pc:cxnChg>
+        <pc:cxnChg chg="add mod">
+          <ac:chgData name="Sue Ann Koay" userId="41cda4b70aab0210" providerId="LiveId" clId="{C336EFB0-1FE2-4779-B15F-E18B0B9F5947}" dt="2021-06-23T13:49:43.484" v="2151" actId="1076"/>
+          <ac:cxnSpMkLst>
+            <pc:docMk/>
+            <pc:sldMk cId="2592071916" sldId="260"/>
+            <ac:cxnSpMk id="41" creationId="{CE8FE78D-CC27-407E-9E0D-9D600AA79FCE}"/>
+          </ac:cxnSpMkLst>
+        </pc:cxnChg>
+      </pc:sldChg>
+      <pc:sldChg chg="modSp add del mod">
+        <pc:chgData name="Sue Ann Koay" userId="41cda4b70aab0210" providerId="LiveId" clId="{C336EFB0-1FE2-4779-B15F-E18B0B9F5947}" dt="2021-06-23T13:53:24.491" v="2318" actId="47"/>
+        <pc:sldMkLst>
+          <pc:docMk/>
+          <pc:sldMk cId="1779219001" sldId="261"/>
+        </pc:sldMkLst>
+        <pc:spChg chg="mod">
+          <ac:chgData name="Sue Ann Koay" userId="41cda4b70aab0210" providerId="LiveId" clId="{C336EFB0-1FE2-4779-B15F-E18B0B9F5947}" dt="2021-06-23T13:52:35.665" v="2256" actId="6549"/>
+          <ac:spMkLst>
+            <pc:docMk/>
+            <pc:sldMk cId="1779219001" sldId="261"/>
+            <ac:spMk id="2" creationId="{2AB8DDE8-21E9-4FE7-9033-C9124254C3F0}"/>
+          </ac:spMkLst>
+        </pc:spChg>
+      </pc:sldChg>
+      <pc:sldChg chg="addSp delSp modSp add mod modAnim">
+        <pc:chgData name="Sue Ann Koay" userId="41cda4b70aab0210" providerId="LiveId" clId="{C336EFB0-1FE2-4779-B15F-E18B0B9F5947}" dt="2021-06-23T14:43:48.551" v="3996"/>
+        <pc:sldMkLst>
+          <pc:docMk/>
+          <pc:sldMk cId="1136019243" sldId="262"/>
+        </pc:sldMkLst>
+        <pc:spChg chg="mod">
+          <ac:chgData name="Sue Ann Koay" userId="41cda4b70aab0210" providerId="LiveId" clId="{C336EFB0-1FE2-4779-B15F-E18B0B9F5947}" dt="2021-06-23T13:53:22.268" v="2317"/>
+          <ac:spMkLst>
+            <pc:docMk/>
+            <pc:sldMk cId="1136019243" sldId="262"/>
+            <ac:spMk id="2" creationId="{2AB8DDE8-21E9-4FE7-9033-C9124254C3F0}"/>
+          </ac:spMkLst>
+        </pc:spChg>
+        <pc:spChg chg="mod">
+          <ac:chgData name="Sue Ann Koay" userId="41cda4b70aab0210" providerId="LiveId" clId="{C336EFB0-1FE2-4779-B15F-E18B0B9F5947}" dt="2021-06-23T14:12:29.537" v="2822" actId="6549"/>
+          <ac:spMkLst>
+            <pc:docMk/>
+            <pc:sldMk cId="1136019243" sldId="262"/>
+            <ac:spMk id="3" creationId="{608CBF71-CA49-45DC-8752-BEFCF0EE7AFB}"/>
+          </ac:spMkLst>
+        </pc:spChg>
+        <pc:spChg chg="del">
+          <ac:chgData name="Sue Ann Koay" userId="41cda4b70aab0210" providerId="LiveId" clId="{C336EFB0-1FE2-4779-B15F-E18B0B9F5947}" dt="2021-06-23T13:53:29.258" v="2319" actId="478"/>
+          <ac:spMkLst>
+            <pc:docMk/>
+            <pc:sldMk cId="1136019243" sldId="262"/>
+            <ac:spMk id="10" creationId="{933B03C8-D756-4C47-88FB-2DBA4BDA26CC}"/>
+          </ac:spMkLst>
+        </pc:spChg>
+        <pc:spChg chg="mod">
+          <ac:chgData name="Sue Ann Koay" userId="41cda4b70aab0210" providerId="LiveId" clId="{C336EFB0-1FE2-4779-B15F-E18B0B9F5947}" dt="2021-06-23T14:00:42.742" v="2343" actId="20577"/>
+          <ac:spMkLst>
+            <pc:docMk/>
+            <pc:sldMk cId="1136019243" sldId="262"/>
+            <ac:spMk id="11" creationId="{08B1D26D-14C3-412E-98E6-6CF4440F72AC}"/>
+          </ac:spMkLst>
+        </pc:spChg>
+        <pc:spChg chg="del">
+          <ac:chgData name="Sue Ann Koay" userId="41cda4b70aab0210" providerId="LiveId" clId="{C336EFB0-1FE2-4779-B15F-E18B0B9F5947}" dt="2021-06-23T13:53:29.258" v="2319" actId="478"/>
+          <ac:spMkLst>
+            <pc:docMk/>
+            <pc:sldMk cId="1136019243" sldId="262"/>
+            <ac:spMk id="12" creationId="{AF40E1B5-F3BA-48DD-B92D-62BBB8ECAECD}"/>
+          </ac:spMkLst>
+        </pc:spChg>
+        <pc:spChg chg="mod">
+          <ac:chgData name="Sue Ann Koay" userId="41cda4b70aab0210" providerId="LiveId" clId="{C336EFB0-1FE2-4779-B15F-E18B0B9F5947}" dt="2021-06-23T14:12:18.564" v="2820" actId="20577"/>
+          <ac:spMkLst>
+            <pc:docMk/>
+            <pc:sldMk cId="1136019243" sldId="262"/>
+            <ac:spMk id="23" creationId="{23122E16-D6F7-4E27-B60C-D11A23774742}"/>
+          </ac:spMkLst>
+        </pc:spChg>
+        <pc:spChg chg="mod">
+          <ac:chgData name="Sue Ann Koay" userId="41cda4b70aab0210" providerId="LiveId" clId="{C336EFB0-1FE2-4779-B15F-E18B0B9F5947}" dt="2021-06-23T14:12:21.968" v="2821" actId="14100"/>
+          <ac:spMkLst>
+            <pc:docMk/>
+            <pc:sldMk cId="1136019243" sldId="262"/>
+            <ac:spMk id="27" creationId="{F0E98BE1-E608-4ED7-A73D-5406C61C7C37}"/>
+          </ac:spMkLst>
+        </pc:spChg>
+        <pc:spChg chg="del">
+          <ac:chgData name="Sue Ann Koay" userId="41cda4b70aab0210" providerId="LiveId" clId="{C336EFB0-1FE2-4779-B15F-E18B0B9F5947}" dt="2021-06-23T13:53:29.258" v="2319" actId="478"/>
+          <ac:spMkLst>
+            <pc:docMk/>
+            <pc:sldMk cId="1136019243" sldId="262"/>
+            <ac:spMk id="37" creationId="{7EB1D2A9-FB71-4D39-91FD-658FA504F20E}"/>
+          </ac:spMkLst>
+        </pc:spChg>
+        <pc:grpChg chg="add mod">
+          <ac:chgData name="Sue Ann Koay" userId="41cda4b70aab0210" providerId="LiveId" clId="{C336EFB0-1FE2-4779-B15F-E18B0B9F5947}" dt="2021-06-23T14:07:46.782" v="2529" actId="1036"/>
+          <ac:grpSpMkLst>
+            <pc:docMk/>
+            <pc:sldMk cId="1136019243" sldId="262"/>
+            <ac:grpSpMk id="21" creationId="{6FF98CEF-12AF-458A-8DB2-9EC4DCA86A41}"/>
+          </ac:grpSpMkLst>
+        </pc:grpChg>
+        <pc:cxnChg chg="mod">
+          <ac:chgData name="Sue Ann Koay" userId="41cda4b70aab0210" providerId="LiveId" clId="{C336EFB0-1FE2-4779-B15F-E18B0B9F5947}" dt="2021-06-23T14:07:37.725" v="2520" actId="14100"/>
+          <ac:cxnSpMkLst>
+            <pc:docMk/>
+            <pc:sldMk cId="1136019243" sldId="262"/>
+            <ac:cxnSpMk id="25" creationId="{6C877E7C-9FC9-42AF-BB4F-FE1492B5B05F}"/>
+          </ac:cxnSpMkLst>
+        </pc:cxnChg>
+        <pc:cxnChg chg="mod">
+          <ac:chgData name="Sue Ann Koay" userId="41cda4b70aab0210" providerId="LiveId" clId="{C336EFB0-1FE2-4779-B15F-E18B0B9F5947}" dt="2021-06-23T14:07:39.859" v="2524" actId="1037"/>
+          <ac:cxnSpMkLst>
+            <pc:docMk/>
+            <pc:sldMk cId="1136019243" sldId="262"/>
+            <ac:cxnSpMk id="26" creationId="{013EBFCC-5987-45D0-A824-C912E4E05FF9}"/>
+          </ac:cxnSpMkLst>
+        </pc:cxnChg>
+        <pc:cxnChg chg="del">
+          <ac:chgData name="Sue Ann Koay" userId="41cda4b70aab0210" providerId="LiveId" clId="{C336EFB0-1FE2-4779-B15F-E18B0B9F5947}" dt="2021-06-23T13:53:29.258" v="2319" actId="478"/>
+          <ac:cxnSpMkLst>
+            <pc:docMk/>
+            <pc:sldMk cId="1136019243" sldId="262"/>
+            <ac:cxnSpMk id="39" creationId="{4F3BD7B5-6C58-4B65-B569-1B0B3187B850}"/>
+          </ac:cxnSpMkLst>
+        </pc:cxnChg>
+        <pc:cxnChg chg="del mod">
+          <ac:chgData name="Sue Ann Koay" userId="41cda4b70aab0210" providerId="LiveId" clId="{C336EFB0-1FE2-4779-B15F-E18B0B9F5947}" dt="2021-06-23T13:53:29.258" v="2319" actId="478"/>
+          <ac:cxnSpMkLst>
+            <pc:docMk/>
+            <pc:sldMk cId="1136019243" sldId="262"/>
+            <ac:cxnSpMk id="41" creationId="{CE8FE78D-CC27-407E-9E0D-9D600AA79FCE}"/>
+          </ac:cxnSpMkLst>
+        </pc:cxnChg>
+      </pc:sldChg>
+      <pc:sldChg chg="addSp delSp modSp add mod ord modAnim">
+        <pc:chgData name="Sue Ann Koay" userId="41cda4b70aab0210" providerId="LiveId" clId="{C336EFB0-1FE2-4779-B15F-E18B0B9F5947}" dt="2021-06-23T14:56:46.310" v="4107" actId="20577"/>
+        <pc:sldMkLst>
+          <pc:docMk/>
+          <pc:sldMk cId="3249206437" sldId="263"/>
+        </pc:sldMkLst>
+        <pc:spChg chg="mod">
+          <ac:chgData name="Sue Ann Koay" userId="41cda4b70aab0210" providerId="LiveId" clId="{C336EFB0-1FE2-4779-B15F-E18B0B9F5947}" dt="2021-06-23T14:21:34.795" v="2906" actId="27636"/>
+          <ac:spMkLst>
+            <pc:docMk/>
+            <pc:sldMk cId="3249206437" sldId="263"/>
+            <ac:spMk id="2" creationId="{2AB8DDE8-21E9-4FE7-9033-C9124254C3F0}"/>
+          </ac:spMkLst>
+        </pc:spChg>
+        <pc:spChg chg="add mod">
+          <ac:chgData name="Sue Ann Koay" userId="41cda4b70aab0210" providerId="LiveId" clId="{C336EFB0-1FE2-4779-B15F-E18B0B9F5947}" dt="2021-06-23T14:56:39.297" v="4091" actId="20577"/>
+          <ac:spMkLst>
+            <pc:docMk/>
+            <pc:sldMk cId="3249206437" sldId="263"/>
+            <ac:spMk id="4" creationId="{2239C26A-C29A-4B90-AEBD-8B6D907FC42C}"/>
+          </ac:spMkLst>
+        </pc:spChg>
+        <pc:spChg chg="add del mod">
+          <ac:chgData name="Sue Ann Koay" userId="41cda4b70aab0210" providerId="LiveId" clId="{C336EFB0-1FE2-4779-B15F-E18B0B9F5947}" dt="2021-06-23T14:35:58.146" v="3332"/>
+          <ac:spMkLst>
+            <pc:docMk/>
+            <pc:sldMk cId="3249206437" sldId="263"/>
+            <ac:spMk id="7" creationId="{400FBB32-E7FC-4798-B027-B8483F4EF4CF}"/>
+          </ac:spMkLst>
+        </pc:spChg>
+        <pc:spChg chg="add mod">
+          <ac:chgData name="Sue Ann Koay" userId="41cda4b70aab0210" providerId="LiveId" clId="{C336EFB0-1FE2-4779-B15F-E18B0B9F5947}" dt="2021-06-23T14:42:31.823" v="3986" actId="1035"/>
+          <ac:spMkLst>
+            <pc:docMk/>
+            <pc:sldMk cId="3249206437" sldId="263"/>
+            <ac:spMk id="8" creationId="{1D07A080-00F5-434A-82AD-867D10525E34}"/>
+          </ac:spMkLst>
+        </pc:spChg>
+        <pc:spChg chg="add mod">
+          <ac:chgData name="Sue Ann Koay" userId="41cda4b70aab0210" providerId="LiveId" clId="{C336EFB0-1FE2-4779-B15F-E18B0B9F5947}" dt="2021-06-23T14:42:31.823" v="3986" actId="1035"/>
+          <ac:spMkLst>
+            <pc:docMk/>
+            <pc:sldMk cId="3249206437" sldId="263"/>
+            <ac:spMk id="11" creationId="{C83BA7A3-C70C-48BD-9E17-67D7A3E56953}"/>
+          </ac:spMkLst>
+        </pc:spChg>
+        <pc:spChg chg="add mod">
+          <ac:chgData name="Sue Ann Koay" userId="41cda4b70aab0210" providerId="LiveId" clId="{C336EFB0-1FE2-4779-B15F-E18B0B9F5947}" dt="2021-06-23T14:42:31.823" v="3986" actId="1035"/>
+          <ac:spMkLst>
+            <pc:docMk/>
+            <pc:sldMk cId="3249206437" sldId="263"/>
+            <ac:spMk id="13" creationId="{123FCFA7-B000-41D5-A45F-72B2765E8161}"/>
+          </ac:spMkLst>
+        </pc:spChg>
+        <pc:spChg chg="add mod">
+          <ac:chgData name="Sue Ann Koay" userId="41cda4b70aab0210" providerId="LiveId" clId="{C336EFB0-1FE2-4779-B15F-E18B0B9F5947}" dt="2021-06-23T14:42:31.823" v="3986" actId="1035"/>
+          <ac:spMkLst>
+            <pc:docMk/>
+            <pc:sldMk cId="3249206437" sldId="263"/>
+            <ac:spMk id="14" creationId="{B6FF69B5-2723-4F11-A5A7-CD541327E2F5}"/>
+          </ac:spMkLst>
+        </pc:spChg>
+        <pc:graphicFrameChg chg="add mod modGraphic">
+          <ac:chgData name="Sue Ann Koay" userId="41cda4b70aab0210" providerId="LiveId" clId="{C336EFB0-1FE2-4779-B15F-E18B0B9F5947}" dt="2021-06-23T14:56:42.425" v="4099" actId="20577"/>
+          <ac:graphicFrameMkLst>
+            <pc:docMk/>
+            <pc:sldMk cId="3249206437" sldId="263"/>
+            <ac:graphicFrameMk id="6" creationId="{9D5AAAAE-559A-444A-9BFF-4047DC8BA1C1}"/>
+          </ac:graphicFrameMkLst>
+        </pc:graphicFrameChg>
+        <pc:graphicFrameChg chg="add mod modGraphic">
+          <ac:chgData name="Sue Ann Koay" userId="41cda4b70aab0210" providerId="LiveId" clId="{C336EFB0-1FE2-4779-B15F-E18B0B9F5947}" dt="2021-06-23T14:56:46.310" v="4107" actId="20577"/>
+          <ac:graphicFrameMkLst>
+            <pc:docMk/>
+            <pc:sldMk cId="3249206437" sldId="263"/>
+            <ac:graphicFrameMk id="12" creationId="{FE84C03B-D96F-4282-87F4-1676EE0CE8B6}"/>
+          </ac:graphicFrameMkLst>
+        </pc:graphicFrameChg>
+        <pc:picChg chg="del">
+          <ac:chgData name="Sue Ann Koay" userId="41cda4b70aab0210" providerId="LiveId" clId="{C336EFB0-1FE2-4779-B15F-E18B0B9F5947}" dt="2021-06-23T14:13:07.932" v="2835" actId="478"/>
+          <ac:picMkLst>
+            <pc:docMk/>
+            <pc:sldMk cId="3249206437" sldId="263"/>
+            <ac:picMk id="5" creationId="{4F46FE90-028E-4D1A-B7F7-F1EED4B52427}"/>
+          </ac:picMkLst>
+        </pc:picChg>
+        <pc:cxnChg chg="add mod">
+          <ac:chgData name="Sue Ann Koay" userId="41cda4b70aab0210" providerId="LiveId" clId="{C336EFB0-1FE2-4779-B15F-E18B0B9F5947}" dt="2021-06-23T14:42:31.823" v="3986" actId="1035"/>
+          <ac:cxnSpMkLst>
+            <pc:docMk/>
+            <pc:sldMk cId="3249206437" sldId="263"/>
+            <ac:cxnSpMk id="10" creationId="{76CE3D42-0D4C-4D75-A33C-6C8E6496FC1E}"/>
+          </ac:cxnSpMkLst>
+        </pc:cxnChg>
+        <pc:cxnChg chg="add mod">
+          <ac:chgData name="Sue Ann Koay" userId="41cda4b70aab0210" providerId="LiveId" clId="{C336EFB0-1FE2-4779-B15F-E18B0B9F5947}" dt="2021-06-23T14:42:31.823" v="3986" actId="1035"/>
+          <ac:cxnSpMkLst>
+            <pc:docMk/>
+            <pc:sldMk cId="3249206437" sldId="263"/>
+            <ac:cxnSpMk id="16" creationId="{9FED8762-F211-45BF-A54A-1856AF9C99B7}"/>
+          </ac:cxnSpMkLst>
+        </pc:cxnChg>
+      </pc:sldChg>
+      <pc:sldChg chg="addSp delSp modSp add mod ord">
+        <pc:chgData name="Sue Ann Koay" userId="41cda4b70aab0210" providerId="LiveId" clId="{C336EFB0-1FE2-4779-B15F-E18B0B9F5947}" dt="2021-06-23T14:19:03.978" v="2846"/>
+        <pc:sldMkLst>
+          <pc:docMk/>
+          <pc:sldMk cId="4133011795" sldId="264"/>
+        </pc:sldMkLst>
+        <pc:spChg chg="add del mod">
+          <ac:chgData name="Sue Ann Koay" userId="41cda4b70aab0210" providerId="LiveId" clId="{C336EFB0-1FE2-4779-B15F-E18B0B9F5947}" dt="2021-06-23T14:18:24.499" v="2839" actId="478"/>
+          <ac:spMkLst>
+            <pc:docMk/>
+            <pc:sldMk cId="4133011795" sldId="264"/>
+            <ac:spMk id="4" creationId="{8AAFF379-2A23-4BE9-9AF6-AE2B179A2C6E}"/>
+          </ac:spMkLst>
+        </pc:spChg>
+        <pc:spChg chg="add del mod">
+          <ac:chgData name="Sue Ann Koay" userId="41cda4b70aab0210" providerId="LiveId" clId="{C336EFB0-1FE2-4779-B15F-E18B0B9F5947}" dt="2021-06-23T14:18:26.963" v="2841" actId="22"/>
+          <ac:spMkLst>
+            <pc:docMk/>
+            <pc:sldMk cId="4133011795" sldId="264"/>
+            <ac:spMk id="6" creationId="{D56414AF-4302-4310-8D34-B04F2116E939}"/>
+          </ac:spMkLst>
+        </pc:spChg>
+        <pc:picChg chg="add mod ord">
+          <ac:chgData name="Sue Ann Koay" userId="41cda4b70aab0210" providerId="LiveId" clId="{C336EFB0-1FE2-4779-B15F-E18B0B9F5947}" dt="2021-06-23T14:18:42.772" v="2844" actId="1076"/>
+          <ac:picMkLst>
+            <pc:docMk/>
+            <pc:sldMk cId="4133011795" sldId="264"/>
+            <ac:picMk id="8" creationId="{5823C98E-5CAA-4A7D-A24A-58FE0C4AE0C2}"/>
+          </ac:picMkLst>
+        </pc:picChg>
+        <pc:picChg chg="add del mod">
+          <ac:chgData name="Sue Ann Koay" userId="41cda4b70aab0210" providerId="LiveId" clId="{C336EFB0-1FE2-4779-B15F-E18B0B9F5947}" dt="2021-06-23T14:18:26.080" v="2840" actId="478"/>
+          <ac:picMkLst>
+            <pc:docMk/>
+            <pc:sldMk cId="4133011795" sldId="264"/>
+            <ac:picMk id="10" creationId="{0748CB1E-7D08-45F8-A70E-0897293BA0D7}"/>
+          </ac:picMkLst>
+        </pc:picChg>
+      </pc:sldChg>
+      <pc:sldChg chg="addSp delSp modSp new mod">
+        <pc:chgData name="Sue Ann Koay" userId="41cda4b70aab0210" providerId="LiveId" clId="{C336EFB0-1FE2-4779-B15F-E18B0B9F5947}" dt="2021-06-23T15:05:09.669" v="4455" actId="20577"/>
+        <pc:sldMkLst>
+          <pc:docMk/>
+          <pc:sldMk cId="1543534616" sldId="265"/>
+        </pc:sldMkLst>
+        <pc:spChg chg="mod">
+          <ac:chgData name="Sue Ann Koay" userId="41cda4b70aab0210" providerId="LiveId" clId="{C336EFB0-1FE2-4779-B15F-E18B0B9F5947}" dt="2021-06-23T15:05:09.669" v="4455" actId="20577"/>
+          <ac:spMkLst>
+            <pc:docMk/>
+            <pc:sldMk cId="1543534616" sldId="265"/>
+            <ac:spMk id="2" creationId="{3F0DBCBC-2948-4BA6-AB3F-37D321A4BF59}"/>
+          </ac:spMkLst>
+        </pc:spChg>
+        <pc:spChg chg="del">
+          <ac:chgData name="Sue Ann Koay" userId="41cda4b70aab0210" providerId="LiveId" clId="{C336EFB0-1FE2-4779-B15F-E18B0B9F5947}" dt="2021-06-23T15:02:03.088" v="4232" actId="22"/>
+          <ac:spMkLst>
+            <pc:docMk/>
+            <pc:sldMk cId="1543534616" sldId="265"/>
+            <ac:spMk id="3" creationId="{CBE5A306-0D0A-412F-B8F4-236C1031CBC5}"/>
+          </ac:spMkLst>
+        </pc:spChg>
+        <pc:spChg chg="add del mod">
+          <ac:chgData name="Sue Ann Koay" userId="41cda4b70aab0210" providerId="LiveId" clId="{C336EFB0-1FE2-4779-B15F-E18B0B9F5947}" dt="2021-06-23T15:03:19.805" v="4369" actId="22"/>
+          <ac:spMkLst>
+            <pc:docMk/>
+            <pc:sldMk cId="1543534616" sldId="265"/>
+            <ac:spMk id="7" creationId="{9DDE936B-D223-4B9B-B969-DA77687E9C3F}"/>
+          </ac:spMkLst>
+        </pc:spChg>
+        <pc:spChg chg="add del mod">
+          <ac:chgData name="Sue Ann Koay" userId="41cda4b70aab0210" providerId="LiveId" clId="{C336EFB0-1FE2-4779-B15F-E18B0B9F5947}" dt="2021-06-23T15:04:08.626" v="4384" actId="22"/>
+          <ac:spMkLst>
+            <pc:docMk/>
+            <pc:sldMk cId="1543534616" sldId="265"/>
+            <ac:spMk id="11" creationId="{260DA3C1-5280-4AA8-AFC5-04C043340E03}"/>
+          </ac:spMkLst>
+        </pc:spChg>
+        <pc:picChg chg="add del mod ord">
+          <ac:chgData name="Sue Ann Koay" userId="41cda4b70aab0210" providerId="LiveId" clId="{C336EFB0-1FE2-4779-B15F-E18B0B9F5947}" dt="2021-06-23T15:02:32.021" v="4290" actId="478"/>
+          <ac:picMkLst>
+            <pc:docMk/>
+            <pc:sldMk cId="1543534616" sldId="265"/>
+            <ac:picMk id="5" creationId="{63E4B142-AEF6-4AA5-9C66-9BA0316A7BB6}"/>
+          </ac:picMkLst>
+        </pc:picChg>
+        <pc:picChg chg="add del mod ord">
+          <ac:chgData name="Sue Ann Koay" userId="41cda4b70aab0210" providerId="LiveId" clId="{C336EFB0-1FE2-4779-B15F-E18B0B9F5947}" dt="2021-06-23T15:03:40.437" v="4383" actId="478"/>
+          <ac:picMkLst>
+            <pc:docMk/>
+            <pc:sldMk cId="1543534616" sldId="265"/>
+            <ac:picMk id="9" creationId="{0173E2E9-CEC1-4350-99CD-6B7CF4B22BD7}"/>
+          </ac:picMkLst>
+        </pc:picChg>
+        <pc:picChg chg="add mod ord">
+          <ac:chgData name="Sue Ann Koay" userId="41cda4b70aab0210" providerId="LiveId" clId="{C336EFB0-1FE2-4779-B15F-E18B0B9F5947}" dt="2021-06-23T15:04:14.703" v="4386" actId="14100"/>
+          <ac:picMkLst>
+            <pc:docMk/>
+            <pc:sldMk cId="1543534616" sldId="265"/>
+            <ac:picMk id="13" creationId="{1501AAA6-A279-48AC-A4F5-D53820AB36C4}"/>
+          </ac:picMkLst>
+        </pc:picChg>
+      </pc:sldChg>
+      <pc:sldChg chg="addSp delSp modSp new del mod">
+        <pc:chgData name="Sue Ann Koay" userId="41cda4b70aab0210" providerId="LiveId" clId="{C336EFB0-1FE2-4779-B15F-E18B0B9F5947}" dt="2021-06-23T15:01:57.755" v="4230" actId="47"/>
+        <pc:sldMkLst>
+          <pc:docMk/>
+          <pc:sldMk cId="2369941072" sldId="265"/>
+        </pc:sldMkLst>
+        <pc:spChg chg="mod">
+          <ac:chgData name="Sue Ann Koay" userId="41cda4b70aab0210" providerId="LiveId" clId="{C336EFB0-1FE2-4779-B15F-E18B0B9F5947}" dt="2021-06-23T14:58:20.555" v="4221" actId="1076"/>
+          <ac:spMkLst>
+            <pc:docMk/>
+            <pc:sldMk cId="2369941072" sldId="265"/>
+            <ac:spMk id="2" creationId="{D2ADC459-CD60-4BA7-9301-77F4ED5F30F8}"/>
+          </ac:spMkLst>
+        </pc:spChg>
+        <pc:spChg chg="del">
+          <ac:chgData name="Sue Ann Koay" userId="41cda4b70aab0210" providerId="LiveId" clId="{C336EFB0-1FE2-4779-B15F-E18B0B9F5947}" dt="2021-06-23T14:50:29.665" v="3998" actId="22"/>
+          <ac:spMkLst>
+            <pc:docMk/>
+            <pc:sldMk cId="2369941072" sldId="265"/>
+            <ac:spMk id="3" creationId="{5D7FAD73-9F03-469F-A519-3222A3566BB5}"/>
+          </ac:spMkLst>
+        </pc:spChg>
+        <pc:spChg chg="add del mod">
+          <ac:chgData name="Sue Ann Koay" userId="41cda4b70aab0210" providerId="LiveId" clId="{C336EFB0-1FE2-4779-B15F-E18B0B9F5947}" dt="2021-06-23T14:56:50.371" v="4108" actId="22"/>
+          <ac:spMkLst>
+            <pc:docMk/>
+            <pc:sldMk cId="2369941072" sldId="265"/>
+            <ac:spMk id="7" creationId="{1FF86FB7-6716-4DCD-AC9F-2F944057DC26}"/>
+          </ac:spMkLst>
+        </pc:spChg>
+        <pc:picChg chg="add del mod ord">
+          <ac:chgData name="Sue Ann Koay" userId="41cda4b70aab0210" providerId="LiveId" clId="{C336EFB0-1FE2-4779-B15F-E18B0B9F5947}" dt="2021-06-23T14:56:05.040" v="4075" actId="478"/>
+          <ac:picMkLst>
+            <pc:docMk/>
+            <pc:sldMk cId="2369941072" sldId="265"/>
+            <ac:picMk id="5" creationId="{F8AE4B2D-5877-4875-A893-612D427EC46E}"/>
+          </ac:picMkLst>
+        </pc:picChg>
+        <pc:picChg chg="add mod ord">
+          <ac:chgData name="Sue Ann Koay" userId="41cda4b70aab0210" providerId="LiveId" clId="{C336EFB0-1FE2-4779-B15F-E18B0B9F5947}" dt="2021-06-23T14:56:55.996" v="4111" actId="1076"/>
+          <ac:picMkLst>
+            <pc:docMk/>
+            <pc:sldMk cId="2369941072" sldId="265"/>
+            <ac:picMk id="9" creationId="{B0ABF27D-9331-48F1-9743-E7C2C8840BCC}"/>
+          </ac:picMkLst>
+        </pc:picChg>
+      </pc:sldChg>
+      <pc:sldChg chg="modSp add mod">
+        <pc:chgData name="Sue Ann Koay" userId="41cda4b70aab0210" providerId="LiveId" clId="{C336EFB0-1FE2-4779-B15F-E18B0B9F5947}" dt="2021-06-23T15:05:02.052" v="4445" actId="20577"/>
+        <pc:sldMkLst>
+          <pc:docMk/>
+          <pc:sldMk cId="820197949" sldId="266"/>
+        </pc:sldMkLst>
+        <pc:spChg chg="mod">
+          <ac:chgData name="Sue Ann Koay" userId="41cda4b70aab0210" providerId="LiveId" clId="{C336EFB0-1FE2-4779-B15F-E18B0B9F5947}" dt="2021-06-23T15:05:02.052" v="4445" actId="20577"/>
+          <ac:spMkLst>
+            <pc:docMk/>
+            <pc:sldMk cId="820197949" sldId="266"/>
+            <ac:spMk id="2" creationId="{3F0DBCBC-2948-4BA6-AB3F-37D321A4BF59}"/>
+          </ac:spMkLst>
+        </pc:spChg>
+      </pc:sldChg>
+      <pc:sldChg chg="addSp delSp modSp add del mod">
+        <pc:chgData name="Sue Ann Koay" userId="41cda4b70aab0210" providerId="LiveId" clId="{C336EFB0-1FE2-4779-B15F-E18B0B9F5947}" dt="2021-06-23T15:01:55.020" v="4229" actId="47"/>
+        <pc:sldMkLst>
+          <pc:docMk/>
+          <pc:sldMk cId="3100571086" sldId="266"/>
+        </pc:sldMkLst>
+        <pc:spChg chg="add del mod">
+          <ac:chgData name="Sue Ann Koay" userId="41cda4b70aab0210" providerId="LiveId" clId="{C336EFB0-1FE2-4779-B15F-E18B0B9F5947}" dt="2021-06-23T14:59:06.969" v="4224" actId="22"/>
+          <ac:spMkLst>
+            <pc:docMk/>
+            <pc:sldMk cId="3100571086" sldId="266"/>
+            <ac:spMk id="4" creationId="{98714BC9-148B-4929-A923-6D15E7D6D54C}"/>
+          </ac:spMkLst>
+        </pc:spChg>
+        <pc:picChg chg="add mod ord">
+          <ac:chgData name="Sue Ann Koay" userId="41cda4b70aab0210" providerId="LiveId" clId="{C336EFB0-1FE2-4779-B15F-E18B0B9F5947}" dt="2021-06-23T14:59:16.774" v="4228" actId="1076"/>
+          <ac:picMkLst>
+            <pc:docMk/>
+            <pc:sldMk cId="3100571086" sldId="266"/>
+            <ac:picMk id="6" creationId="{132F1FBA-1394-448E-B08B-0ED5F8E28CA8}"/>
+          </ac:picMkLst>
+        </pc:picChg>
+        <pc:picChg chg="del">
+          <ac:chgData name="Sue Ann Koay" userId="41cda4b70aab0210" providerId="LiveId" clId="{C336EFB0-1FE2-4779-B15F-E18B0B9F5947}" dt="2021-06-23T14:58:23.851" v="4223" actId="478"/>
+          <ac:picMkLst>
+            <pc:docMk/>
+            <pc:sldMk cId="3100571086" sldId="266"/>
+            <ac:picMk id="9" creationId="{B0ABF27D-9331-48F1-9743-E7C2C8840BCC}"/>
+          </ac:picMkLst>
+        </pc:picChg>
+      </pc:sldChg>
+      <pc:sldChg chg="addSp modSp new mod">
+        <pc:chgData name="Sue Ann Koay" userId="41cda4b70aab0210" providerId="LiveId" clId="{C336EFB0-1FE2-4779-B15F-E18B0B9F5947}" dt="2021-06-23T15:31:11.466" v="4460" actId="1076"/>
+        <pc:sldMkLst>
+          <pc:docMk/>
+          <pc:sldMk cId="430150345" sldId="267"/>
+        </pc:sldMkLst>
+        <pc:picChg chg="add mod">
+          <ac:chgData name="Sue Ann Koay" userId="41cda4b70aab0210" providerId="LiveId" clId="{C336EFB0-1FE2-4779-B15F-E18B0B9F5947}" dt="2021-06-23T15:31:01.862" v="4458" actId="1076"/>
+          <ac:picMkLst>
+            <pc:docMk/>
+            <pc:sldMk cId="430150345" sldId="267"/>
+            <ac:picMk id="4" creationId="{807456D6-3432-448F-B53F-D9C508A0823D}"/>
+          </ac:picMkLst>
+        </pc:picChg>
+        <pc:picChg chg="add mod">
+          <ac:chgData name="Sue Ann Koay" userId="41cda4b70aab0210" providerId="LiveId" clId="{C336EFB0-1FE2-4779-B15F-E18B0B9F5947}" dt="2021-06-23T15:31:11.466" v="4460" actId="1076"/>
+          <ac:picMkLst>
+            <pc:docMk/>
+            <pc:sldMk cId="430150345" sldId="267"/>
+            <ac:picMk id="6" creationId="{C1622315-C1EA-42D4-B74C-CDC053054708}"/>
+          </ac:picMkLst>
+        </pc:picChg>
       </pc:sldChg>
       <pc:sldMasterChg chg="modSldLayout">
         <pc:chgData name="Sue Ann Koay" userId="41cda4b70aab0210" providerId="LiveId" clId="{C336EFB0-1FE2-4779-B15F-E18B0B9F5947}" dt="2021-06-21T02:37:21.364" v="193" actId="1036"/>
@@ -650,7 +1397,7 @@
           <a:p>
             <a:fld id="{BDDCE10E-299B-488E-8330-FD3FC8899AB3}" type="datetimeFigureOut">
               <a:rPr lang="en-US" smtClean="0"/>
-              <a:t>6/20/2021</a:t>
+              <a:t>6/23/2021</a:t>
             </a:fld>
             <a:endParaRPr lang="en-US"/>
           </a:p>
@@ -848,7 +1595,7 @@
           <a:p>
             <a:fld id="{BDDCE10E-299B-488E-8330-FD3FC8899AB3}" type="datetimeFigureOut">
               <a:rPr lang="en-US" smtClean="0"/>
-              <a:t>6/20/2021</a:t>
+              <a:t>6/23/2021</a:t>
             </a:fld>
             <a:endParaRPr lang="en-US"/>
           </a:p>
@@ -1056,7 +1803,7 @@
           <a:p>
             <a:fld id="{BDDCE10E-299B-488E-8330-FD3FC8899AB3}" type="datetimeFigureOut">
               <a:rPr lang="en-US" smtClean="0"/>
-              <a:t>6/20/2021</a:t>
+              <a:t>6/23/2021</a:t>
             </a:fld>
             <a:endParaRPr lang="en-US"/>
           </a:p>
@@ -1264,7 +2011,7 @@
           <a:p>
             <a:fld id="{BDDCE10E-299B-488E-8330-FD3FC8899AB3}" type="datetimeFigureOut">
               <a:rPr lang="en-US" smtClean="0"/>
-              <a:t>6/20/2021</a:t>
+              <a:t>6/23/2021</a:t>
             </a:fld>
             <a:endParaRPr lang="en-US"/>
           </a:p>
@@ -1539,7 +2286,7 @@
           <a:p>
             <a:fld id="{BDDCE10E-299B-488E-8330-FD3FC8899AB3}" type="datetimeFigureOut">
               <a:rPr lang="en-US" smtClean="0"/>
-              <a:t>6/20/2021</a:t>
+              <a:t>6/23/2021</a:t>
             </a:fld>
             <a:endParaRPr lang="en-US"/>
           </a:p>
@@ -1804,7 +2551,7 @@
           <a:p>
             <a:fld id="{BDDCE10E-299B-488E-8330-FD3FC8899AB3}" type="datetimeFigureOut">
               <a:rPr lang="en-US" smtClean="0"/>
-              <a:t>6/20/2021</a:t>
+              <a:t>6/23/2021</a:t>
             </a:fld>
             <a:endParaRPr lang="en-US"/>
           </a:p>
@@ -2216,7 +2963,7 @@
           <a:p>
             <a:fld id="{BDDCE10E-299B-488E-8330-FD3FC8899AB3}" type="datetimeFigureOut">
               <a:rPr lang="en-US" smtClean="0"/>
-              <a:t>6/20/2021</a:t>
+              <a:t>6/23/2021</a:t>
             </a:fld>
             <a:endParaRPr lang="en-US"/>
           </a:p>
@@ -2357,7 +3104,7 @@
           <a:p>
             <a:fld id="{BDDCE10E-299B-488E-8330-FD3FC8899AB3}" type="datetimeFigureOut">
               <a:rPr lang="en-US" smtClean="0"/>
-              <a:t>6/20/2021</a:t>
+              <a:t>6/23/2021</a:t>
             </a:fld>
             <a:endParaRPr lang="en-US"/>
           </a:p>
@@ -2470,7 +3217,7 @@
           <a:p>
             <a:fld id="{BDDCE10E-299B-488E-8330-FD3FC8899AB3}" type="datetimeFigureOut">
               <a:rPr lang="en-US" smtClean="0"/>
-              <a:t>6/20/2021</a:t>
+              <a:t>6/23/2021</a:t>
             </a:fld>
             <a:endParaRPr lang="en-US"/>
           </a:p>
@@ -2781,7 +3528,7 @@
           <a:p>
             <a:fld id="{BDDCE10E-299B-488E-8330-FD3FC8899AB3}" type="datetimeFigureOut">
               <a:rPr lang="en-US" smtClean="0"/>
-              <a:t>6/20/2021</a:t>
+              <a:t>6/23/2021</a:t>
             </a:fld>
             <a:endParaRPr lang="en-US"/>
           </a:p>
@@ -3069,7 +3816,7 @@
           <a:p>
             <a:fld id="{BDDCE10E-299B-488E-8330-FD3FC8899AB3}" type="datetimeFigureOut">
               <a:rPr lang="en-US" smtClean="0"/>
-              <a:t>6/20/2021</a:t>
+              <a:t>6/23/2021</a:t>
             </a:fld>
             <a:endParaRPr lang="en-US"/>
           </a:p>
@@ -3310,7 +4057,7 @@
           <a:p>
             <a:fld id="{BDDCE10E-299B-488E-8330-FD3FC8899AB3}" type="datetimeFigureOut">
               <a:rPr lang="en-US" smtClean="0"/>
-              <a:t>6/20/2021</a:t>
+              <a:t>6/23/2021</a:t>
             </a:fld>
             <a:endParaRPr lang="en-US"/>
           </a:p>
@@ -3752,7 +4499,7 @@
           <a:p>
             <a:pPr algn="ctr"/>
             <a:r>
-              <a:rPr lang="en-US" dirty="0"/>
+              <a:rPr lang="en-US"/>
               <a:t>Behavior Model : factors that predict the direction in which the monkey will saccade</a:t>
             </a:r>
           </a:p>
@@ -3785,46 +4532,45 @@
           <a:lstStyle/>
           <a:p>
             <a:r>
-              <a:rPr lang="en-US" dirty="0"/>
+              <a:rPr lang="en-US"/>
               <a:t>Separately modeled two categories of trials (per monkey):</a:t>
             </a:r>
           </a:p>
           <a:p>
-            <a:endParaRPr lang="en-US" dirty="0"/>
-          </a:p>
-          <a:p>
-            <a:endParaRPr lang="en-US" dirty="0"/>
-          </a:p>
-          <a:p>
-            <a:endParaRPr lang="en-US" dirty="0"/>
+            <a:endParaRPr lang="en-US"/>
+          </a:p>
+          <a:p>
+            <a:endParaRPr lang="en-US"/>
+          </a:p>
+          <a:p>
+            <a:endParaRPr lang="en-US"/>
           </a:p>
           <a:p>
             <a:r>
-              <a:rPr lang="en-US" dirty="0"/>
+              <a:rPr lang="en-US"/>
               <a:t>Predictors in logistic regression model (e.g. for U/D task):</a:t>
-            </a:r>
-          </a:p>
-          <a:p>
-            <a:pPr lvl="1"/>
-            <a:r>
-              <a:rPr lang="en-US" dirty="0"/>
-              <a:t>Gap direction in current trial: Up or Down</a:t>
-            </a:r>
-          </a:p>
-          <a:p>
-            <a:pPr lvl="1"/>
-            <a:r>
-              <a:rPr lang="en-US" dirty="0"/>
-              <a:t>Gap direction in three previous trials: (-1), (-2), (-3)</a:t>
             </a:r>
           </a:p>
           <a:p>
             <a:pPr lvl="1"/>
             <a:r>
               <a:rPr lang="en-US"/>
-              <a:t>Saccade direction in </a:t>
+              <a:t>Gap direction in current trial: Up or Down</a:t>
             </a:r>
-            <a:endParaRPr lang="en-US" dirty="0"/>
+          </a:p>
+          <a:p>
+            <a:pPr lvl="1"/>
+            <a:r>
+              <a:rPr lang="en-US"/>
+              <a:t>Gap direction in three previous trials: (-1), (-2), (-3)</a:t>
+            </a:r>
+          </a:p>
+          <a:p>
+            <a:pPr lvl="1"/>
+            <a:r>
+              <a:rPr lang="en-US"/>
+              <a:t>Saccade direction in three previous trials (separately for U/D vs. L/R saccades)</a:t>
+            </a:r>
           </a:p>
         </p:txBody>
       </p:sp>
@@ -5314,7 +6060,7 @@
           <a:p>
             <a:pPr algn="ctr"/>
             <a:r>
-              <a:rPr lang="en-US" dirty="0"/>
+              <a:rPr lang="en-US"/>
               <a:t>“Up/Down” task</a:t>
             </a:r>
           </a:p>
@@ -5350,7 +6096,7 @@
           <a:p>
             <a:pPr algn="ctr"/>
             <a:r>
-              <a:rPr lang="en-US" dirty="0"/>
+              <a:rPr lang="en-US"/>
               <a:t>“Left/Right” task</a:t>
             </a:r>
           </a:p>
@@ -5360,6 +6106,127 @@
     <p:extLst>
       <p:ext uri="{BB962C8B-B14F-4D97-AF65-F5344CB8AC3E}">
         <p14:creationId xmlns:p14="http://schemas.microsoft.com/office/powerpoint/2010/main" val="3157142872"/>
+      </p:ext>
+    </p:extLst>
+  </p:cSld>
+  <p:clrMapOvr>
+    <a:masterClrMapping/>
+  </p:clrMapOvr>
+</p:sld>
+</file>
+
+<file path=ppt/slides/slide10.xml><?xml version="1.0" encoding="utf-8"?>
+<p:sld xmlns:a="http://schemas.openxmlformats.org/drawingml/2006/main" xmlns:r="http://schemas.openxmlformats.org/officeDocument/2006/relationships" xmlns:p="http://schemas.openxmlformats.org/presentationml/2006/main">
+  <p:cSld>
+    <p:spTree>
+      <p:nvGrpSpPr>
+        <p:cNvPr id="1" name=""/>
+        <p:cNvGrpSpPr/>
+        <p:nvPr/>
+      </p:nvGrpSpPr>
+      <p:grpSpPr>
+        <a:xfrm>
+          <a:off x="0" y="0"/>
+          <a:ext cx="0" cy="0"/>
+          <a:chOff x="0" y="0"/>
+          <a:chExt cx="0" cy="0"/>
+        </a:xfrm>
+      </p:grpSpPr>
+      <p:sp>
+        <p:nvSpPr>
+          <p:cNvPr id="2" name="Title 1">
+            <a:extLst>
+              <a:ext uri="{FF2B5EF4-FFF2-40B4-BE49-F238E27FC236}">
+                <a16:creationId xmlns:a16="http://schemas.microsoft.com/office/drawing/2014/main" id="{9C8398AF-6728-430C-8FAC-2CC15B53DB57}"/>
+              </a:ext>
+            </a:extLst>
+          </p:cNvPr>
+          <p:cNvSpPr>
+            <a:spLocks noGrp="1"/>
+          </p:cNvSpPr>
+          <p:nvPr>
+            <p:ph type="title"/>
+          </p:nvPr>
+        </p:nvSpPr>
+        <p:spPr/>
+        <p:txBody>
+          <a:bodyPr>
+            <a:normAutofit/>
+          </a:bodyPr>
+          <a:lstStyle/>
+          <a:p>
+            <a:pPr algn="ctr"/>
+            <a:r>
+              <a:rPr lang="en-US"/>
+              <a:t>Responses to random rewards are difficult to obtain statistical significance for</a:t>
+            </a:r>
+          </a:p>
+        </p:txBody>
+      </p:sp>
+      <p:pic>
+        <p:nvPicPr>
+          <p:cNvPr id="4" name="Picture 3">
+            <a:extLst>
+              <a:ext uri="{FF2B5EF4-FFF2-40B4-BE49-F238E27FC236}">
+                <a16:creationId xmlns:a16="http://schemas.microsoft.com/office/drawing/2014/main" id="{807456D6-3432-448F-B53F-D9C508A0823D}"/>
+              </a:ext>
+            </a:extLst>
+          </p:cNvPr>
+          <p:cNvPicPr>
+            <a:picLocks noChangeAspect="1"/>
+          </p:cNvPicPr>
+          <p:nvPr/>
+        </p:nvPicPr>
+        <p:blipFill>
+          <a:blip r:embed="rId2"/>
+          <a:stretch>
+            <a:fillRect/>
+          </a:stretch>
+        </p:blipFill>
+        <p:spPr>
+          <a:xfrm>
+            <a:off x="6980464" y="1893337"/>
+            <a:ext cx="4762500" cy="4191000"/>
+          </a:xfrm>
+          <a:prstGeom prst="rect">
+            <a:avLst/>
+          </a:prstGeom>
+        </p:spPr>
+      </p:pic>
+      <p:pic>
+        <p:nvPicPr>
+          <p:cNvPr id="6" name="Picture 5">
+            <a:extLst>
+              <a:ext uri="{FF2B5EF4-FFF2-40B4-BE49-F238E27FC236}">
+                <a16:creationId xmlns:a16="http://schemas.microsoft.com/office/drawing/2014/main" id="{C1622315-C1EA-42D4-B74C-CDC053054708}"/>
+              </a:ext>
+            </a:extLst>
+          </p:cNvPr>
+          <p:cNvPicPr>
+            <a:picLocks noChangeAspect="1"/>
+          </p:cNvPicPr>
+          <p:nvPr/>
+        </p:nvPicPr>
+        <p:blipFill>
+          <a:blip r:embed="rId3"/>
+          <a:stretch>
+            <a:fillRect/>
+          </a:stretch>
+        </p:blipFill>
+        <p:spPr>
+          <a:xfrm>
+            <a:off x="1333500" y="1893337"/>
+            <a:ext cx="4762500" cy="4191000"/>
+          </a:xfrm>
+          <a:prstGeom prst="rect">
+            <a:avLst/>
+          </a:prstGeom>
+        </p:spPr>
+      </p:pic>
+    </p:spTree>
+    <p:extLst>
+      <p:ext uri="{BB962C8B-B14F-4D97-AF65-F5344CB8AC3E}">
+        <p14:creationId xmlns:p14="http://schemas.microsoft.com/office/powerpoint/2010/main" val="430150345"/>
       </p:ext>
     </p:extLst>
   </p:cSld>
@@ -5404,38 +6271,48 @@
         </p:nvSpPr>
         <p:spPr/>
         <p:txBody>
-          <a:bodyPr/>
+          <a:bodyPr>
+            <a:normAutofit fontScale="90000"/>
+          </a:bodyPr>
           <a:lstStyle/>
           <a:p>
-            <a:endParaRPr lang="en-US"/>
+            <a:pPr algn="ctr"/>
+            <a:r>
+              <a:rPr lang="en-US"/>
+              <a:t>Mickey’s saccade choices exhibit strong effects from past-trials stimuli and choices</a:t>
+            </a:r>
           </a:p>
         </p:txBody>
       </p:sp>
-      <p:sp>
-        <p:nvSpPr>
-          <p:cNvPr id="3" name="Content Placeholder 2">
+      <p:pic>
+        <p:nvPicPr>
+          <p:cNvPr id="5" name="Content Placeholder 4">
             <a:extLst>
               <a:ext uri="{FF2B5EF4-FFF2-40B4-BE49-F238E27FC236}">
-                <a16:creationId xmlns:a16="http://schemas.microsoft.com/office/drawing/2014/main" id="{608CBF71-CA49-45DC-8752-BEFCF0EE7AFB}"/>
+                <a16:creationId xmlns:a16="http://schemas.microsoft.com/office/drawing/2014/main" id="{4F46FE90-028E-4D1A-B7F7-F1EED4B52427}"/>
               </a:ext>
             </a:extLst>
           </p:cNvPr>
-          <p:cNvSpPr>
-            <a:spLocks noGrp="1"/>
-          </p:cNvSpPr>
+          <p:cNvPicPr>
+            <a:picLocks noGrp="1" noChangeAspect="1"/>
+          </p:cNvPicPr>
           <p:nvPr>
             <p:ph idx="1"/>
           </p:nvPr>
-        </p:nvSpPr>
-        <p:spPr/>
-        <p:txBody>
-          <a:bodyPr/>
-          <a:lstStyle/>
-          <a:p>
-            <a:endParaRPr lang="en-US"/>
-          </a:p>
-        </p:txBody>
-      </p:sp>
+        </p:nvPicPr>
+        <p:blipFill>
+          <a:blip r:embed="rId2"/>
+          <a:stretch>
+            <a:fillRect/>
+          </a:stretch>
+        </p:blipFill>
+        <p:spPr>
+          <a:xfrm>
+            <a:off x="838200" y="2432822"/>
+            <a:ext cx="10515600" cy="3289344"/>
+          </a:xfrm>
+        </p:spPr>
+      </p:pic>
     </p:spTree>
     <p:extLst>
       <p:ext uri="{BB962C8B-B14F-4D97-AF65-F5344CB8AC3E}">
@@ -5484,10 +6361,16 @@
         </p:nvSpPr>
         <p:spPr/>
         <p:txBody>
-          <a:bodyPr/>
+          <a:bodyPr>
+            <a:normAutofit fontScale="90000"/>
+          </a:bodyPr>
           <a:lstStyle/>
           <a:p>
-            <a:endParaRPr lang="en-US"/>
+            <a:pPr algn="ctr"/>
+            <a:r>
+              <a:rPr lang="en-US"/>
+              <a:t>Generalized Linear Model (GLM) for predicting how neural responses depend on behavior factors</a:t>
+            </a:r>
           </a:p>
         </p:txBody>
       </p:sp>
@@ -5507,12 +6390,1271 @@
             <p:ph idx="1"/>
           </p:nvPr>
         </p:nvSpPr>
-        <p:spPr/>
+        <p:spPr>
+          <a:xfrm>
+            <a:off x="377893" y="1901828"/>
+            <a:ext cx="10515600" cy="4351338"/>
+          </a:xfrm>
+        </p:spPr>
         <p:txBody>
           <a:bodyPr/>
           <a:lstStyle/>
           <a:p>
+            <a:r>
+              <a:rPr lang="en-US"/>
+              <a:t>50ms binned spike counts </a:t>
+            </a:r>
+          </a:p>
+          <a:p>
+            <a:r>
+              <a:rPr lang="en-US"/>
+              <a:t>5-trial rolling average baseline firing rate</a:t>
+            </a:r>
+          </a:p>
+          <a:p>
+            <a:r>
+              <a:rPr lang="en-US"/>
+              <a:t>Trial-by-variable regressor matrix</a:t>
+            </a:r>
+          </a:p>
+          <a:p>
+            <a:r>
+              <a:rPr lang="en-US">
+                <a:solidFill>
+                  <a:srgbClr val="C00000"/>
+                </a:solidFill>
+              </a:rPr>
+              <a:t>Free parameters: weights per regressor</a:t>
+            </a:r>
+          </a:p>
+          <a:p>
             <a:endParaRPr lang="en-US"/>
+          </a:p>
+          <a:p>
+            <a:pPr marL="0" indent="0">
+              <a:buNone/>
+            </a:pPr>
+            <a:r>
+              <a:rPr lang="en-US"/>
+              <a:t>Poisson spiking model:</a:t>
+            </a:r>
+          </a:p>
+          <a:p>
+            <a:pPr marL="0" indent="0">
+              <a:buNone/>
+            </a:pPr>
+            <a:endParaRPr lang="en-US"/>
+          </a:p>
+        </p:txBody>
+      </p:sp>
+      <mc:AlternateContent xmlns:mc="http://schemas.openxmlformats.org/markup-compatibility/2006">
+        <mc:Choice xmlns:a14="http://schemas.microsoft.com/office/drawing/2010/main" Requires="a14">
+          <p:sp>
+            <p:nvSpPr>
+              <p:cNvPr id="5" name="TextBox 4">
+                <a:extLst>
+                  <a:ext uri="{FF2B5EF4-FFF2-40B4-BE49-F238E27FC236}">
+                    <a16:creationId xmlns:a16="http://schemas.microsoft.com/office/drawing/2014/main" id="{48703C58-0C36-4C9F-A1F4-698C99203903}"/>
+                  </a:ext>
+                </a:extLst>
+              </p:cNvPr>
+              <p:cNvSpPr txBox="1"/>
+              <p:nvPr/>
+            </p:nvSpPr>
+            <p:spPr>
+              <a:xfrm>
+                <a:off x="6882415" y="1901828"/>
+                <a:ext cx="245708" cy="369332"/>
+              </a:xfrm>
+              <a:prstGeom prst="rect">
+                <a:avLst/>
+              </a:prstGeom>
+              <a:noFill/>
+            </p:spPr>
+            <p:txBody>
+              <a:bodyPr wrap="none" lIns="0" tIns="0" rIns="0" bIns="0" rtlCol="0">
+                <a:spAutoFit/>
+              </a:bodyPr>
+              <a:lstStyle/>
+              <a:p>
+                <a:pPr/>
+                <a14:m>
+                  <m:oMathPara xmlns:m="http://schemas.openxmlformats.org/officeDocument/2006/math">
+                    <m:oMathParaPr>
+                      <m:jc m:val="centerGroup"/>
+                    </m:oMathParaPr>
+                    <m:oMath xmlns:m="http://schemas.openxmlformats.org/officeDocument/2006/math">
+                      <m:acc>
+                        <m:accPr>
+                          <m:chr m:val="⃗"/>
+                          <m:ctrlPr>
+                            <a:rPr lang="en-US" sz="2400" b="0" i="1" smtClean="0">
+                              <a:latin typeface="Cambria Math" panose="02040503050406030204" pitchFamily="18" charset="0"/>
+                            </a:rPr>
+                          </m:ctrlPr>
+                        </m:accPr>
+                        <m:e>
+                          <m:r>
+                            <a:rPr lang="en-US" sz="2400" b="0" i="1" smtClean="0">
+                              <a:latin typeface="Cambria Math" panose="02040503050406030204" pitchFamily="18" charset="0"/>
+                            </a:rPr>
+                            <m:t>𝑦</m:t>
+                          </m:r>
+                        </m:e>
+                      </m:acc>
+                    </m:oMath>
+                  </m:oMathPara>
+                </a14:m>
+                <a:endParaRPr lang="en-US" sz="2400"/>
+              </a:p>
+            </p:txBody>
+          </p:sp>
+        </mc:Choice>
+        <mc:Fallback>
+          <p:sp>
+            <p:nvSpPr>
+              <p:cNvPr id="5" name="TextBox 4">
+                <a:extLst>
+                  <a:ext uri="{FF2B5EF4-FFF2-40B4-BE49-F238E27FC236}">
+                    <a16:creationId xmlns:a16="http://schemas.microsoft.com/office/drawing/2014/main" id="{48703C58-0C36-4C9F-A1F4-698C99203903}"/>
+                  </a:ext>
+                </a:extLst>
+              </p:cNvPr>
+              <p:cNvSpPr txBox="1">
+                <a:spLocks noRot="1" noChangeAspect="1" noMove="1" noResize="1" noEditPoints="1" noAdjustHandles="1" noChangeArrowheads="1" noChangeShapeType="1" noTextEdit="1"/>
+              </p:cNvSpPr>
+              <p:nvPr/>
+            </p:nvSpPr>
+            <p:spPr>
+              <a:xfrm>
+                <a:off x="6882415" y="1901828"/>
+                <a:ext cx="245708" cy="369332"/>
+              </a:xfrm>
+              <a:prstGeom prst="rect">
+                <a:avLst/>
+              </a:prstGeom>
+              <a:blipFill>
+                <a:blip r:embed="rId2"/>
+                <a:stretch>
+                  <a:fillRect l="-30000" t="-37705" r="-100000" b="-24590"/>
+                </a:stretch>
+              </a:blipFill>
+            </p:spPr>
+            <p:txBody>
+              <a:bodyPr/>
+              <a:lstStyle/>
+              <a:p>
+                <a:r>
+                  <a:rPr lang="en-US">
+                    <a:noFill/>
+                  </a:rPr>
+                  <a:t> </a:t>
+                </a:r>
+              </a:p>
+            </p:txBody>
+          </p:sp>
+        </mc:Fallback>
+      </mc:AlternateContent>
+      <mc:AlternateContent xmlns:mc="http://schemas.openxmlformats.org/markup-compatibility/2006">
+        <mc:Choice xmlns:a14="http://schemas.microsoft.com/office/drawing/2010/main" Requires="a14">
+          <p:sp>
+            <p:nvSpPr>
+              <p:cNvPr id="6" name="TextBox 5">
+                <a:extLst>
+                  <a:ext uri="{FF2B5EF4-FFF2-40B4-BE49-F238E27FC236}">
+                    <a16:creationId xmlns:a16="http://schemas.microsoft.com/office/drawing/2014/main" id="{CEB005E2-C3BB-46AF-98D5-B8704DDD63DA}"/>
+                  </a:ext>
+                </a:extLst>
+              </p:cNvPr>
+              <p:cNvSpPr txBox="1"/>
+              <p:nvPr/>
+            </p:nvSpPr>
+            <p:spPr>
+              <a:xfrm>
+                <a:off x="6875426" y="2957500"/>
+                <a:ext cx="259686" cy="369332"/>
+              </a:xfrm>
+              <a:prstGeom prst="rect">
+                <a:avLst/>
+              </a:prstGeom>
+              <a:noFill/>
+            </p:spPr>
+            <p:txBody>
+              <a:bodyPr wrap="none" lIns="0" tIns="0" rIns="0" bIns="0" rtlCol="0">
+                <a:spAutoFit/>
+              </a:bodyPr>
+              <a:lstStyle/>
+              <a:p>
+                <a:pPr/>
+                <a14:m>
+                  <m:oMathPara xmlns:m="http://schemas.openxmlformats.org/officeDocument/2006/math">
+                    <m:oMathParaPr>
+                      <m:jc m:val="centerGroup"/>
+                    </m:oMathParaPr>
+                    <m:oMath xmlns:m="http://schemas.openxmlformats.org/officeDocument/2006/math">
+                      <m:r>
+                        <a:rPr lang="en-US" sz="2400" b="1" i="0" smtClean="0">
+                          <a:latin typeface="Cambria Math" panose="02040503050406030204" pitchFamily="18" charset="0"/>
+                        </a:rPr>
+                        <m:t>𝐗</m:t>
+                      </m:r>
+                    </m:oMath>
+                  </m:oMathPara>
+                </a14:m>
+                <a:endParaRPr lang="en-US" sz="2400" b="1"/>
+              </a:p>
+            </p:txBody>
+          </p:sp>
+        </mc:Choice>
+        <mc:Fallback>
+          <p:sp>
+            <p:nvSpPr>
+              <p:cNvPr id="6" name="TextBox 5">
+                <a:extLst>
+                  <a:ext uri="{FF2B5EF4-FFF2-40B4-BE49-F238E27FC236}">
+                    <a16:creationId xmlns:a16="http://schemas.microsoft.com/office/drawing/2014/main" id="{CEB005E2-C3BB-46AF-98D5-B8704DDD63DA}"/>
+                  </a:ext>
+                </a:extLst>
+              </p:cNvPr>
+              <p:cNvSpPr txBox="1">
+                <a:spLocks noRot="1" noChangeAspect="1" noMove="1" noResize="1" noEditPoints="1" noAdjustHandles="1" noChangeArrowheads="1" noChangeShapeType="1" noTextEdit="1"/>
+              </p:cNvSpPr>
+              <p:nvPr/>
+            </p:nvSpPr>
+            <p:spPr>
+              <a:xfrm>
+                <a:off x="6875426" y="2957500"/>
+                <a:ext cx="259686" cy="369332"/>
+              </a:xfrm>
+              <a:prstGeom prst="rect">
+                <a:avLst/>
+              </a:prstGeom>
+              <a:blipFill>
+                <a:blip r:embed="rId3"/>
+                <a:stretch>
+                  <a:fillRect l="-28571" r="-28571" b="-6557"/>
+                </a:stretch>
+              </a:blipFill>
+            </p:spPr>
+            <p:txBody>
+              <a:bodyPr/>
+              <a:lstStyle/>
+              <a:p>
+                <a:r>
+                  <a:rPr lang="en-US">
+                    <a:noFill/>
+                  </a:rPr>
+                  <a:t> </a:t>
+                </a:r>
+              </a:p>
+            </p:txBody>
+          </p:sp>
+        </mc:Fallback>
+      </mc:AlternateContent>
+      <mc:AlternateContent xmlns:mc="http://schemas.openxmlformats.org/markup-compatibility/2006">
+        <mc:Choice xmlns:a14="http://schemas.microsoft.com/office/drawing/2010/main" Requires="a14">
+          <p:sp>
+            <p:nvSpPr>
+              <p:cNvPr id="8" name="TextBox 7">
+                <a:extLst>
+                  <a:ext uri="{FF2B5EF4-FFF2-40B4-BE49-F238E27FC236}">
+                    <a16:creationId xmlns:a16="http://schemas.microsoft.com/office/drawing/2014/main" id="{4DFA8473-F520-40F6-89C4-61787C57085E}"/>
+                  </a:ext>
+                </a:extLst>
+              </p:cNvPr>
+              <p:cNvSpPr txBox="1"/>
+              <p:nvPr/>
+            </p:nvSpPr>
+            <p:spPr>
+              <a:xfrm>
+                <a:off x="6887737" y="2429664"/>
+                <a:ext cx="235064" cy="369332"/>
+              </a:xfrm>
+              <a:prstGeom prst="rect">
+                <a:avLst/>
+              </a:prstGeom>
+              <a:noFill/>
+            </p:spPr>
+            <p:txBody>
+              <a:bodyPr wrap="none" lIns="0" tIns="0" rIns="0" bIns="0" rtlCol="0">
+                <a:spAutoFit/>
+              </a:bodyPr>
+              <a:lstStyle/>
+              <a:p>
+                <a:pPr/>
+                <a14:m>
+                  <m:oMathPara xmlns:m="http://schemas.openxmlformats.org/officeDocument/2006/math">
+                    <m:oMathParaPr>
+                      <m:jc m:val="centerGroup"/>
+                    </m:oMathParaPr>
+                    <m:oMath xmlns:m="http://schemas.openxmlformats.org/officeDocument/2006/math">
+                      <m:acc>
+                        <m:accPr>
+                          <m:chr m:val="⃗"/>
+                          <m:ctrlPr>
+                            <a:rPr lang="en-US" sz="2400" b="0" i="1" smtClean="0">
+                              <a:latin typeface="Cambria Math" panose="02040503050406030204" pitchFamily="18" charset="0"/>
+                            </a:rPr>
+                          </m:ctrlPr>
+                        </m:accPr>
+                        <m:e>
+                          <m:r>
+                            <a:rPr lang="en-US" sz="2400" b="0" i="1" smtClean="0">
+                              <a:latin typeface="Cambria Math" panose="02040503050406030204" pitchFamily="18" charset="0"/>
+                            </a:rPr>
+                            <m:t>𝜈</m:t>
+                          </m:r>
+                        </m:e>
+                      </m:acc>
+                    </m:oMath>
+                  </m:oMathPara>
+                </a14:m>
+                <a:endParaRPr lang="en-US" sz="2400"/>
+              </a:p>
+            </p:txBody>
+          </p:sp>
+        </mc:Choice>
+        <mc:Fallback>
+          <p:sp>
+            <p:nvSpPr>
+              <p:cNvPr id="8" name="TextBox 7">
+                <a:extLst>
+                  <a:ext uri="{FF2B5EF4-FFF2-40B4-BE49-F238E27FC236}">
+                    <a16:creationId xmlns:a16="http://schemas.microsoft.com/office/drawing/2014/main" id="{4DFA8473-F520-40F6-89C4-61787C57085E}"/>
+                  </a:ext>
+                </a:extLst>
+              </p:cNvPr>
+              <p:cNvSpPr txBox="1">
+                <a:spLocks noRot="1" noChangeAspect="1" noMove="1" noResize="1" noEditPoints="1" noAdjustHandles="1" noChangeArrowheads="1" noChangeShapeType="1" noTextEdit="1"/>
+              </p:cNvSpPr>
+              <p:nvPr/>
+            </p:nvSpPr>
+            <p:spPr>
+              <a:xfrm>
+                <a:off x="6887737" y="2429664"/>
+                <a:ext cx="235064" cy="369332"/>
+              </a:xfrm>
+              <a:prstGeom prst="rect">
+                <a:avLst/>
+              </a:prstGeom>
+              <a:blipFill>
+                <a:blip r:embed="rId4"/>
+                <a:stretch>
+                  <a:fillRect l="-28947" t="-38333" r="-102632" b="-3333"/>
+                </a:stretch>
+              </a:blipFill>
+            </p:spPr>
+            <p:txBody>
+              <a:bodyPr/>
+              <a:lstStyle/>
+              <a:p>
+                <a:r>
+                  <a:rPr lang="en-US">
+                    <a:noFill/>
+                  </a:rPr>
+                  <a:t> </a:t>
+                </a:r>
+              </a:p>
+            </p:txBody>
+          </p:sp>
+        </mc:Fallback>
+      </mc:AlternateContent>
+      <mc:AlternateContent xmlns:mc="http://schemas.openxmlformats.org/markup-compatibility/2006">
+        <mc:Choice xmlns:a14="http://schemas.microsoft.com/office/drawing/2010/main" Requires="a14">
+          <p:sp>
+            <p:nvSpPr>
+              <p:cNvPr id="10" name="TextBox 9">
+                <a:extLst>
+                  <a:ext uri="{FF2B5EF4-FFF2-40B4-BE49-F238E27FC236}">
+                    <a16:creationId xmlns:a16="http://schemas.microsoft.com/office/drawing/2014/main" id="{933B03C8-D756-4C47-88FB-2DBA4BDA26CC}"/>
+                  </a:ext>
+                </a:extLst>
+              </p:cNvPr>
+              <p:cNvSpPr txBox="1"/>
+              <p:nvPr/>
+            </p:nvSpPr>
+            <p:spPr>
+              <a:xfrm>
+                <a:off x="2132137" y="5130343"/>
+                <a:ext cx="5798767" cy="492443"/>
+              </a:xfrm>
+              <a:prstGeom prst="rect">
+                <a:avLst/>
+              </a:prstGeom>
+              <a:noFill/>
+            </p:spPr>
+            <p:txBody>
+              <a:bodyPr wrap="none" lIns="0" tIns="0" rIns="0" bIns="0" rtlCol="0">
+                <a:spAutoFit/>
+              </a:bodyPr>
+              <a:lstStyle/>
+              <a:p>
+                <a:pPr/>
+                <a14:m>
+                  <m:oMathPara xmlns:m="http://schemas.openxmlformats.org/officeDocument/2006/math">
+                    <m:oMathParaPr>
+                      <m:jc m:val="centerGroup"/>
+                    </m:oMathParaPr>
+                    <m:oMath xmlns:m="http://schemas.openxmlformats.org/officeDocument/2006/math">
+                      <m:acc>
+                        <m:accPr>
+                          <m:chr m:val="⃗"/>
+                          <m:ctrlPr>
+                            <a:rPr lang="en-US" sz="3200" b="0" i="1" smtClean="0">
+                              <a:latin typeface="Cambria Math" panose="02040503050406030204" pitchFamily="18" charset="0"/>
+                            </a:rPr>
+                          </m:ctrlPr>
+                        </m:accPr>
+                        <m:e>
+                          <m:r>
+                            <a:rPr lang="en-US" sz="3200" b="0" i="1" smtClean="0">
+                              <a:latin typeface="Cambria Math" panose="02040503050406030204" pitchFamily="18" charset="0"/>
+                            </a:rPr>
+                            <m:t>𝑦</m:t>
+                          </m:r>
+                        </m:e>
+                      </m:acc>
+                      <m:r>
+                        <a:rPr lang="en-US" sz="3200" b="0" i="1" smtClean="0">
+                          <a:latin typeface="Cambria Math" panose="02040503050406030204" pitchFamily="18" charset="0"/>
+                        </a:rPr>
+                        <m:t> | </m:t>
+                      </m:r>
+                      <m:acc>
+                        <m:accPr>
+                          <m:chr m:val="⃗"/>
+                          <m:ctrlPr>
+                            <a:rPr lang="en-US" sz="3200" b="0" i="1" smtClean="0">
+                              <a:latin typeface="Cambria Math" panose="02040503050406030204" pitchFamily="18" charset="0"/>
+                            </a:rPr>
+                          </m:ctrlPr>
+                        </m:accPr>
+                        <m:e>
+                          <m:r>
+                            <a:rPr lang="en-US" sz="3200" b="0" i="1" smtClean="0">
+                              <a:latin typeface="Cambria Math" panose="02040503050406030204" pitchFamily="18" charset="0"/>
+                            </a:rPr>
+                            <m:t>𝑤</m:t>
+                          </m:r>
+                        </m:e>
+                      </m:acc>
+                      <m:r>
+                        <a:rPr lang="en-US" sz="3200" b="0" i="1" smtClean="0">
+                          <a:latin typeface="Cambria Math" panose="02040503050406030204" pitchFamily="18" charset="0"/>
+                        </a:rPr>
+                        <m:t>∼</m:t>
+                      </m:r>
+                      <m:r>
+                        <m:rPr>
+                          <m:sty m:val="p"/>
+                        </m:rPr>
+                        <a:rPr lang="en-US" sz="3200" b="0" i="0" smtClean="0">
+                          <a:latin typeface="Cambria Math" panose="02040503050406030204" pitchFamily="18" charset="0"/>
+                        </a:rPr>
+                        <m:t>Poisson</m:t>
+                      </m:r>
+                      <m:r>
+                        <a:rPr lang="en-US" sz="3200" b="0" i="1" smtClean="0">
+                          <a:latin typeface="Cambria Math" panose="02040503050406030204" pitchFamily="18" charset="0"/>
+                        </a:rPr>
+                        <m:t>[</m:t>
+                      </m:r>
+                      <m:acc>
+                        <m:accPr>
+                          <m:chr m:val="⃗"/>
+                          <m:ctrlPr>
+                            <a:rPr lang="en-US" sz="3200" b="0" i="1" smtClean="0">
+                              <a:latin typeface="Cambria Math" panose="02040503050406030204" pitchFamily="18" charset="0"/>
+                            </a:rPr>
+                          </m:ctrlPr>
+                        </m:accPr>
+                        <m:e>
+                          <m:r>
+                            <a:rPr lang="en-US" sz="3200" b="0" i="1" smtClean="0">
+                              <a:latin typeface="Cambria Math" panose="02040503050406030204" pitchFamily="18" charset="0"/>
+                            </a:rPr>
+                            <m:t>𝑦</m:t>
+                          </m:r>
+                        </m:e>
+                      </m:acc>
+                      <m:r>
+                        <a:rPr lang="en-US" sz="3200" b="0" i="1" smtClean="0">
+                          <a:latin typeface="Cambria Math" panose="02040503050406030204" pitchFamily="18" charset="0"/>
+                        </a:rPr>
+                        <m:t>;</m:t>
+                      </m:r>
+                      <m:func>
+                        <m:funcPr>
+                          <m:ctrlPr>
+                            <a:rPr lang="en-US" sz="3200" b="0" i="1" smtClean="0">
+                              <a:latin typeface="Cambria Math" panose="02040503050406030204" pitchFamily="18" charset="0"/>
+                            </a:rPr>
+                          </m:ctrlPr>
+                        </m:funcPr>
+                        <m:fName>
+                          <m:r>
+                            <m:rPr>
+                              <m:sty m:val="p"/>
+                            </m:rPr>
+                            <a:rPr lang="en-US" sz="3200" b="0" i="0" smtClean="0">
+                              <a:latin typeface="Cambria Math" panose="02040503050406030204" pitchFamily="18" charset="0"/>
+                            </a:rPr>
+                            <m:t>exp</m:t>
+                          </m:r>
+                        </m:fName>
+                        <m:e>
+                          <m:d>
+                            <m:dPr>
+                              <m:ctrlPr>
+                                <a:rPr lang="en-US" sz="3200" b="0" i="1" smtClean="0">
+                                  <a:latin typeface="Cambria Math" panose="02040503050406030204" pitchFamily="18" charset="0"/>
+                                </a:rPr>
+                              </m:ctrlPr>
+                            </m:dPr>
+                            <m:e>
+                              <m:acc>
+                                <m:accPr>
+                                  <m:chr m:val="⃗"/>
+                                  <m:ctrlPr>
+                                    <a:rPr lang="en-US" sz="3200" b="0" i="1" smtClean="0">
+                                      <a:latin typeface="Cambria Math" panose="02040503050406030204" pitchFamily="18" charset="0"/>
+                                    </a:rPr>
+                                  </m:ctrlPr>
+                                </m:accPr>
+                                <m:e>
+                                  <m:r>
+                                    <a:rPr lang="en-US" sz="3200" b="0" i="1" smtClean="0">
+                                      <a:latin typeface="Cambria Math" panose="02040503050406030204" pitchFamily="18" charset="0"/>
+                                    </a:rPr>
+                                    <m:t>𝑣</m:t>
+                                  </m:r>
+                                </m:e>
+                              </m:acc>
+                              <m:r>
+                                <a:rPr lang="en-US" sz="3200" b="1" i="0" smtClean="0">
+                                  <a:latin typeface="Cambria Math" panose="02040503050406030204" pitchFamily="18" charset="0"/>
+                                </a:rPr>
+                                <m:t>+</m:t>
+                              </m:r>
+                              <m:r>
+                                <a:rPr lang="en-US" sz="3200" b="1" i="0" smtClean="0">
+                                  <a:latin typeface="Cambria Math" panose="02040503050406030204" pitchFamily="18" charset="0"/>
+                                </a:rPr>
+                                <m:t>𝐗</m:t>
+                              </m:r>
+                              <m:acc>
+                                <m:accPr>
+                                  <m:chr m:val="⃗"/>
+                                  <m:ctrlPr>
+                                    <a:rPr lang="en-US" sz="3200" b="0" i="1" smtClean="0">
+                                      <a:latin typeface="Cambria Math" panose="02040503050406030204" pitchFamily="18" charset="0"/>
+                                    </a:rPr>
+                                  </m:ctrlPr>
+                                </m:accPr>
+                                <m:e>
+                                  <m:r>
+                                    <a:rPr lang="en-US" sz="3200" b="0" i="1" smtClean="0">
+                                      <a:latin typeface="Cambria Math" panose="02040503050406030204" pitchFamily="18" charset="0"/>
+                                    </a:rPr>
+                                    <m:t>𝑤</m:t>
+                                  </m:r>
+                                </m:e>
+                              </m:acc>
+                            </m:e>
+                          </m:d>
+                        </m:e>
+                      </m:func>
+                      <m:r>
+                        <a:rPr lang="en-US" sz="3200" b="0" i="1" smtClean="0">
+                          <a:latin typeface="Cambria Math" panose="02040503050406030204" pitchFamily="18" charset="0"/>
+                        </a:rPr>
+                        <m:t>]</m:t>
+                      </m:r>
+                    </m:oMath>
+                  </m:oMathPara>
+                </a14:m>
+                <a:endParaRPr lang="en-US" sz="3200"/>
+              </a:p>
+            </p:txBody>
+          </p:sp>
+        </mc:Choice>
+        <mc:Fallback>
+          <p:sp>
+            <p:nvSpPr>
+              <p:cNvPr id="10" name="TextBox 9">
+                <a:extLst>
+                  <a:ext uri="{FF2B5EF4-FFF2-40B4-BE49-F238E27FC236}">
+                    <a16:creationId xmlns:a16="http://schemas.microsoft.com/office/drawing/2014/main" id="{933B03C8-D756-4C47-88FB-2DBA4BDA26CC}"/>
+                  </a:ext>
+                </a:extLst>
+              </p:cNvPr>
+              <p:cNvSpPr txBox="1">
+                <a:spLocks noRot="1" noChangeAspect="1" noMove="1" noResize="1" noEditPoints="1" noAdjustHandles="1" noChangeArrowheads="1" noChangeShapeType="1" noTextEdit="1"/>
+              </p:cNvSpPr>
+              <p:nvPr/>
+            </p:nvSpPr>
+            <p:spPr>
+              <a:xfrm>
+                <a:off x="2132137" y="5130343"/>
+                <a:ext cx="5798767" cy="492443"/>
+              </a:xfrm>
+              <a:prstGeom prst="rect">
+                <a:avLst/>
+              </a:prstGeom>
+              <a:blipFill>
+                <a:blip r:embed="rId5"/>
+                <a:stretch>
+                  <a:fillRect/>
+                </a:stretch>
+              </a:blipFill>
+            </p:spPr>
+            <p:txBody>
+              <a:bodyPr/>
+              <a:lstStyle/>
+              <a:p>
+                <a:r>
+                  <a:rPr lang="en-US">
+                    <a:noFill/>
+                  </a:rPr>
+                  <a:t> </a:t>
+                </a:r>
+              </a:p>
+            </p:txBody>
+          </p:sp>
+        </mc:Fallback>
+      </mc:AlternateContent>
+      <mc:AlternateContent xmlns:mc="http://schemas.openxmlformats.org/markup-compatibility/2006">
+        <mc:Choice xmlns:a14="http://schemas.microsoft.com/office/drawing/2010/main" Requires="a14">
+          <p:sp>
+            <p:nvSpPr>
+              <p:cNvPr id="11" name="TextBox 10">
+                <a:extLst>
+                  <a:ext uri="{FF2B5EF4-FFF2-40B4-BE49-F238E27FC236}">
+                    <a16:creationId xmlns:a16="http://schemas.microsoft.com/office/drawing/2014/main" id="{08B1D26D-14C3-412E-98E6-6CF4440F72AC}"/>
+                  </a:ext>
+                </a:extLst>
+              </p:cNvPr>
+              <p:cNvSpPr txBox="1"/>
+              <p:nvPr/>
+            </p:nvSpPr>
+            <p:spPr>
+              <a:xfrm>
+                <a:off x="6852471" y="3485335"/>
+                <a:ext cx="305596" cy="369332"/>
+              </a:xfrm>
+              <a:prstGeom prst="rect">
+                <a:avLst/>
+              </a:prstGeom>
+              <a:noFill/>
+            </p:spPr>
+            <p:txBody>
+              <a:bodyPr wrap="none" lIns="0" tIns="0" rIns="0" bIns="0" rtlCol="0">
+                <a:spAutoFit/>
+              </a:bodyPr>
+              <a:lstStyle/>
+              <a:p>
+                <a:pPr/>
+                <a14:m>
+                  <m:oMathPara xmlns:m="http://schemas.openxmlformats.org/officeDocument/2006/math">
+                    <m:oMathParaPr>
+                      <m:jc m:val="centerGroup"/>
+                    </m:oMathParaPr>
+                    <m:oMath xmlns:m="http://schemas.openxmlformats.org/officeDocument/2006/math">
+                      <m:acc>
+                        <m:accPr>
+                          <m:chr m:val="⃗"/>
+                          <m:ctrlPr>
+                            <a:rPr lang="en-US" sz="2400" b="0" i="1" smtClean="0">
+                              <a:solidFill>
+                                <a:srgbClr val="C00000"/>
+                              </a:solidFill>
+                              <a:latin typeface="Cambria Math" panose="02040503050406030204" pitchFamily="18" charset="0"/>
+                            </a:rPr>
+                          </m:ctrlPr>
+                        </m:accPr>
+                        <m:e>
+                          <m:r>
+                            <a:rPr lang="en-US" sz="2400" b="0" i="1" smtClean="0">
+                              <a:solidFill>
+                                <a:srgbClr val="C00000"/>
+                              </a:solidFill>
+                              <a:latin typeface="Cambria Math" panose="02040503050406030204" pitchFamily="18" charset="0"/>
+                            </a:rPr>
+                            <m:t>𝑤</m:t>
+                          </m:r>
+                        </m:e>
+                      </m:acc>
+                    </m:oMath>
+                  </m:oMathPara>
+                </a14:m>
+                <a:endParaRPr lang="en-US" sz="2400">
+                  <a:solidFill>
+                    <a:srgbClr val="C00000"/>
+                  </a:solidFill>
+                </a:endParaRPr>
+              </a:p>
+            </p:txBody>
+          </p:sp>
+        </mc:Choice>
+        <mc:Fallback>
+          <p:sp>
+            <p:nvSpPr>
+              <p:cNvPr id="11" name="TextBox 10">
+                <a:extLst>
+                  <a:ext uri="{FF2B5EF4-FFF2-40B4-BE49-F238E27FC236}">
+                    <a16:creationId xmlns:a16="http://schemas.microsoft.com/office/drawing/2014/main" id="{08B1D26D-14C3-412E-98E6-6CF4440F72AC}"/>
+                  </a:ext>
+                </a:extLst>
+              </p:cNvPr>
+              <p:cNvSpPr txBox="1">
+                <a:spLocks noRot="1" noChangeAspect="1" noMove="1" noResize="1" noEditPoints="1" noAdjustHandles="1" noChangeArrowheads="1" noChangeShapeType="1" noTextEdit="1"/>
+              </p:cNvSpPr>
+              <p:nvPr/>
+            </p:nvSpPr>
+            <p:spPr>
+              <a:xfrm>
+                <a:off x="6852471" y="3485335"/>
+                <a:ext cx="305596" cy="369332"/>
+              </a:xfrm>
+              <a:prstGeom prst="rect">
+                <a:avLst/>
+              </a:prstGeom>
+              <a:blipFill>
+                <a:blip r:embed="rId6"/>
+                <a:stretch>
+                  <a:fillRect l="-12000" r="-12000"/>
+                </a:stretch>
+              </a:blipFill>
+            </p:spPr>
+            <p:txBody>
+              <a:bodyPr/>
+              <a:lstStyle/>
+              <a:p>
+                <a:r>
+                  <a:rPr lang="en-US">
+                    <a:noFill/>
+                  </a:rPr>
+                  <a:t> </a:t>
+                </a:r>
+              </a:p>
+            </p:txBody>
+          </p:sp>
+        </mc:Fallback>
+      </mc:AlternateContent>
+      <p:sp>
+        <p:nvSpPr>
+          <p:cNvPr id="12" name="TextBox 11">
+            <a:extLst>
+              <a:ext uri="{FF2B5EF4-FFF2-40B4-BE49-F238E27FC236}">
+                <a16:creationId xmlns:a16="http://schemas.microsoft.com/office/drawing/2014/main" id="{AF40E1B5-F3BA-48DD-B92D-62BBB8ECAECD}"/>
+              </a:ext>
+            </a:extLst>
+          </p:cNvPr>
+          <p:cNvSpPr txBox="1"/>
+          <p:nvPr/>
+        </p:nvSpPr>
+        <p:spPr>
+          <a:xfrm>
+            <a:off x="3536820" y="5766879"/>
+            <a:ext cx="7246343" cy="707886"/>
+          </a:xfrm>
+          <a:prstGeom prst="rect">
+            <a:avLst/>
+          </a:prstGeom>
+          <a:noFill/>
+        </p:spPr>
+        <p:txBody>
+          <a:bodyPr wrap="square" rtlCol="0">
+            <a:spAutoFit/>
+          </a:bodyPr>
+          <a:lstStyle/>
+          <a:p>
+            <a:r>
+              <a:rPr lang="en-US" sz="2000">
+                <a:solidFill>
+                  <a:schemeClr val="tx1">
+                    <a:lumMod val="50000"/>
+                    <a:lumOff val="50000"/>
+                  </a:schemeClr>
+                </a:solidFill>
+              </a:rPr>
+              <a:t>Group LASSO regularized</a:t>
+            </a:r>
+          </a:p>
+          <a:p>
+            <a:r>
+              <a:rPr lang="en-US" sz="2000" i="1">
+                <a:solidFill>
+                  <a:schemeClr val="tx1">
+                    <a:lumMod val="50000"/>
+                    <a:lumOff val="50000"/>
+                  </a:schemeClr>
+                </a:solidFill>
+              </a:rPr>
+              <a:t>All</a:t>
+            </a:r>
+            <a:r>
+              <a:rPr lang="en-US" sz="2000">
+                <a:solidFill>
+                  <a:schemeClr val="tx1">
+                    <a:lumMod val="50000"/>
+                    <a:lumOff val="50000"/>
+                  </a:schemeClr>
+                </a:solidFill>
+              </a:rPr>
+              <a:t> basis functions aligned to one type of event → 0 if not important</a:t>
+            </a:r>
+          </a:p>
+        </p:txBody>
+      </p:sp>
+      <p:pic>
+        <p:nvPicPr>
+          <p:cNvPr id="20" name="Picture 19">
+            <a:extLst>
+              <a:ext uri="{FF2B5EF4-FFF2-40B4-BE49-F238E27FC236}">
+                <a16:creationId xmlns:a16="http://schemas.microsoft.com/office/drawing/2014/main" id="{4708E399-5EBB-4760-B777-D24163F1008B}"/>
+              </a:ext>
+            </a:extLst>
+          </p:cNvPr>
+          <p:cNvPicPr>
+            <a:picLocks noChangeAspect="1"/>
+          </p:cNvPicPr>
+          <p:nvPr/>
+        </p:nvPicPr>
+        <p:blipFill>
+          <a:blip r:embed="rId7"/>
+          <a:stretch>
+            <a:fillRect/>
+          </a:stretch>
+        </p:blipFill>
+        <p:spPr>
+          <a:xfrm>
+            <a:off x="7759115" y="1877559"/>
+            <a:ext cx="4476750" cy="2238375"/>
+          </a:xfrm>
+          <a:prstGeom prst="rect">
+            <a:avLst/>
+          </a:prstGeom>
+        </p:spPr>
+      </p:pic>
+      <p:grpSp>
+        <p:nvGrpSpPr>
+          <p:cNvPr id="34" name="Group 33">
+            <a:extLst>
+              <a:ext uri="{FF2B5EF4-FFF2-40B4-BE49-F238E27FC236}">
+                <a16:creationId xmlns:a16="http://schemas.microsoft.com/office/drawing/2014/main" id="{53B58345-283D-4B27-BEA5-7A84F3D73F55}"/>
+              </a:ext>
+            </a:extLst>
+          </p:cNvPr>
+          <p:cNvGrpSpPr/>
+          <p:nvPr/>
+        </p:nvGrpSpPr>
+        <p:grpSpPr>
+          <a:xfrm>
+            <a:off x="9583482" y="4140814"/>
+            <a:ext cx="2260178" cy="1196731"/>
+            <a:chOff x="9583482" y="3798692"/>
+            <a:chExt cx="2260178" cy="1196731"/>
+          </a:xfrm>
+        </p:grpSpPr>
+        <p:sp>
+          <p:nvSpPr>
+            <p:cNvPr id="22" name="TextBox 21">
+              <a:extLst>
+                <a:ext uri="{FF2B5EF4-FFF2-40B4-BE49-F238E27FC236}">
+                  <a16:creationId xmlns:a16="http://schemas.microsoft.com/office/drawing/2014/main" id="{A670F2FE-B3C6-452F-A4BB-C51BB4F9F53C}"/>
+                </a:ext>
+              </a:extLst>
+            </p:cNvPr>
+            <p:cNvSpPr txBox="1"/>
+            <p:nvPr/>
+          </p:nvSpPr>
+          <p:spPr>
+            <a:xfrm>
+              <a:off x="9583482" y="4062920"/>
+              <a:ext cx="2260176" cy="923330"/>
+            </a:xfrm>
+            <a:prstGeom prst="rect">
+              <a:avLst/>
+            </a:prstGeom>
+            <a:noFill/>
+          </p:spPr>
+          <p:txBody>
+            <a:bodyPr wrap="square">
+              <a:spAutoFit/>
+            </a:bodyPr>
+            <a:lstStyle/>
+            <a:p>
+              <a:r>
+                <a:rPr lang="en-US">
+                  <a:solidFill>
+                    <a:schemeClr val="tx1">
+                      <a:lumMod val="50000"/>
+                      <a:lumOff val="50000"/>
+                    </a:schemeClr>
+                  </a:solidFill>
+                </a:rPr>
+                <a:t>Fixation → Cue → C</a:t>
+              </a:r>
+            </a:p>
+            <a:p>
+              <a:r>
+                <a:rPr lang="en-US">
+                  <a:solidFill>
+                    <a:schemeClr val="tx1">
+                      <a:lumMod val="50000"/>
+                      <a:lumOff val="50000"/>
+                    </a:schemeClr>
+                  </a:solidFill>
+                </a:rPr>
+                <a:t> → Delay → Target</a:t>
+              </a:r>
+            </a:p>
+            <a:p>
+              <a:r>
+                <a:rPr lang="en-US">
+                  <a:solidFill>
+                    <a:schemeClr val="tx1">
+                      <a:lumMod val="50000"/>
+                      <a:lumOff val="50000"/>
+                    </a:schemeClr>
+                  </a:solidFill>
+                </a:rPr>
+                <a:t> → Saccade → Reward</a:t>
+              </a:r>
+            </a:p>
+          </p:txBody>
+        </p:sp>
+        <p:cxnSp>
+          <p:nvCxnSpPr>
+            <p:cNvPr id="24" name="Straight Connector 23">
+              <a:extLst>
+                <a:ext uri="{FF2B5EF4-FFF2-40B4-BE49-F238E27FC236}">
+                  <a16:creationId xmlns:a16="http://schemas.microsoft.com/office/drawing/2014/main" id="{E4A28327-4EBE-46D8-910C-D5F7B0A0E1CF}"/>
+                </a:ext>
+              </a:extLst>
+            </p:cNvPr>
+            <p:cNvCxnSpPr>
+              <a:cxnSpLocks/>
+            </p:cNvCxnSpPr>
+            <p:nvPr/>
+          </p:nvCxnSpPr>
+          <p:spPr>
+            <a:xfrm>
+              <a:off x="10059690" y="3798692"/>
+              <a:ext cx="508781" cy="0"/>
+            </a:xfrm>
+            <a:prstGeom prst="line">
+              <a:avLst/>
+            </a:prstGeom>
+          </p:spPr>
+          <p:style>
+            <a:lnRef idx="3">
+              <a:schemeClr val="accent1"/>
+            </a:lnRef>
+            <a:fillRef idx="0">
+              <a:schemeClr val="accent1"/>
+            </a:fillRef>
+            <a:effectRef idx="2">
+              <a:schemeClr val="accent1"/>
+            </a:effectRef>
+            <a:fontRef idx="minor">
+              <a:schemeClr val="tx1"/>
+            </a:fontRef>
+          </p:style>
+        </p:cxnSp>
+        <p:cxnSp>
+          <p:nvCxnSpPr>
+            <p:cNvPr id="30" name="Straight Connector 29">
+              <a:extLst>
+                <a:ext uri="{FF2B5EF4-FFF2-40B4-BE49-F238E27FC236}">
+                  <a16:creationId xmlns:a16="http://schemas.microsoft.com/office/drawing/2014/main" id="{519AB26F-46EA-469D-9888-A18333B83326}"/>
+                </a:ext>
+              </a:extLst>
+            </p:cNvPr>
+            <p:cNvCxnSpPr>
+              <a:cxnSpLocks/>
+            </p:cNvCxnSpPr>
+            <p:nvPr/>
+          </p:nvCxnSpPr>
+          <p:spPr>
+            <a:xfrm flipV="1">
+              <a:off x="10314080" y="3798692"/>
+              <a:ext cx="0" cy="255056"/>
+            </a:xfrm>
+            <a:prstGeom prst="line">
+              <a:avLst/>
+            </a:prstGeom>
+          </p:spPr>
+          <p:style>
+            <a:lnRef idx="3">
+              <a:schemeClr val="accent1"/>
+            </a:lnRef>
+            <a:fillRef idx="0">
+              <a:schemeClr val="accent1"/>
+            </a:fillRef>
+            <a:effectRef idx="2">
+              <a:schemeClr val="accent1"/>
+            </a:effectRef>
+            <a:fontRef idx="minor">
+              <a:schemeClr val="tx1"/>
+            </a:fontRef>
+          </p:style>
+        </p:cxnSp>
+        <p:sp>
+          <p:nvSpPr>
+            <p:cNvPr id="33" name="Rectangle 32">
+              <a:extLst>
+                <a:ext uri="{FF2B5EF4-FFF2-40B4-BE49-F238E27FC236}">
+                  <a16:creationId xmlns:a16="http://schemas.microsoft.com/office/drawing/2014/main" id="{72BE1DD4-418C-4416-87FF-4259C519FCC7}"/>
+                </a:ext>
+              </a:extLst>
+            </p:cNvPr>
+            <p:cNvSpPr/>
+            <p:nvPr/>
+          </p:nvSpPr>
+          <p:spPr>
+            <a:xfrm>
+              <a:off x="9583484" y="4053749"/>
+              <a:ext cx="2260176" cy="941674"/>
+            </a:xfrm>
+            <a:prstGeom prst="rect">
+              <a:avLst/>
+            </a:prstGeom>
+            <a:noFill/>
+            <a:ln w="19050"/>
+          </p:spPr>
+          <p:style>
+            <a:lnRef idx="2">
+              <a:schemeClr val="accent1"/>
+            </a:lnRef>
+            <a:fillRef idx="1">
+              <a:schemeClr val="lt1"/>
+            </a:fillRef>
+            <a:effectRef idx="0">
+              <a:schemeClr val="accent1"/>
+            </a:effectRef>
+            <a:fontRef idx="minor">
+              <a:schemeClr val="dk1"/>
+            </a:fontRef>
+          </p:style>
+          <p:txBody>
+            <a:bodyPr rtlCol="0" anchor="ctr"/>
+            <a:lstStyle/>
+            <a:p>
+              <a:pPr algn="ctr"/>
+              <a:endParaRPr lang="en-US"/>
+            </a:p>
+          </p:txBody>
+        </p:sp>
+      </p:grpSp>
+      <p:cxnSp>
+        <p:nvCxnSpPr>
+          <p:cNvPr id="36" name="Connector: Elbow 35">
+            <a:extLst>
+              <a:ext uri="{FF2B5EF4-FFF2-40B4-BE49-F238E27FC236}">
+                <a16:creationId xmlns:a16="http://schemas.microsoft.com/office/drawing/2014/main" id="{054787DB-50B8-4001-9B02-1ECF39DE4AE5}"/>
+              </a:ext>
+            </a:extLst>
+          </p:cNvPr>
+          <p:cNvCxnSpPr>
+            <a:stCxn id="6" idx="3"/>
+            <a:endCxn id="20" idx="1"/>
+          </p:cNvCxnSpPr>
+          <p:nvPr/>
+        </p:nvCxnSpPr>
+        <p:spPr>
+          <a:xfrm flipV="1">
+            <a:off x="7135112" y="2996747"/>
+            <a:ext cx="624003" cy="145419"/>
+          </a:xfrm>
+          <a:prstGeom prst="bentConnector3">
+            <a:avLst/>
+          </a:prstGeom>
+          <a:ln w="9525" cap="flat" cmpd="sng" algn="ctr">
+            <a:solidFill>
+              <a:schemeClr val="dk1"/>
+            </a:solidFill>
+            <a:prstDash val="solid"/>
+            <a:round/>
+            <a:headEnd type="none" w="med" len="med"/>
+            <a:tailEnd type="arrow" w="med" len="med"/>
+          </a:ln>
+        </p:spPr>
+        <p:style>
+          <a:lnRef idx="0">
+            <a:scrgbClr r="0" g="0" b="0"/>
+          </a:lnRef>
+          <a:fillRef idx="0">
+            <a:scrgbClr r="0" g="0" b="0"/>
+          </a:fillRef>
+          <a:effectRef idx="0">
+            <a:scrgbClr r="0" g="0" b="0"/>
+          </a:effectRef>
+          <a:fontRef idx="minor">
+            <a:schemeClr val="tx1"/>
+          </a:fontRef>
+        </p:style>
+      </p:cxnSp>
+      <p:sp>
+        <p:nvSpPr>
+          <p:cNvPr id="37" name="Rectangle 36">
+            <a:extLst>
+              <a:ext uri="{FF2B5EF4-FFF2-40B4-BE49-F238E27FC236}">
+                <a16:creationId xmlns:a16="http://schemas.microsoft.com/office/drawing/2014/main" id="{7EB1D2A9-FB71-4D39-91FD-658FA504F20E}"/>
+              </a:ext>
+            </a:extLst>
+          </p:cNvPr>
+          <p:cNvSpPr/>
+          <p:nvPr/>
+        </p:nvSpPr>
+        <p:spPr>
+          <a:xfrm>
+            <a:off x="2743200" y="5330890"/>
+            <a:ext cx="292359" cy="291896"/>
+          </a:xfrm>
+          <a:prstGeom prst="rect">
+            <a:avLst/>
+          </a:prstGeom>
+          <a:noFill/>
+          <a:ln>
+            <a:noFill/>
+          </a:ln>
+        </p:spPr>
+        <p:style>
+          <a:lnRef idx="2">
+            <a:schemeClr val="accent1">
+              <a:shade val="50000"/>
+            </a:schemeClr>
+          </a:lnRef>
+          <a:fillRef idx="1">
+            <a:schemeClr val="accent1"/>
+          </a:fillRef>
+          <a:effectRef idx="0">
+            <a:schemeClr val="accent1"/>
+          </a:effectRef>
+          <a:fontRef idx="minor">
+            <a:schemeClr val="lt1"/>
+          </a:fontRef>
+        </p:style>
+        <p:txBody>
+          <a:bodyPr rtlCol="0" anchor="ctr"/>
+          <a:lstStyle/>
+          <a:p>
+            <a:pPr algn="ctr"/>
+            <a:endParaRPr lang="en-US"/>
+          </a:p>
+        </p:txBody>
+      </p:sp>
+      <p:cxnSp>
+        <p:nvCxnSpPr>
+          <p:cNvPr id="39" name="Straight Connector 38">
+            <a:extLst>
+              <a:ext uri="{FF2B5EF4-FFF2-40B4-BE49-F238E27FC236}">
+                <a16:creationId xmlns:a16="http://schemas.microsoft.com/office/drawing/2014/main" id="{4F3BD7B5-6C58-4B65-B569-1B0B3187B850}"/>
+              </a:ext>
+            </a:extLst>
+          </p:cNvPr>
+          <p:cNvCxnSpPr/>
+          <p:nvPr/>
+        </p:nvCxnSpPr>
+        <p:spPr>
+          <a:xfrm>
+            <a:off x="3534228" y="5817113"/>
+            <a:ext cx="0" cy="651432"/>
+          </a:xfrm>
+          <a:prstGeom prst="line">
+            <a:avLst/>
+          </a:prstGeom>
+        </p:spPr>
+        <p:style>
+          <a:lnRef idx="3">
+            <a:schemeClr val="accent1"/>
+          </a:lnRef>
+          <a:fillRef idx="0">
+            <a:schemeClr val="accent1"/>
+          </a:fillRef>
+          <a:effectRef idx="2">
+            <a:schemeClr val="accent1"/>
+          </a:effectRef>
+          <a:fontRef idx="minor">
+            <a:schemeClr val="tx1"/>
+          </a:fontRef>
+        </p:style>
+      </p:cxnSp>
+      <p:cxnSp>
+        <p:nvCxnSpPr>
+          <p:cNvPr id="41" name="Connector: Elbow 40">
+            <a:extLst>
+              <a:ext uri="{FF2B5EF4-FFF2-40B4-BE49-F238E27FC236}">
+                <a16:creationId xmlns:a16="http://schemas.microsoft.com/office/drawing/2014/main" id="{CE8FE78D-CC27-407E-9E0D-9D600AA79FCE}"/>
+              </a:ext>
+            </a:extLst>
+          </p:cNvPr>
+          <p:cNvCxnSpPr>
+            <a:cxnSpLocks/>
+            <a:stCxn id="37" idx="2"/>
+            <a:endCxn id="12" idx="1"/>
+          </p:cNvCxnSpPr>
+          <p:nvPr/>
+        </p:nvCxnSpPr>
+        <p:spPr>
+          <a:xfrm rot="16200000" flipH="1">
+            <a:off x="2964082" y="5548084"/>
+            <a:ext cx="498036" cy="647440"/>
+          </a:xfrm>
+          <a:prstGeom prst="bentConnector2">
+            <a:avLst/>
+          </a:prstGeom>
+        </p:spPr>
+        <p:style>
+          <a:lnRef idx="3">
+            <a:schemeClr val="accent1"/>
+          </a:lnRef>
+          <a:fillRef idx="0">
+            <a:schemeClr val="accent1"/>
+          </a:fillRef>
+          <a:effectRef idx="2">
+            <a:schemeClr val="accent1"/>
+          </a:effectRef>
+          <a:fontRef idx="minor">
+            <a:schemeClr val="tx1"/>
+          </a:fontRef>
+        </p:style>
+      </p:cxnSp>
+      <p:sp>
+        <p:nvSpPr>
+          <p:cNvPr id="44" name="TextBox 43">
+            <a:extLst>
+              <a:ext uri="{FF2B5EF4-FFF2-40B4-BE49-F238E27FC236}">
+                <a16:creationId xmlns:a16="http://schemas.microsoft.com/office/drawing/2014/main" id="{9739841C-6730-4CCE-AF32-C5D777F2FAAE}"/>
+              </a:ext>
+            </a:extLst>
+          </p:cNvPr>
+          <p:cNvSpPr txBox="1"/>
+          <p:nvPr/>
+        </p:nvSpPr>
+        <p:spPr>
+          <a:xfrm>
+            <a:off x="9086200" y="1625047"/>
+            <a:ext cx="1822580" cy="369332"/>
+          </a:xfrm>
+          <a:prstGeom prst="rect">
+            <a:avLst/>
+          </a:prstGeom>
+          <a:noFill/>
+        </p:spPr>
+        <p:txBody>
+          <a:bodyPr wrap="square" rtlCol="0">
+            <a:spAutoFit/>
+          </a:bodyPr>
+          <a:lstStyle/>
+          <a:p>
+            <a:pPr algn="ctr"/>
+            <a:r>
+              <a:rPr lang="en-US" b="1"/>
+              <a:t>“Event response”</a:t>
+            </a:r>
           </a:p>
         </p:txBody>
       </p:sp>
@@ -5526,10 +7668,1799 @@
   <p:clrMapOvr>
     <a:masterClrMapping/>
   </p:clrMapOvr>
+  <p:timing>
+    <p:tnLst>
+      <p:par>
+        <p:cTn id="1" dur="indefinite" restart="never" nodeType="tmRoot">
+          <p:childTnLst>
+            <p:seq concurrent="1" nextAc="seek">
+              <p:cTn id="2" dur="indefinite" nodeType="mainSeq">
+                <p:childTnLst>
+                  <p:par>
+                    <p:cTn id="3" fill="hold">
+                      <p:stCondLst>
+                        <p:cond delay="indefinite"/>
+                      </p:stCondLst>
+                      <p:childTnLst>
+                        <p:par>
+                          <p:cTn id="4" fill="hold">
+                            <p:stCondLst>
+                              <p:cond delay="0"/>
+                            </p:stCondLst>
+                            <p:childTnLst>
+                              <p:par>
+                                <p:cTn id="5" presetID="1" presetClass="entr" presetSubtype="0" fill="hold" nodeType="clickEffect">
+                                  <p:stCondLst>
+                                    <p:cond delay="0"/>
+                                  </p:stCondLst>
+                                  <p:childTnLst>
+                                    <p:set>
+                                      <p:cBhvr>
+                                        <p:cTn id="6" dur="1" fill="hold">
+                                          <p:stCondLst>
+                                            <p:cond delay="0"/>
+                                          </p:stCondLst>
+                                        </p:cTn>
+                                        <p:tgtEl>
+                                          <p:spTgt spid="34"/>
+                                        </p:tgtEl>
+                                        <p:attrNameLst>
+                                          <p:attrName>style.visibility</p:attrName>
+                                        </p:attrNameLst>
+                                      </p:cBhvr>
+                                      <p:to>
+                                        <p:strVal val="visible"/>
+                                      </p:to>
+                                    </p:set>
+                                  </p:childTnLst>
+                                </p:cTn>
+                              </p:par>
+                            </p:childTnLst>
+                          </p:cTn>
+                        </p:par>
+                      </p:childTnLst>
+                    </p:cTn>
+                  </p:par>
+                  <p:par>
+                    <p:cTn id="7" fill="hold">
+                      <p:stCondLst>
+                        <p:cond delay="indefinite"/>
+                      </p:stCondLst>
+                      <p:childTnLst>
+                        <p:par>
+                          <p:cTn id="8" fill="hold">
+                            <p:stCondLst>
+                              <p:cond delay="0"/>
+                            </p:stCondLst>
+                            <p:childTnLst>
+                              <p:par>
+                                <p:cTn id="9" presetID="1" presetClass="entr" presetSubtype="0" fill="hold" nodeType="clickEffect">
+                                  <p:stCondLst>
+                                    <p:cond delay="0"/>
+                                  </p:stCondLst>
+                                  <p:childTnLst>
+                                    <p:set>
+                                      <p:cBhvr>
+                                        <p:cTn id="10" dur="1" fill="hold">
+                                          <p:stCondLst>
+                                            <p:cond delay="0"/>
+                                          </p:stCondLst>
+                                        </p:cTn>
+                                        <p:tgtEl>
+                                          <p:spTgt spid="3">
+                                            <p:txEl>
+                                              <p:pRg st="3" end="3"/>
+                                            </p:txEl>
+                                          </p:spTgt>
+                                        </p:tgtEl>
+                                        <p:attrNameLst>
+                                          <p:attrName>style.visibility</p:attrName>
+                                        </p:attrNameLst>
+                                      </p:cBhvr>
+                                      <p:to>
+                                        <p:strVal val="visible"/>
+                                      </p:to>
+                                    </p:set>
+                                  </p:childTnLst>
+                                </p:cTn>
+                              </p:par>
+                              <p:par>
+                                <p:cTn id="11" presetID="1" presetClass="entr" presetSubtype="0" fill="hold" grpId="0" nodeType="withEffect">
+                                  <p:stCondLst>
+                                    <p:cond delay="0"/>
+                                  </p:stCondLst>
+                                  <p:childTnLst>
+                                    <p:set>
+                                      <p:cBhvr>
+                                        <p:cTn id="12" dur="1" fill="hold">
+                                          <p:stCondLst>
+                                            <p:cond delay="0"/>
+                                          </p:stCondLst>
+                                        </p:cTn>
+                                        <p:tgtEl>
+                                          <p:spTgt spid="11"/>
+                                        </p:tgtEl>
+                                        <p:attrNameLst>
+                                          <p:attrName>style.visibility</p:attrName>
+                                        </p:attrNameLst>
+                                      </p:cBhvr>
+                                      <p:to>
+                                        <p:strVal val="visible"/>
+                                      </p:to>
+                                    </p:set>
+                                  </p:childTnLst>
+                                </p:cTn>
+                              </p:par>
+                            </p:childTnLst>
+                          </p:cTn>
+                        </p:par>
+                      </p:childTnLst>
+                    </p:cTn>
+                  </p:par>
+                  <p:par>
+                    <p:cTn id="13" fill="hold">
+                      <p:stCondLst>
+                        <p:cond delay="indefinite"/>
+                      </p:stCondLst>
+                      <p:childTnLst>
+                        <p:par>
+                          <p:cTn id="14" fill="hold">
+                            <p:stCondLst>
+                              <p:cond delay="0"/>
+                            </p:stCondLst>
+                            <p:childTnLst>
+                              <p:par>
+                                <p:cTn id="15" presetID="1" presetClass="entr" presetSubtype="0" fill="hold" grpId="0" nodeType="clickEffect">
+                                  <p:stCondLst>
+                                    <p:cond delay="0"/>
+                                  </p:stCondLst>
+                                  <p:childTnLst>
+                                    <p:set>
+                                      <p:cBhvr>
+                                        <p:cTn id="16" dur="1" fill="hold">
+                                          <p:stCondLst>
+                                            <p:cond delay="0"/>
+                                          </p:stCondLst>
+                                        </p:cTn>
+                                        <p:tgtEl>
+                                          <p:spTgt spid="10"/>
+                                        </p:tgtEl>
+                                        <p:attrNameLst>
+                                          <p:attrName>style.visibility</p:attrName>
+                                        </p:attrNameLst>
+                                      </p:cBhvr>
+                                      <p:to>
+                                        <p:strVal val="visible"/>
+                                      </p:to>
+                                    </p:set>
+                                  </p:childTnLst>
+                                </p:cTn>
+                              </p:par>
+                              <p:par>
+                                <p:cTn id="17" presetID="1" presetClass="entr" presetSubtype="0" fill="hold" grpId="0" nodeType="withEffect">
+                                  <p:stCondLst>
+                                    <p:cond delay="0"/>
+                                  </p:stCondLst>
+                                  <p:childTnLst>
+                                    <p:set>
+                                      <p:cBhvr>
+                                        <p:cTn id="18" dur="1" fill="hold">
+                                          <p:stCondLst>
+                                            <p:cond delay="0"/>
+                                          </p:stCondLst>
+                                        </p:cTn>
+                                        <p:tgtEl>
+                                          <p:spTgt spid="12"/>
+                                        </p:tgtEl>
+                                        <p:attrNameLst>
+                                          <p:attrName>style.visibility</p:attrName>
+                                        </p:attrNameLst>
+                                      </p:cBhvr>
+                                      <p:to>
+                                        <p:strVal val="visible"/>
+                                      </p:to>
+                                    </p:set>
+                                  </p:childTnLst>
+                                </p:cTn>
+                              </p:par>
+                              <p:par>
+                                <p:cTn id="19" presetID="1" presetClass="entr" presetSubtype="0" fill="hold" grpId="0" nodeType="withEffect" nodePh="1">
+                                  <p:stCondLst>
+                                    <p:cond delay="0"/>
+                                  </p:stCondLst>
+                                  <p:endCondLst>
+                                    <p:cond evt="begin" delay="0">
+                                      <p:tn val="19"/>
+                                    </p:cond>
+                                  </p:endCondLst>
+                                  <p:childTnLst>
+                                    <p:set>
+                                      <p:cBhvr>
+                                        <p:cTn id="20" dur="1" fill="hold">
+                                          <p:stCondLst>
+                                            <p:cond delay="0"/>
+                                          </p:stCondLst>
+                                        </p:cTn>
+                                        <p:tgtEl>
+                                          <p:spTgt spid="37"/>
+                                        </p:tgtEl>
+                                        <p:attrNameLst>
+                                          <p:attrName>style.visibility</p:attrName>
+                                        </p:attrNameLst>
+                                      </p:cBhvr>
+                                      <p:to>
+                                        <p:strVal val="visible"/>
+                                      </p:to>
+                                    </p:set>
+                                  </p:childTnLst>
+                                </p:cTn>
+                              </p:par>
+                              <p:par>
+                                <p:cTn id="21" presetID="1" presetClass="entr" presetSubtype="0" fill="hold" nodeType="withEffect">
+                                  <p:stCondLst>
+                                    <p:cond delay="0"/>
+                                  </p:stCondLst>
+                                  <p:childTnLst>
+                                    <p:set>
+                                      <p:cBhvr>
+                                        <p:cTn id="22" dur="1" fill="hold">
+                                          <p:stCondLst>
+                                            <p:cond delay="0"/>
+                                          </p:stCondLst>
+                                        </p:cTn>
+                                        <p:tgtEl>
+                                          <p:spTgt spid="39"/>
+                                        </p:tgtEl>
+                                        <p:attrNameLst>
+                                          <p:attrName>style.visibility</p:attrName>
+                                        </p:attrNameLst>
+                                      </p:cBhvr>
+                                      <p:to>
+                                        <p:strVal val="visible"/>
+                                      </p:to>
+                                    </p:set>
+                                  </p:childTnLst>
+                                </p:cTn>
+                              </p:par>
+                              <p:par>
+                                <p:cTn id="23" presetID="1" presetClass="entr" presetSubtype="0" fill="hold" nodeType="withEffect">
+                                  <p:stCondLst>
+                                    <p:cond delay="0"/>
+                                  </p:stCondLst>
+                                  <p:childTnLst>
+                                    <p:set>
+                                      <p:cBhvr>
+                                        <p:cTn id="24" dur="1" fill="hold">
+                                          <p:stCondLst>
+                                            <p:cond delay="0"/>
+                                          </p:stCondLst>
+                                        </p:cTn>
+                                        <p:tgtEl>
+                                          <p:spTgt spid="41"/>
+                                        </p:tgtEl>
+                                        <p:attrNameLst>
+                                          <p:attrName>style.visibility</p:attrName>
+                                        </p:attrNameLst>
+                                      </p:cBhvr>
+                                      <p:to>
+                                        <p:strVal val="visible"/>
+                                      </p:to>
+                                    </p:set>
+                                  </p:childTnLst>
+                                </p:cTn>
+                              </p:par>
+                              <p:par>
+                                <p:cTn id="25" presetID="1" presetClass="entr" presetSubtype="0" fill="hold" nodeType="withEffect">
+                                  <p:stCondLst>
+                                    <p:cond delay="0"/>
+                                  </p:stCondLst>
+                                  <p:childTnLst>
+                                    <p:set>
+                                      <p:cBhvr>
+                                        <p:cTn id="26" dur="1" fill="hold">
+                                          <p:stCondLst>
+                                            <p:cond delay="0"/>
+                                          </p:stCondLst>
+                                        </p:cTn>
+                                        <p:tgtEl>
+                                          <p:spTgt spid="3">
+                                            <p:txEl>
+                                              <p:pRg st="5" end="5"/>
+                                            </p:txEl>
+                                          </p:spTgt>
+                                        </p:tgtEl>
+                                        <p:attrNameLst>
+                                          <p:attrName>style.visibility</p:attrName>
+                                        </p:attrNameLst>
+                                      </p:cBhvr>
+                                      <p:to>
+                                        <p:strVal val="visible"/>
+                                      </p:to>
+                                    </p:set>
+                                  </p:childTnLst>
+                                </p:cTn>
+                              </p:par>
+                            </p:childTnLst>
+                          </p:cTn>
+                        </p:par>
+                      </p:childTnLst>
+                    </p:cTn>
+                  </p:par>
+                </p:childTnLst>
+              </p:cTn>
+              <p:prevCondLst>
+                <p:cond evt="onPrev" delay="0">
+                  <p:tgtEl>
+                    <p:sldTgt/>
+                  </p:tgtEl>
+                </p:cond>
+              </p:prevCondLst>
+              <p:nextCondLst>
+                <p:cond evt="onNext" delay="0">
+                  <p:tgtEl>
+                    <p:sldTgt/>
+                  </p:tgtEl>
+                </p:cond>
+              </p:nextCondLst>
+            </p:seq>
+          </p:childTnLst>
+        </p:cTn>
+      </p:par>
+    </p:tnLst>
+    <p:bldLst>
+      <p:bldP spid="10" grpId="0"/>
+      <p:bldP spid="11" grpId="0"/>
+      <p:bldP spid="12" grpId="0"/>
+      <p:bldP spid="37" grpId="0"/>
+    </p:bldLst>
+  </p:timing>
 </p:sld>
 </file>
 
 <file path=ppt/slides/slide4.xml><?xml version="1.0" encoding="utf-8"?>
+<p:sld xmlns:a="http://schemas.openxmlformats.org/drawingml/2006/main" xmlns:r="http://schemas.openxmlformats.org/officeDocument/2006/relationships" xmlns:p="http://schemas.openxmlformats.org/presentationml/2006/main">
+  <p:cSld>
+    <p:spTree>
+      <p:nvGrpSpPr>
+        <p:cNvPr id="1" name=""/>
+        <p:cNvGrpSpPr/>
+        <p:nvPr/>
+      </p:nvGrpSpPr>
+      <p:grpSpPr>
+        <a:xfrm>
+          <a:off x="0" y="0"/>
+          <a:ext cx="0" cy="0"/>
+          <a:chOff x="0" y="0"/>
+          <a:chExt cx="0" cy="0"/>
+        </a:xfrm>
+      </p:grpSpPr>
+      <p:sp>
+        <p:nvSpPr>
+          <p:cNvPr id="2" name="Title 1">
+            <a:extLst>
+              <a:ext uri="{FF2B5EF4-FFF2-40B4-BE49-F238E27FC236}">
+                <a16:creationId xmlns:a16="http://schemas.microsoft.com/office/drawing/2014/main" id="{2AB8DDE8-21E9-4FE7-9033-C9124254C3F0}"/>
+              </a:ext>
+            </a:extLst>
+          </p:cNvPr>
+          <p:cNvSpPr>
+            <a:spLocks noGrp="1"/>
+          </p:cNvSpPr>
+          <p:nvPr>
+            <p:ph type="title"/>
+          </p:nvPr>
+        </p:nvSpPr>
+        <p:spPr/>
+        <p:txBody>
+          <a:bodyPr>
+            <a:normAutofit fontScale="90000"/>
+          </a:bodyPr>
+          <a:lstStyle/>
+          <a:p>
+            <a:pPr algn="ctr"/>
+            <a:r>
+              <a:rPr lang="en-US"/>
+              <a:t>Hierarchical selection of important task-condition dependencies for event responses</a:t>
+            </a:r>
+          </a:p>
+        </p:txBody>
+      </p:sp>
+      <p:sp>
+        <p:nvSpPr>
+          <p:cNvPr id="3" name="Content Placeholder 2">
+            <a:extLst>
+              <a:ext uri="{FF2B5EF4-FFF2-40B4-BE49-F238E27FC236}">
+                <a16:creationId xmlns:a16="http://schemas.microsoft.com/office/drawing/2014/main" id="{608CBF71-CA49-45DC-8752-BEFCF0EE7AFB}"/>
+              </a:ext>
+            </a:extLst>
+          </p:cNvPr>
+          <p:cNvSpPr>
+            <a:spLocks noGrp="1"/>
+          </p:cNvSpPr>
+          <p:nvPr>
+            <p:ph idx="1"/>
+          </p:nvPr>
+        </p:nvSpPr>
+        <p:spPr>
+          <a:xfrm>
+            <a:off x="377893" y="1901828"/>
+            <a:ext cx="11248050" cy="4803772"/>
+          </a:xfrm>
+        </p:spPr>
+        <p:txBody>
+          <a:bodyPr>
+            <a:normAutofit/>
+          </a:bodyPr>
+          <a:lstStyle/>
+          <a:p>
+            <a:r>
+              <a:rPr lang="en-US"/>
+              <a:t>50ms binned spike counts </a:t>
+            </a:r>
+          </a:p>
+          <a:p>
+            <a:r>
+              <a:rPr lang="en-US"/>
+              <a:t>5-trial rolling average baseline firing rate</a:t>
+            </a:r>
+          </a:p>
+          <a:p>
+            <a:r>
+              <a:rPr lang="en-US"/>
+              <a:t>Trial-by-variable regressor matrix</a:t>
+            </a:r>
+          </a:p>
+          <a:p>
+            <a:r>
+              <a:rPr lang="en-US">
+                <a:solidFill>
+                  <a:srgbClr val="C00000"/>
+                </a:solidFill>
+              </a:rPr>
+              <a:t>Free parameters: weights per regressor</a:t>
+            </a:r>
+          </a:p>
+          <a:p>
+            <a:endParaRPr lang="en-US"/>
+          </a:p>
+          <a:p>
+            <a:pPr marL="0" indent="0">
+              <a:buNone/>
+            </a:pPr>
+            <a:r>
+              <a:rPr lang="en-US"/>
+              <a:t>Hierarchical model:</a:t>
+            </a:r>
+          </a:p>
+          <a:p>
+            <a:pPr marL="514350" indent="-514350">
+              <a:spcBef>
+                <a:spcPts val="0"/>
+              </a:spcBef>
+              <a:spcAft>
+                <a:spcPts val="500"/>
+              </a:spcAft>
+              <a:buFont typeface="+mj-lt"/>
+              <a:buAutoNum type="arabicPeriod"/>
+            </a:pPr>
+            <a:r>
+              <a:rPr lang="en-US" sz="2400">
+                <a:solidFill>
+                  <a:schemeClr val="tx1">
+                    <a:lumMod val="50000"/>
+                    <a:lumOff val="50000"/>
+                  </a:schemeClr>
+                </a:solidFill>
+              </a:rPr>
+              <a:t>Choose a task condition type C</a:t>
+            </a:r>
+          </a:p>
+          <a:p>
+            <a:pPr marL="514350" indent="-514350">
+              <a:spcBef>
+                <a:spcPts val="0"/>
+              </a:spcBef>
+              <a:spcAft>
+                <a:spcPts val="500"/>
+              </a:spcAft>
+              <a:buFont typeface="+mj-lt"/>
+              <a:buAutoNum type="arabicPeriod"/>
+            </a:pPr>
+            <a:r>
+              <a:rPr lang="en-US" sz="2400">
+                <a:solidFill>
+                  <a:schemeClr val="tx1">
+                    <a:lumMod val="50000"/>
+                    <a:lumOff val="50000"/>
+                  </a:schemeClr>
+                </a:solidFill>
+              </a:rPr>
+              <a:t>Construct model with specialization by some combo of C</a:t>
+            </a:r>
+          </a:p>
+          <a:p>
+            <a:pPr marL="514350" indent="-514350">
+              <a:spcBef>
+                <a:spcPts val="0"/>
+              </a:spcBef>
+              <a:spcAft>
+                <a:spcPts val="500"/>
+              </a:spcAft>
+              <a:buFont typeface="+mj-lt"/>
+              <a:buAutoNum type="arabicPeriod"/>
+            </a:pPr>
+            <a:r>
+              <a:rPr lang="en-US" sz="2400">
+                <a:solidFill>
+                  <a:schemeClr val="tx1">
+                    <a:lumMod val="50000"/>
+                    <a:lumOff val="50000"/>
+                  </a:schemeClr>
+                </a:solidFill>
+              </a:rPr>
+              <a:t>If best model in (2) is no better than without specialization, stop</a:t>
+            </a:r>
+          </a:p>
+          <a:p>
+            <a:pPr marL="514350" indent="-514350">
+              <a:spcBef>
+                <a:spcPts val="0"/>
+              </a:spcBef>
+              <a:spcAft>
+                <a:spcPts val="500"/>
+              </a:spcAft>
+              <a:buFont typeface="+mj-lt"/>
+              <a:buAutoNum type="arabicPeriod"/>
+            </a:pPr>
+            <a:r>
+              <a:rPr lang="en-US" sz="2400">
+                <a:solidFill>
+                  <a:schemeClr val="tx1">
+                    <a:lumMod val="50000"/>
+                    <a:lumOff val="50000"/>
+                  </a:schemeClr>
+                </a:solidFill>
+              </a:rPr>
+              <a:t>Repeat from (1) with best model in (2)</a:t>
+            </a:r>
+          </a:p>
+        </p:txBody>
+      </p:sp>
+      <mc:AlternateContent xmlns:mc="http://schemas.openxmlformats.org/markup-compatibility/2006">
+        <mc:Choice xmlns:a14="http://schemas.microsoft.com/office/drawing/2010/main" Requires="a14">
+          <p:sp>
+            <p:nvSpPr>
+              <p:cNvPr id="5" name="TextBox 4">
+                <a:extLst>
+                  <a:ext uri="{FF2B5EF4-FFF2-40B4-BE49-F238E27FC236}">
+                    <a16:creationId xmlns:a16="http://schemas.microsoft.com/office/drawing/2014/main" id="{48703C58-0C36-4C9F-A1F4-698C99203903}"/>
+                  </a:ext>
+                </a:extLst>
+              </p:cNvPr>
+              <p:cNvSpPr txBox="1"/>
+              <p:nvPr/>
+            </p:nvSpPr>
+            <p:spPr>
+              <a:xfrm>
+                <a:off x="6882415" y="1901828"/>
+                <a:ext cx="245708" cy="369332"/>
+              </a:xfrm>
+              <a:prstGeom prst="rect">
+                <a:avLst/>
+              </a:prstGeom>
+              <a:noFill/>
+            </p:spPr>
+            <p:txBody>
+              <a:bodyPr wrap="none" lIns="0" tIns="0" rIns="0" bIns="0" rtlCol="0">
+                <a:spAutoFit/>
+              </a:bodyPr>
+              <a:lstStyle/>
+              <a:p>
+                <a:pPr/>
+                <a14:m>
+                  <m:oMathPara xmlns:m="http://schemas.openxmlformats.org/officeDocument/2006/math">
+                    <m:oMathParaPr>
+                      <m:jc m:val="centerGroup"/>
+                    </m:oMathParaPr>
+                    <m:oMath xmlns:m="http://schemas.openxmlformats.org/officeDocument/2006/math">
+                      <m:acc>
+                        <m:accPr>
+                          <m:chr m:val="⃗"/>
+                          <m:ctrlPr>
+                            <a:rPr lang="en-US" sz="2400" b="0" i="1" smtClean="0">
+                              <a:latin typeface="Cambria Math" panose="02040503050406030204" pitchFamily="18" charset="0"/>
+                            </a:rPr>
+                          </m:ctrlPr>
+                        </m:accPr>
+                        <m:e>
+                          <m:r>
+                            <a:rPr lang="en-US" sz="2400" b="0" i="1" smtClean="0">
+                              <a:latin typeface="Cambria Math" panose="02040503050406030204" pitchFamily="18" charset="0"/>
+                            </a:rPr>
+                            <m:t>𝑦</m:t>
+                          </m:r>
+                        </m:e>
+                      </m:acc>
+                    </m:oMath>
+                  </m:oMathPara>
+                </a14:m>
+                <a:endParaRPr lang="en-US" sz="2400"/>
+              </a:p>
+            </p:txBody>
+          </p:sp>
+        </mc:Choice>
+        <mc:Fallback>
+          <p:sp>
+            <p:nvSpPr>
+              <p:cNvPr id="5" name="TextBox 4">
+                <a:extLst>
+                  <a:ext uri="{FF2B5EF4-FFF2-40B4-BE49-F238E27FC236}">
+                    <a16:creationId xmlns:a16="http://schemas.microsoft.com/office/drawing/2014/main" id="{48703C58-0C36-4C9F-A1F4-698C99203903}"/>
+                  </a:ext>
+                </a:extLst>
+              </p:cNvPr>
+              <p:cNvSpPr txBox="1">
+                <a:spLocks noRot="1" noChangeAspect="1" noMove="1" noResize="1" noEditPoints="1" noAdjustHandles="1" noChangeArrowheads="1" noChangeShapeType="1" noTextEdit="1"/>
+              </p:cNvSpPr>
+              <p:nvPr/>
+            </p:nvSpPr>
+            <p:spPr>
+              <a:xfrm>
+                <a:off x="6882415" y="1901828"/>
+                <a:ext cx="245708" cy="369332"/>
+              </a:xfrm>
+              <a:prstGeom prst="rect">
+                <a:avLst/>
+              </a:prstGeom>
+              <a:blipFill>
+                <a:blip r:embed="rId2"/>
+                <a:stretch>
+                  <a:fillRect l="-30000" t="-37705" r="-100000" b="-24590"/>
+                </a:stretch>
+              </a:blipFill>
+            </p:spPr>
+            <p:txBody>
+              <a:bodyPr/>
+              <a:lstStyle/>
+              <a:p>
+                <a:r>
+                  <a:rPr lang="en-US">
+                    <a:noFill/>
+                  </a:rPr>
+                  <a:t> </a:t>
+                </a:r>
+              </a:p>
+            </p:txBody>
+          </p:sp>
+        </mc:Fallback>
+      </mc:AlternateContent>
+      <mc:AlternateContent xmlns:mc="http://schemas.openxmlformats.org/markup-compatibility/2006">
+        <mc:Choice xmlns:a14="http://schemas.microsoft.com/office/drawing/2010/main" Requires="a14">
+          <p:sp>
+            <p:nvSpPr>
+              <p:cNvPr id="6" name="TextBox 5">
+                <a:extLst>
+                  <a:ext uri="{FF2B5EF4-FFF2-40B4-BE49-F238E27FC236}">
+                    <a16:creationId xmlns:a16="http://schemas.microsoft.com/office/drawing/2014/main" id="{CEB005E2-C3BB-46AF-98D5-B8704DDD63DA}"/>
+                  </a:ext>
+                </a:extLst>
+              </p:cNvPr>
+              <p:cNvSpPr txBox="1"/>
+              <p:nvPr/>
+            </p:nvSpPr>
+            <p:spPr>
+              <a:xfrm>
+                <a:off x="6875426" y="2957500"/>
+                <a:ext cx="259686" cy="369332"/>
+              </a:xfrm>
+              <a:prstGeom prst="rect">
+                <a:avLst/>
+              </a:prstGeom>
+              <a:noFill/>
+            </p:spPr>
+            <p:txBody>
+              <a:bodyPr wrap="none" lIns="0" tIns="0" rIns="0" bIns="0" rtlCol="0">
+                <a:spAutoFit/>
+              </a:bodyPr>
+              <a:lstStyle/>
+              <a:p>
+                <a:pPr/>
+                <a14:m>
+                  <m:oMathPara xmlns:m="http://schemas.openxmlformats.org/officeDocument/2006/math">
+                    <m:oMathParaPr>
+                      <m:jc m:val="centerGroup"/>
+                    </m:oMathParaPr>
+                    <m:oMath xmlns:m="http://schemas.openxmlformats.org/officeDocument/2006/math">
+                      <m:r>
+                        <a:rPr lang="en-US" sz="2400" b="1" i="0" smtClean="0">
+                          <a:latin typeface="Cambria Math" panose="02040503050406030204" pitchFamily="18" charset="0"/>
+                        </a:rPr>
+                        <m:t>𝐗</m:t>
+                      </m:r>
+                    </m:oMath>
+                  </m:oMathPara>
+                </a14:m>
+                <a:endParaRPr lang="en-US" sz="2400" b="1"/>
+              </a:p>
+            </p:txBody>
+          </p:sp>
+        </mc:Choice>
+        <mc:Fallback>
+          <p:sp>
+            <p:nvSpPr>
+              <p:cNvPr id="6" name="TextBox 5">
+                <a:extLst>
+                  <a:ext uri="{FF2B5EF4-FFF2-40B4-BE49-F238E27FC236}">
+                    <a16:creationId xmlns:a16="http://schemas.microsoft.com/office/drawing/2014/main" id="{CEB005E2-C3BB-46AF-98D5-B8704DDD63DA}"/>
+                  </a:ext>
+                </a:extLst>
+              </p:cNvPr>
+              <p:cNvSpPr txBox="1">
+                <a:spLocks noRot="1" noChangeAspect="1" noMove="1" noResize="1" noEditPoints="1" noAdjustHandles="1" noChangeArrowheads="1" noChangeShapeType="1" noTextEdit="1"/>
+              </p:cNvSpPr>
+              <p:nvPr/>
+            </p:nvSpPr>
+            <p:spPr>
+              <a:xfrm>
+                <a:off x="6875426" y="2957500"/>
+                <a:ext cx="259686" cy="369332"/>
+              </a:xfrm>
+              <a:prstGeom prst="rect">
+                <a:avLst/>
+              </a:prstGeom>
+              <a:blipFill>
+                <a:blip r:embed="rId3"/>
+                <a:stretch>
+                  <a:fillRect l="-28571" r="-28571" b="-6557"/>
+                </a:stretch>
+              </a:blipFill>
+            </p:spPr>
+            <p:txBody>
+              <a:bodyPr/>
+              <a:lstStyle/>
+              <a:p>
+                <a:r>
+                  <a:rPr lang="en-US">
+                    <a:noFill/>
+                  </a:rPr>
+                  <a:t> </a:t>
+                </a:r>
+              </a:p>
+            </p:txBody>
+          </p:sp>
+        </mc:Fallback>
+      </mc:AlternateContent>
+      <mc:AlternateContent xmlns:mc="http://schemas.openxmlformats.org/markup-compatibility/2006">
+        <mc:Choice xmlns:a14="http://schemas.microsoft.com/office/drawing/2010/main" Requires="a14">
+          <p:sp>
+            <p:nvSpPr>
+              <p:cNvPr id="8" name="TextBox 7">
+                <a:extLst>
+                  <a:ext uri="{FF2B5EF4-FFF2-40B4-BE49-F238E27FC236}">
+                    <a16:creationId xmlns:a16="http://schemas.microsoft.com/office/drawing/2014/main" id="{4DFA8473-F520-40F6-89C4-61787C57085E}"/>
+                  </a:ext>
+                </a:extLst>
+              </p:cNvPr>
+              <p:cNvSpPr txBox="1"/>
+              <p:nvPr/>
+            </p:nvSpPr>
+            <p:spPr>
+              <a:xfrm>
+                <a:off x="6887737" y="2429664"/>
+                <a:ext cx="235064" cy="369332"/>
+              </a:xfrm>
+              <a:prstGeom prst="rect">
+                <a:avLst/>
+              </a:prstGeom>
+              <a:noFill/>
+            </p:spPr>
+            <p:txBody>
+              <a:bodyPr wrap="none" lIns="0" tIns="0" rIns="0" bIns="0" rtlCol="0">
+                <a:spAutoFit/>
+              </a:bodyPr>
+              <a:lstStyle/>
+              <a:p>
+                <a:pPr/>
+                <a14:m>
+                  <m:oMathPara xmlns:m="http://schemas.openxmlformats.org/officeDocument/2006/math">
+                    <m:oMathParaPr>
+                      <m:jc m:val="centerGroup"/>
+                    </m:oMathParaPr>
+                    <m:oMath xmlns:m="http://schemas.openxmlformats.org/officeDocument/2006/math">
+                      <m:acc>
+                        <m:accPr>
+                          <m:chr m:val="⃗"/>
+                          <m:ctrlPr>
+                            <a:rPr lang="en-US" sz="2400" b="0" i="1" smtClean="0">
+                              <a:latin typeface="Cambria Math" panose="02040503050406030204" pitchFamily="18" charset="0"/>
+                            </a:rPr>
+                          </m:ctrlPr>
+                        </m:accPr>
+                        <m:e>
+                          <m:r>
+                            <a:rPr lang="en-US" sz="2400" b="0" i="1" smtClean="0">
+                              <a:latin typeface="Cambria Math" panose="02040503050406030204" pitchFamily="18" charset="0"/>
+                            </a:rPr>
+                            <m:t>𝜈</m:t>
+                          </m:r>
+                        </m:e>
+                      </m:acc>
+                    </m:oMath>
+                  </m:oMathPara>
+                </a14:m>
+                <a:endParaRPr lang="en-US" sz="2400"/>
+              </a:p>
+            </p:txBody>
+          </p:sp>
+        </mc:Choice>
+        <mc:Fallback>
+          <p:sp>
+            <p:nvSpPr>
+              <p:cNvPr id="8" name="TextBox 7">
+                <a:extLst>
+                  <a:ext uri="{FF2B5EF4-FFF2-40B4-BE49-F238E27FC236}">
+                    <a16:creationId xmlns:a16="http://schemas.microsoft.com/office/drawing/2014/main" id="{4DFA8473-F520-40F6-89C4-61787C57085E}"/>
+                  </a:ext>
+                </a:extLst>
+              </p:cNvPr>
+              <p:cNvSpPr txBox="1">
+                <a:spLocks noRot="1" noChangeAspect="1" noMove="1" noResize="1" noEditPoints="1" noAdjustHandles="1" noChangeArrowheads="1" noChangeShapeType="1" noTextEdit="1"/>
+              </p:cNvSpPr>
+              <p:nvPr/>
+            </p:nvSpPr>
+            <p:spPr>
+              <a:xfrm>
+                <a:off x="6887737" y="2429664"/>
+                <a:ext cx="235064" cy="369332"/>
+              </a:xfrm>
+              <a:prstGeom prst="rect">
+                <a:avLst/>
+              </a:prstGeom>
+              <a:blipFill>
+                <a:blip r:embed="rId4"/>
+                <a:stretch>
+                  <a:fillRect l="-28947" t="-38333" r="-102632" b="-3333"/>
+                </a:stretch>
+              </a:blipFill>
+            </p:spPr>
+            <p:txBody>
+              <a:bodyPr/>
+              <a:lstStyle/>
+              <a:p>
+                <a:r>
+                  <a:rPr lang="en-US">
+                    <a:noFill/>
+                  </a:rPr>
+                  <a:t> </a:t>
+                </a:r>
+              </a:p>
+            </p:txBody>
+          </p:sp>
+        </mc:Fallback>
+      </mc:AlternateContent>
+      <mc:AlternateContent xmlns:mc="http://schemas.openxmlformats.org/markup-compatibility/2006">
+        <mc:Choice xmlns:a14="http://schemas.microsoft.com/office/drawing/2010/main" Requires="a14">
+          <p:sp>
+            <p:nvSpPr>
+              <p:cNvPr id="11" name="TextBox 10">
+                <a:extLst>
+                  <a:ext uri="{FF2B5EF4-FFF2-40B4-BE49-F238E27FC236}">
+                    <a16:creationId xmlns:a16="http://schemas.microsoft.com/office/drawing/2014/main" id="{08B1D26D-14C3-412E-98E6-6CF4440F72AC}"/>
+                  </a:ext>
+                </a:extLst>
+              </p:cNvPr>
+              <p:cNvSpPr txBox="1"/>
+              <p:nvPr/>
+            </p:nvSpPr>
+            <p:spPr>
+              <a:xfrm>
+                <a:off x="6852471" y="3485335"/>
+                <a:ext cx="717440" cy="404919"/>
+              </a:xfrm>
+              <a:prstGeom prst="rect">
+                <a:avLst/>
+              </a:prstGeom>
+              <a:noFill/>
+            </p:spPr>
+            <p:txBody>
+              <a:bodyPr wrap="none" lIns="0" tIns="0" rIns="0" bIns="0" rtlCol="0">
+                <a:spAutoFit/>
+              </a:bodyPr>
+              <a:lstStyle/>
+              <a:p>
+                <a:pPr/>
+                <a14:m>
+                  <m:oMathPara xmlns:m="http://schemas.openxmlformats.org/officeDocument/2006/math">
+                    <m:oMathParaPr>
+                      <m:jc m:val="centerGroup"/>
+                    </m:oMathParaPr>
+                    <m:oMath xmlns:m="http://schemas.openxmlformats.org/officeDocument/2006/math">
+                      <m:sSub>
+                        <m:sSubPr>
+                          <m:ctrlPr>
+                            <a:rPr lang="en-US" sz="2400" b="0" i="1" smtClean="0">
+                              <a:solidFill>
+                                <a:srgbClr val="C00000"/>
+                              </a:solidFill>
+                              <a:latin typeface="Cambria Math" panose="02040503050406030204" pitchFamily="18" charset="0"/>
+                            </a:rPr>
+                          </m:ctrlPr>
+                        </m:sSubPr>
+                        <m:e>
+                          <m:acc>
+                            <m:accPr>
+                              <m:chr m:val="⃗"/>
+                              <m:ctrlPr>
+                                <a:rPr lang="en-US" sz="2400" b="0" i="1" smtClean="0">
+                                  <a:solidFill>
+                                    <a:srgbClr val="C00000"/>
+                                  </a:solidFill>
+                                  <a:latin typeface="Cambria Math" panose="02040503050406030204" pitchFamily="18" charset="0"/>
+                                </a:rPr>
+                              </m:ctrlPr>
+                            </m:accPr>
+                            <m:e>
+                              <m:r>
+                                <a:rPr lang="en-US" sz="2400" b="0" i="1" smtClean="0">
+                                  <a:solidFill>
+                                    <a:srgbClr val="C00000"/>
+                                  </a:solidFill>
+                                  <a:latin typeface="Cambria Math" panose="02040503050406030204" pitchFamily="18" charset="0"/>
+                                </a:rPr>
+                                <m:t>𝑤</m:t>
+                              </m:r>
+                            </m:e>
+                          </m:acc>
+                        </m:e>
+                        <m:sub>
+                          <m:r>
+                            <a:rPr lang="en-US" sz="2400" b="0" i="1" smtClean="0">
+                              <a:solidFill>
+                                <a:srgbClr val="C00000"/>
+                              </a:solidFill>
+                              <a:latin typeface="Cambria Math" panose="02040503050406030204" pitchFamily="18" charset="0"/>
+                            </a:rPr>
+                            <m:t>𝐶</m:t>
+                          </m:r>
+                          <m:r>
+                            <a:rPr lang="en-US" sz="2400" b="0" i="1" smtClean="0">
+                              <a:solidFill>
+                                <a:srgbClr val="C00000"/>
+                              </a:solidFill>
+                              <a:latin typeface="Cambria Math" panose="02040503050406030204" pitchFamily="18" charset="0"/>
+                            </a:rPr>
+                            <m:t>(</m:t>
+                          </m:r>
+                          <m:r>
+                            <a:rPr lang="en-US" sz="2400" b="0" i="1" smtClean="0">
+                              <a:solidFill>
+                                <a:srgbClr val="C00000"/>
+                              </a:solidFill>
+                              <a:latin typeface="Cambria Math" panose="02040503050406030204" pitchFamily="18" charset="0"/>
+                            </a:rPr>
+                            <m:t>𝑖</m:t>
+                          </m:r>
+                          <m:r>
+                            <a:rPr lang="en-US" sz="2400" b="0" i="1" smtClean="0">
+                              <a:solidFill>
+                                <a:srgbClr val="C00000"/>
+                              </a:solidFill>
+                              <a:latin typeface="Cambria Math" panose="02040503050406030204" pitchFamily="18" charset="0"/>
+                            </a:rPr>
+                            <m:t>)</m:t>
+                          </m:r>
+                        </m:sub>
+                      </m:sSub>
+                    </m:oMath>
+                  </m:oMathPara>
+                </a14:m>
+                <a:endParaRPr lang="en-US" sz="2400">
+                  <a:solidFill>
+                    <a:srgbClr val="C00000"/>
+                  </a:solidFill>
+                </a:endParaRPr>
+              </a:p>
+            </p:txBody>
+          </p:sp>
+        </mc:Choice>
+        <mc:Fallback>
+          <p:sp>
+            <p:nvSpPr>
+              <p:cNvPr id="11" name="TextBox 10">
+                <a:extLst>
+                  <a:ext uri="{FF2B5EF4-FFF2-40B4-BE49-F238E27FC236}">
+                    <a16:creationId xmlns:a16="http://schemas.microsoft.com/office/drawing/2014/main" id="{08B1D26D-14C3-412E-98E6-6CF4440F72AC}"/>
+                  </a:ext>
+                </a:extLst>
+              </p:cNvPr>
+              <p:cNvSpPr txBox="1">
+                <a:spLocks noRot="1" noChangeAspect="1" noMove="1" noResize="1" noEditPoints="1" noAdjustHandles="1" noChangeArrowheads="1" noChangeShapeType="1" noTextEdit="1"/>
+              </p:cNvSpPr>
+              <p:nvPr/>
+            </p:nvSpPr>
+            <p:spPr>
+              <a:xfrm>
+                <a:off x="6852471" y="3485335"/>
+                <a:ext cx="717440" cy="404919"/>
+              </a:xfrm>
+              <a:prstGeom prst="rect">
+                <a:avLst/>
+              </a:prstGeom>
+              <a:blipFill>
+                <a:blip r:embed="rId5"/>
+                <a:stretch>
+                  <a:fillRect l="-5085" r="-7627" b="-25758"/>
+                </a:stretch>
+              </a:blipFill>
+            </p:spPr>
+            <p:txBody>
+              <a:bodyPr/>
+              <a:lstStyle/>
+              <a:p>
+                <a:r>
+                  <a:rPr lang="en-US">
+                    <a:noFill/>
+                  </a:rPr>
+                  <a:t> </a:t>
+                </a:r>
+              </a:p>
+            </p:txBody>
+          </p:sp>
+        </mc:Fallback>
+      </mc:AlternateContent>
+      <p:pic>
+        <p:nvPicPr>
+          <p:cNvPr id="20" name="Picture 19">
+            <a:extLst>
+              <a:ext uri="{FF2B5EF4-FFF2-40B4-BE49-F238E27FC236}">
+                <a16:creationId xmlns:a16="http://schemas.microsoft.com/office/drawing/2014/main" id="{4708E399-5EBB-4760-B777-D24163F1008B}"/>
+              </a:ext>
+            </a:extLst>
+          </p:cNvPr>
+          <p:cNvPicPr>
+            <a:picLocks noChangeAspect="1"/>
+          </p:cNvPicPr>
+          <p:nvPr/>
+        </p:nvPicPr>
+        <p:blipFill>
+          <a:blip r:embed="rId6"/>
+          <a:stretch>
+            <a:fillRect/>
+          </a:stretch>
+        </p:blipFill>
+        <p:spPr>
+          <a:xfrm>
+            <a:off x="7759115" y="1877559"/>
+            <a:ext cx="4476750" cy="2238375"/>
+          </a:xfrm>
+          <a:prstGeom prst="rect">
+            <a:avLst/>
+          </a:prstGeom>
+        </p:spPr>
+      </p:pic>
+      <p:grpSp>
+        <p:nvGrpSpPr>
+          <p:cNvPr id="34" name="Group 33">
+            <a:extLst>
+              <a:ext uri="{FF2B5EF4-FFF2-40B4-BE49-F238E27FC236}">
+                <a16:creationId xmlns:a16="http://schemas.microsoft.com/office/drawing/2014/main" id="{53B58345-283D-4B27-BEA5-7A84F3D73F55}"/>
+              </a:ext>
+            </a:extLst>
+          </p:cNvPr>
+          <p:cNvGrpSpPr/>
+          <p:nvPr/>
+        </p:nvGrpSpPr>
+        <p:grpSpPr>
+          <a:xfrm>
+            <a:off x="9583482" y="4140814"/>
+            <a:ext cx="2260178" cy="1196731"/>
+            <a:chOff x="9583482" y="3798692"/>
+            <a:chExt cx="2260178" cy="1196731"/>
+          </a:xfrm>
+        </p:grpSpPr>
+        <p:sp>
+          <p:nvSpPr>
+            <p:cNvPr id="22" name="TextBox 21">
+              <a:extLst>
+                <a:ext uri="{FF2B5EF4-FFF2-40B4-BE49-F238E27FC236}">
+                  <a16:creationId xmlns:a16="http://schemas.microsoft.com/office/drawing/2014/main" id="{A670F2FE-B3C6-452F-A4BB-C51BB4F9F53C}"/>
+                </a:ext>
+              </a:extLst>
+            </p:cNvPr>
+            <p:cNvSpPr txBox="1"/>
+            <p:nvPr/>
+          </p:nvSpPr>
+          <p:spPr>
+            <a:xfrm>
+              <a:off x="9583482" y="4062920"/>
+              <a:ext cx="2260176" cy="923330"/>
+            </a:xfrm>
+            <a:prstGeom prst="rect">
+              <a:avLst/>
+            </a:prstGeom>
+            <a:noFill/>
+          </p:spPr>
+          <p:txBody>
+            <a:bodyPr wrap="square">
+              <a:spAutoFit/>
+            </a:bodyPr>
+            <a:lstStyle/>
+            <a:p>
+              <a:r>
+                <a:rPr lang="en-US">
+                  <a:solidFill>
+                    <a:schemeClr val="tx1">
+                      <a:lumMod val="50000"/>
+                      <a:lumOff val="50000"/>
+                    </a:schemeClr>
+                  </a:solidFill>
+                </a:rPr>
+                <a:t>Fixation → Cue → C</a:t>
+              </a:r>
+            </a:p>
+            <a:p>
+              <a:r>
+                <a:rPr lang="en-US">
+                  <a:solidFill>
+                    <a:schemeClr val="tx1">
+                      <a:lumMod val="50000"/>
+                      <a:lumOff val="50000"/>
+                    </a:schemeClr>
+                  </a:solidFill>
+                </a:rPr>
+                <a:t> → Delay → Target</a:t>
+              </a:r>
+            </a:p>
+            <a:p>
+              <a:r>
+                <a:rPr lang="en-US">
+                  <a:solidFill>
+                    <a:schemeClr val="tx1">
+                      <a:lumMod val="50000"/>
+                      <a:lumOff val="50000"/>
+                    </a:schemeClr>
+                  </a:solidFill>
+                </a:rPr>
+                <a:t> → Saccade → Reward</a:t>
+              </a:r>
+            </a:p>
+          </p:txBody>
+        </p:sp>
+        <p:cxnSp>
+          <p:nvCxnSpPr>
+            <p:cNvPr id="24" name="Straight Connector 23">
+              <a:extLst>
+                <a:ext uri="{FF2B5EF4-FFF2-40B4-BE49-F238E27FC236}">
+                  <a16:creationId xmlns:a16="http://schemas.microsoft.com/office/drawing/2014/main" id="{E4A28327-4EBE-46D8-910C-D5F7B0A0E1CF}"/>
+                </a:ext>
+              </a:extLst>
+            </p:cNvPr>
+            <p:cNvCxnSpPr>
+              <a:cxnSpLocks/>
+            </p:cNvCxnSpPr>
+            <p:nvPr/>
+          </p:nvCxnSpPr>
+          <p:spPr>
+            <a:xfrm>
+              <a:off x="10059690" y="3798692"/>
+              <a:ext cx="508781" cy="0"/>
+            </a:xfrm>
+            <a:prstGeom prst="line">
+              <a:avLst/>
+            </a:prstGeom>
+          </p:spPr>
+          <p:style>
+            <a:lnRef idx="3">
+              <a:schemeClr val="accent1"/>
+            </a:lnRef>
+            <a:fillRef idx="0">
+              <a:schemeClr val="accent1"/>
+            </a:fillRef>
+            <a:effectRef idx="2">
+              <a:schemeClr val="accent1"/>
+            </a:effectRef>
+            <a:fontRef idx="minor">
+              <a:schemeClr val="tx1"/>
+            </a:fontRef>
+          </p:style>
+        </p:cxnSp>
+        <p:cxnSp>
+          <p:nvCxnSpPr>
+            <p:cNvPr id="30" name="Straight Connector 29">
+              <a:extLst>
+                <a:ext uri="{FF2B5EF4-FFF2-40B4-BE49-F238E27FC236}">
+                  <a16:creationId xmlns:a16="http://schemas.microsoft.com/office/drawing/2014/main" id="{519AB26F-46EA-469D-9888-A18333B83326}"/>
+                </a:ext>
+              </a:extLst>
+            </p:cNvPr>
+            <p:cNvCxnSpPr>
+              <a:cxnSpLocks/>
+            </p:cNvCxnSpPr>
+            <p:nvPr/>
+          </p:nvCxnSpPr>
+          <p:spPr>
+            <a:xfrm flipV="1">
+              <a:off x="10314080" y="3798692"/>
+              <a:ext cx="0" cy="255056"/>
+            </a:xfrm>
+            <a:prstGeom prst="line">
+              <a:avLst/>
+            </a:prstGeom>
+          </p:spPr>
+          <p:style>
+            <a:lnRef idx="3">
+              <a:schemeClr val="accent1"/>
+            </a:lnRef>
+            <a:fillRef idx="0">
+              <a:schemeClr val="accent1"/>
+            </a:fillRef>
+            <a:effectRef idx="2">
+              <a:schemeClr val="accent1"/>
+            </a:effectRef>
+            <a:fontRef idx="minor">
+              <a:schemeClr val="tx1"/>
+            </a:fontRef>
+          </p:style>
+        </p:cxnSp>
+        <p:sp>
+          <p:nvSpPr>
+            <p:cNvPr id="33" name="Rectangle 32">
+              <a:extLst>
+                <a:ext uri="{FF2B5EF4-FFF2-40B4-BE49-F238E27FC236}">
+                  <a16:creationId xmlns:a16="http://schemas.microsoft.com/office/drawing/2014/main" id="{72BE1DD4-418C-4416-87FF-4259C519FCC7}"/>
+                </a:ext>
+              </a:extLst>
+            </p:cNvPr>
+            <p:cNvSpPr/>
+            <p:nvPr/>
+          </p:nvSpPr>
+          <p:spPr>
+            <a:xfrm>
+              <a:off x="9583484" y="4053749"/>
+              <a:ext cx="2260176" cy="941674"/>
+            </a:xfrm>
+            <a:prstGeom prst="rect">
+              <a:avLst/>
+            </a:prstGeom>
+            <a:noFill/>
+            <a:ln w="19050"/>
+          </p:spPr>
+          <p:style>
+            <a:lnRef idx="2">
+              <a:schemeClr val="accent1"/>
+            </a:lnRef>
+            <a:fillRef idx="1">
+              <a:schemeClr val="lt1"/>
+            </a:fillRef>
+            <a:effectRef idx="0">
+              <a:schemeClr val="accent1"/>
+            </a:effectRef>
+            <a:fontRef idx="minor">
+              <a:schemeClr val="dk1"/>
+            </a:fontRef>
+          </p:style>
+          <p:txBody>
+            <a:bodyPr rtlCol="0" anchor="ctr"/>
+            <a:lstStyle/>
+            <a:p>
+              <a:pPr algn="ctr"/>
+              <a:endParaRPr lang="en-US"/>
+            </a:p>
+          </p:txBody>
+        </p:sp>
+      </p:grpSp>
+      <p:cxnSp>
+        <p:nvCxnSpPr>
+          <p:cNvPr id="36" name="Connector: Elbow 35">
+            <a:extLst>
+              <a:ext uri="{FF2B5EF4-FFF2-40B4-BE49-F238E27FC236}">
+                <a16:creationId xmlns:a16="http://schemas.microsoft.com/office/drawing/2014/main" id="{054787DB-50B8-4001-9B02-1ECF39DE4AE5}"/>
+              </a:ext>
+            </a:extLst>
+          </p:cNvPr>
+          <p:cNvCxnSpPr>
+            <a:stCxn id="6" idx="3"/>
+            <a:endCxn id="20" idx="1"/>
+          </p:cNvCxnSpPr>
+          <p:nvPr/>
+        </p:nvCxnSpPr>
+        <p:spPr>
+          <a:xfrm flipV="1">
+            <a:off x="7135112" y="2996747"/>
+            <a:ext cx="624003" cy="145419"/>
+          </a:xfrm>
+          <a:prstGeom prst="bentConnector3">
+            <a:avLst/>
+          </a:prstGeom>
+          <a:ln w="9525" cap="flat" cmpd="sng" algn="ctr">
+            <a:solidFill>
+              <a:schemeClr val="dk1"/>
+            </a:solidFill>
+            <a:prstDash val="solid"/>
+            <a:round/>
+            <a:headEnd type="none" w="med" len="med"/>
+            <a:tailEnd type="arrow" w="med" len="med"/>
+          </a:ln>
+        </p:spPr>
+        <p:style>
+          <a:lnRef idx="0">
+            <a:scrgbClr r="0" g="0" b="0"/>
+          </a:lnRef>
+          <a:fillRef idx="0">
+            <a:scrgbClr r="0" g="0" b="0"/>
+          </a:fillRef>
+          <a:effectRef idx="0">
+            <a:scrgbClr r="0" g="0" b="0"/>
+          </a:effectRef>
+          <a:fontRef idx="minor">
+            <a:schemeClr val="tx1"/>
+          </a:fontRef>
+        </p:style>
+      </p:cxnSp>
+      <p:sp>
+        <p:nvSpPr>
+          <p:cNvPr id="44" name="TextBox 43">
+            <a:extLst>
+              <a:ext uri="{FF2B5EF4-FFF2-40B4-BE49-F238E27FC236}">
+                <a16:creationId xmlns:a16="http://schemas.microsoft.com/office/drawing/2014/main" id="{9739841C-6730-4CCE-AF32-C5D777F2FAAE}"/>
+              </a:ext>
+            </a:extLst>
+          </p:cNvPr>
+          <p:cNvSpPr txBox="1"/>
+          <p:nvPr/>
+        </p:nvSpPr>
+        <p:spPr>
+          <a:xfrm>
+            <a:off x="9086200" y="1625047"/>
+            <a:ext cx="1822580" cy="369332"/>
+          </a:xfrm>
+          <a:prstGeom prst="rect">
+            <a:avLst/>
+          </a:prstGeom>
+          <a:noFill/>
+        </p:spPr>
+        <p:txBody>
+          <a:bodyPr wrap="square" rtlCol="0">
+            <a:spAutoFit/>
+          </a:bodyPr>
+          <a:lstStyle/>
+          <a:p>
+            <a:pPr algn="ctr"/>
+            <a:r>
+              <a:rPr lang="en-US" b="1"/>
+              <a:t>“Event response”</a:t>
+            </a:r>
+          </a:p>
+        </p:txBody>
+      </p:sp>
+      <p:grpSp>
+        <p:nvGrpSpPr>
+          <p:cNvPr id="21" name="Group 20">
+            <a:extLst>
+              <a:ext uri="{FF2B5EF4-FFF2-40B4-BE49-F238E27FC236}">
+                <a16:creationId xmlns:a16="http://schemas.microsoft.com/office/drawing/2014/main" id="{6FF98CEF-12AF-458A-8DB2-9EC4DCA86A41}"/>
+              </a:ext>
+            </a:extLst>
+          </p:cNvPr>
+          <p:cNvGrpSpPr/>
+          <p:nvPr/>
+        </p:nvGrpSpPr>
+        <p:grpSpPr>
+          <a:xfrm>
+            <a:off x="6603906" y="3947984"/>
+            <a:ext cx="2260178" cy="1187559"/>
+            <a:chOff x="9583482" y="3798692"/>
+            <a:chExt cx="2260178" cy="1187559"/>
+          </a:xfrm>
+        </p:grpSpPr>
+        <p:sp>
+          <p:nvSpPr>
+            <p:cNvPr id="23" name="TextBox 22">
+              <a:extLst>
+                <a:ext uri="{FF2B5EF4-FFF2-40B4-BE49-F238E27FC236}">
+                  <a16:creationId xmlns:a16="http://schemas.microsoft.com/office/drawing/2014/main" id="{23122E16-D6F7-4E27-B60C-D11A23774742}"/>
+                </a:ext>
+              </a:extLst>
+            </p:cNvPr>
+            <p:cNvSpPr txBox="1"/>
+            <p:nvPr/>
+          </p:nvSpPr>
+          <p:spPr>
+            <a:xfrm>
+              <a:off x="9583482" y="4062920"/>
+              <a:ext cx="2260176" cy="923330"/>
+            </a:xfrm>
+            <a:prstGeom prst="rect">
+              <a:avLst/>
+            </a:prstGeom>
+            <a:noFill/>
+          </p:spPr>
+          <p:txBody>
+            <a:bodyPr wrap="square">
+              <a:spAutoFit/>
+            </a:bodyPr>
+            <a:lstStyle/>
+            <a:p>
+              <a:r>
+                <a:rPr lang="en-US">
+                  <a:solidFill>
+                    <a:schemeClr val="tx1">
+                      <a:lumMod val="50000"/>
+                      <a:lumOff val="50000"/>
+                    </a:schemeClr>
+                  </a:solidFill>
+                </a:rPr>
+                <a:t>Gap direction</a:t>
+              </a:r>
+            </a:p>
+            <a:p>
+              <a:r>
+                <a:rPr lang="en-US">
+                  <a:solidFill>
+                    <a:schemeClr val="tx1">
+                      <a:lumMod val="50000"/>
+                      <a:lumOff val="50000"/>
+                    </a:schemeClr>
+                  </a:solidFill>
+                </a:rPr>
+                <a:t>Saccade direction</a:t>
+              </a:r>
+            </a:p>
+            <a:p>
+              <a:r>
+                <a:rPr lang="en-US">
+                  <a:solidFill>
+                    <a:schemeClr val="tx1">
+                      <a:lumMod val="50000"/>
+                      <a:lumOff val="50000"/>
+                    </a:schemeClr>
+                  </a:solidFill>
+                </a:rPr>
+                <a:t>Past-trial gap, saccade</a:t>
+              </a:r>
+            </a:p>
+          </p:txBody>
+        </p:sp>
+        <p:cxnSp>
+          <p:nvCxnSpPr>
+            <p:cNvPr id="25" name="Straight Connector 24">
+              <a:extLst>
+                <a:ext uri="{FF2B5EF4-FFF2-40B4-BE49-F238E27FC236}">
+                  <a16:creationId xmlns:a16="http://schemas.microsoft.com/office/drawing/2014/main" id="{6C877E7C-9FC9-42AF-BB4F-FE1492B5B05F}"/>
+                </a:ext>
+              </a:extLst>
+            </p:cNvPr>
+            <p:cNvCxnSpPr>
+              <a:cxnSpLocks/>
+            </p:cNvCxnSpPr>
+            <p:nvPr/>
+          </p:nvCxnSpPr>
+          <p:spPr>
+            <a:xfrm>
+              <a:off x="10059690" y="3798692"/>
+              <a:ext cx="459019" cy="0"/>
+            </a:xfrm>
+            <a:prstGeom prst="line">
+              <a:avLst/>
+            </a:prstGeom>
+          </p:spPr>
+          <p:style>
+            <a:lnRef idx="3">
+              <a:schemeClr val="accent1"/>
+            </a:lnRef>
+            <a:fillRef idx="0">
+              <a:schemeClr val="accent1"/>
+            </a:fillRef>
+            <a:effectRef idx="2">
+              <a:schemeClr val="accent1"/>
+            </a:effectRef>
+            <a:fontRef idx="minor">
+              <a:schemeClr val="tx1"/>
+            </a:fontRef>
+          </p:style>
+        </p:cxnSp>
+        <p:cxnSp>
+          <p:nvCxnSpPr>
+            <p:cNvPr id="26" name="Straight Connector 25">
+              <a:extLst>
+                <a:ext uri="{FF2B5EF4-FFF2-40B4-BE49-F238E27FC236}">
+                  <a16:creationId xmlns:a16="http://schemas.microsoft.com/office/drawing/2014/main" id="{013EBFCC-5987-45D0-A824-C912E4E05FF9}"/>
+                </a:ext>
+              </a:extLst>
+            </p:cNvPr>
+            <p:cNvCxnSpPr>
+              <a:cxnSpLocks/>
+            </p:cNvCxnSpPr>
+            <p:nvPr/>
+          </p:nvCxnSpPr>
+          <p:spPr>
+            <a:xfrm flipV="1">
+              <a:off x="10289200" y="3798692"/>
+              <a:ext cx="0" cy="255056"/>
+            </a:xfrm>
+            <a:prstGeom prst="line">
+              <a:avLst/>
+            </a:prstGeom>
+          </p:spPr>
+          <p:style>
+            <a:lnRef idx="3">
+              <a:schemeClr val="accent1"/>
+            </a:lnRef>
+            <a:fillRef idx="0">
+              <a:schemeClr val="accent1"/>
+            </a:fillRef>
+            <a:effectRef idx="2">
+              <a:schemeClr val="accent1"/>
+            </a:effectRef>
+            <a:fontRef idx="minor">
+              <a:schemeClr val="tx1"/>
+            </a:fontRef>
+          </p:style>
+        </p:cxnSp>
+        <p:sp>
+          <p:nvSpPr>
+            <p:cNvPr id="27" name="Rectangle 26">
+              <a:extLst>
+                <a:ext uri="{FF2B5EF4-FFF2-40B4-BE49-F238E27FC236}">
+                  <a16:creationId xmlns:a16="http://schemas.microsoft.com/office/drawing/2014/main" id="{F0E98BE1-E608-4ED7-A73D-5406C61C7C37}"/>
+                </a:ext>
+              </a:extLst>
+            </p:cNvPr>
+            <p:cNvSpPr/>
+            <p:nvPr/>
+          </p:nvSpPr>
+          <p:spPr>
+            <a:xfrm>
+              <a:off x="9583484" y="4053749"/>
+              <a:ext cx="2260176" cy="932502"/>
+            </a:xfrm>
+            <a:prstGeom prst="rect">
+              <a:avLst/>
+            </a:prstGeom>
+            <a:noFill/>
+            <a:ln w="19050"/>
+          </p:spPr>
+          <p:style>
+            <a:lnRef idx="2">
+              <a:schemeClr val="accent1"/>
+            </a:lnRef>
+            <a:fillRef idx="1">
+              <a:schemeClr val="lt1"/>
+            </a:fillRef>
+            <a:effectRef idx="0">
+              <a:schemeClr val="accent1"/>
+            </a:effectRef>
+            <a:fontRef idx="minor">
+              <a:schemeClr val="dk1"/>
+            </a:fontRef>
+          </p:style>
+          <p:txBody>
+            <a:bodyPr rtlCol="0" anchor="ctr"/>
+            <a:lstStyle/>
+            <a:p>
+              <a:pPr algn="ctr"/>
+              <a:endParaRPr lang="en-US"/>
+            </a:p>
+          </p:txBody>
+        </p:sp>
+      </p:grpSp>
+    </p:spTree>
+    <p:extLst>
+      <p:ext uri="{BB962C8B-B14F-4D97-AF65-F5344CB8AC3E}">
+        <p14:creationId xmlns:p14="http://schemas.microsoft.com/office/powerpoint/2010/main" val="1136019243"/>
+      </p:ext>
+    </p:extLst>
+  </p:cSld>
+  <p:clrMapOvr>
+    <a:masterClrMapping/>
+  </p:clrMapOvr>
+  <p:timing>
+    <p:tnLst>
+      <p:par>
+        <p:cTn id="1" dur="indefinite" restart="never" nodeType="tmRoot">
+          <p:childTnLst>
+            <p:seq concurrent="1" nextAc="seek">
+              <p:cTn id="2" dur="indefinite" nodeType="mainSeq">
+                <p:childTnLst>
+                  <p:par>
+                    <p:cTn id="3" fill="hold">
+                      <p:stCondLst>
+                        <p:cond delay="indefinite"/>
+                      </p:stCondLst>
+                      <p:childTnLst>
+                        <p:par>
+                          <p:cTn id="4" fill="hold">
+                            <p:stCondLst>
+                              <p:cond delay="0"/>
+                            </p:stCondLst>
+                            <p:childTnLst>
+                              <p:par>
+                                <p:cTn id="5" presetID="1" presetClass="entr" presetSubtype="0" fill="hold" nodeType="clickEffect">
+                                  <p:stCondLst>
+                                    <p:cond delay="0"/>
+                                  </p:stCondLst>
+                                  <p:childTnLst>
+                                    <p:set>
+                                      <p:cBhvr>
+                                        <p:cTn id="6" dur="1" fill="hold">
+                                          <p:stCondLst>
+                                            <p:cond delay="0"/>
+                                          </p:stCondLst>
+                                        </p:cTn>
+                                        <p:tgtEl>
+                                          <p:spTgt spid="3">
+                                            <p:txEl>
+                                              <p:pRg st="5" end="5"/>
+                                            </p:txEl>
+                                          </p:spTgt>
+                                        </p:tgtEl>
+                                        <p:attrNameLst>
+                                          <p:attrName>style.visibility</p:attrName>
+                                        </p:attrNameLst>
+                                      </p:cBhvr>
+                                      <p:to>
+                                        <p:strVal val="visible"/>
+                                      </p:to>
+                                    </p:set>
+                                  </p:childTnLst>
+                                </p:cTn>
+                              </p:par>
+                              <p:par>
+                                <p:cTn id="7" presetID="1" presetClass="entr" presetSubtype="0" fill="hold" nodeType="withEffect">
+                                  <p:stCondLst>
+                                    <p:cond delay="0"/>
+                                  </p:stCondLst>
+                                  <p:childTnLst>
+                                    <p:set>
+                                      <p:cBhvr>
+                                        <p:cTn id="8" dur="1" fill="hold">
+                                          <p:stCondLst>
+                                            <p:cond delay="0"/>
+                                          </p:stCondLst>
+                                        </p:cTn>
+                                        <p:tgtEl>
+                                          <p:spTgt spid="3">
+                                            <p:txEl>
+                                              <p:pRg st="6" end="6"/>
+                                            </p:txEl>
+                                          </p:spTgt>
+                                        </p:tgtEl>
+                                        <p:attrNameLst>
+                                          <p:attrName>style.visibility</p:attrName>
+                                        </p:attrNameLst>
+                                      </p:cBhvr>
+                                      <p:to>
+                                        <p:strVal val="visible"/>
+                                      </p:to>
+                                    </p:set>
+                                  </p:childTnLst>
+                                </p:cTn>
+                              </p:par>
+                              <p:par>
+                                <p:cTn id="9" presetID="1" presetClass="entr" presetSubtype="0" fill="hold" nodeType="withEffect">
+                                  <p:stCondLst>
+                                    <p:cond delay="0"/>
+                                  </p:stCondLst>
+                                  <p:childTnLst>
+                                    <p:set>
+                                      <p:cBhvr>
+                                        <p:cTn id="10" dur="1" fill="hold">
+                                          <p:stCondLst>
+                                            <p:cond delay="0"/>
+                                          </p:stCondLst>
+                                        </p:cTn>
+                                        <p:tgtEl>
+                                          <p:spTgt spid="3">
+                                            <p:txEl>
+                                              <p:pRg st="7" end="7"/>
+                                            </p:txEl>
+                                          </p:spTgt>
+                                        </p:tgtEl>
+                                        <p:attrNameLst>
+                                          <p:attrName>style.visibility</p:attrName>
+                                        </p:attrNameLst>
+                                      </p:cBhvr>
+                                      <p:to>
+                                        <p:strVal val="visible"/>
+                                      </p:to>
+                                    </p:set>
+                                  </p:childTnLst>
+                                </p:cTn>
+                              </p:par>
+                              <p:par>
+                                <p:cTn id="11" presetID="1" presetClass="entr" presetSubtype="0" fill="hold" nodeType="withEffect">
+                                  <p:stCondLst>
+                                    <p:cond delay="0"/>
+                                  </p:stCondLst>
+                                  <p:childTnLst>
+                                    <p:set>
+                                      <p:cBhvr>
+                                        <p:cTn id="12" dur="1" fill="hold">
+                                          <p:stCondLst>
+                                            <p:cond delay="0"/>
+                                          </p:stCondLst>
+                                        </p:cTn>
+                                        <p:tgtEl>
+                                          <p:spTgt spid="3">
+                                            <p:txEl>
+                                              <p:pRg st="8" end="8"/>
+                                            </p:txEl>
+                                          </p:spTgt>
+                                        </p:tgtEl>
+                                        <p:attrNameLst>
+                                          <p:attrName>style.visibility</p:attrName>
+                                        </p:attrNameLst>
+                                      </p:cBhvr>
+                                      <p:to>
+                                        <p:strVal val="visible"/>
+                                      </p:to>
+                                    </p:set>
+                                  </p:childTnLst>
+                                </p:cTn>
+                              </p:par>
+                              <p:par>
+                                <p:cTn id="13" presetID="1" presetClass="entr" presetSubtype="0" fill="hold" nodeType="withEffect">
+                                  <p:stCondLst>
+                                    <p:cond delay="0"/>
+                                  </p:stCondLst>
+                                  <p:childTnLst>
+                                    <p:set>
+                                      <p:cBhvr>
+                                        <p:cTn id="14" dur="1" fill="hold">
+                                          <p:stCondLst>
+                                            <p:cond delay="0"/>
+                                          </p:stCondLst>
+                                        </p:cTn>
+                                        <p:tgtEl>
+                                          <p:spTgt spid="3">
+                                            <p:txEl>
+                                              <p:pRg st="9" end="9"/>
+                                            </p:txEl>
+                                          </p:spTgt>
+                                        </p:tgtEl>
+                                        <p:attrNameLst>
+                                          <p:attrName>style.visibility</p:attrName>
+                                        </p:attrNameLst>
+                                      </p:cBhvr>
+                                      <p:to>
+                                        <p:strVal val="visible"/>
+                                      </p:to>
+                                    </p:set>
+                                  </p:childTnLst>
+                                </p:cTn>
+                              </p:par>
+                            </p:childTnLst>
+                          </p:cTn>
+                        </p:par>
+                      </p:childTnLst>
+                    </p:cTn>
+                  </p:par>
+                </p:childTnLst>
+              </p:cTn>
+              <p:prevCondLst>
+                <p:cond evt="onPrev" delay="0">
+                  <p:tgtEl>
+                    <p:sldTgt/>
+                  </p:tgtEl>
+                </p:cond>
+              </p:prevCondLst>
+              <p:nextCondLst>
+                <p:cond evt="onNext" delay="0">
+                  <p:tgtEl>
+                    <p:sldTgt/>
+                  </p:tgtEl>
+                </p:cond>
+              </p:nextCondLst>
+            </p:seq>
+          </p:childTnLst>
+        </p:cTn>
+      </p:par>
+    </p:tnLst>
+  </p:timing>
+</p:sld>
+</file>
+
+<file path=ppt/slides/slide5.xml><?xml version="1.0" encoding="utf-8"?>
 <p:sld xmlns:a="http://schemas.openxmlformats.org/drawingml/2006/main" xmlns:r="http://schemas.openxmlformats.org/officeDocument/2006/relationships" xmlns:p="http://schemas.openxmlformats.org/presentationml/2006/main">
   <p:cSld>
     <p:spTree>
@@ -5571,7 +9502,7 @@
           <a:p>
             <a:pPr algn="ctr"/>
             <a:r>
-              <a:rPr lang="en-US" dirty="0"/>
+              <a:rPr lang="en-US"/>
               <a:t>Neural responses are heterogeneous and depend on multiple behavioral factors</a:t>
             </a:r>
           </a:p>
@@ -5579,10 +9510,10 @@
       </p:sp>
       <p:pic>
         <p:nvPicPr>
-          <p:cNvPr id="15" name="Content Placeholder 14">
+          <p:cNvPr id="8" name="Content Placeholder 7">
             <a:extLst>
               <a:ext uri="{FF2B5EF4-FFF2-40B4-BE49-F238E27FC236}">
-                <a16:creationId xmlns:a16="http://schemas.microsoft.com/office/drawing/2014/main" id="{A80CA161-7C3E-4658-869D-1A9FD18A308D}"/>
+                <a16:creationId xmlns:a16="http://schemas.microsoft.com/office/drawing/2014/main" id="{5823C98E-5CAA-4A7D-A24A-58FE0C4AE0C2}"/>
               </a:ext>
             </a:extLst>
           </p:cNvPr>
@@ -5601,8 +9532,98 @@
         </p:blipFill>
         <p:spPr>
           <a:xfrm>
-            <a:off x="838200" y="1982837"/>
-            <a:ext cx="10515600" cy="4189313"/>
+            <a:off x="6722" y="2087958"/>
+            <a:ext cx="12185278" cy="3616156"/>
+          </a:xfrm>
+        </p:spPr>
+      </p:pic>
+    </p:spTree>
+    <p:extLst>
+      <p:ext uri="{BB962C8B-B14F-4D97-AF65-F5344CB8AC3E}">
+        <p14:creationId xmlns:p14="http://schemas.microsoft.com/office/powerpoint/2010/main" val="4133011795"/>
+      </p:ext>
+    </p:extLst>
+  </p:cSld>
+  <p:clrMapOvr>
+    <a:masterClrMapping/>
+  </p:clrMapOvr>
+</p:sld>
+</file>
+
+<file path=ppt/slides/slide6.xml><?xml version="1.0" encoding="utf-8"?>
+<p:sld xmlns:a="http://schemas.openxmlformats.org/drawingml/2006/main" xmlns:r="http://schemas.openxmlformats.org/officeDocument/2006/relationships" xmlns:p="http://schemas.openxmlformats.org/presentationml/2006/main">
+  <p:cSld>
+    <p:spTree>
+      <p:nvGrpSpPr>
+        <p:cNvPr id="1" name=""/>
+        <p:cNvGrpSpPr/>
+        <p:nvPr/>
+      </p:nvGrpSpPr>
+      <p:grpSpPr>
+        <a:xfrm>
+          <a:off x="0" y="0"/>
+          <a:ext cx="0" cy="0"/>
+          <a:chOff x="0" y="0"/>
+          <a:chExt cx="0" cy="0"/>
+        </a:xfrm>
+      </p:grpSpPr>
+      <p:sp>
+        <p:nvSpPr>
+          <p:cNvPr id="2" name="Title 1">
+            <a:extLst>
+              <a:ext uri="{FF2B5EF4-FFF2-40B4-BE49-F238E27FC236}">
+                <a16:creationId xmlns:a16="http://schemas.microsoft.com/office/drawing/2014/main" id="{6CA0C562-03CE-4446-89CF-51028042D4AD}"/>
+              </a:ext>
+            </a:extLst>
+          </p:cNvPr>
+          <p:cNvSpPr>
+            <a:spLocks noGrp="1"/>
+          </p:cNvSpPr>
+          <p:nvPr>
+            <p:ph type="title"/>
+          </p:nvPr>
+        </p:nvSpPr>
+        <p:spPr/>
+        <p:txBody>
+          <a:bodyPr>
+            <a:normAutofit fontScale="90000"/>
+          </a:bodyPr>
+          <a:lstStyle/>
+          <a:p>
+            <a:pPr algn="ctr"/>
+            <a:r>
+              <a:rPr lang="en-US"/>
+              <a:t>Neural responses are heterogeneous and depend on multiple behavioral factors</a:t>
+            </a:r>
+          </a:p>
+        </p:txBody>
+      </p:sp>
+      <p:pic>
+        <p:nvPicPr>
+          <p:cNvPr id="10" name="Content Placeholder 9">
+            <a:extLst>
+              <a:ext uri="{FF2B5EF4-FFF2-40B4-BE49-F238E27FC236}">
+                <a16:creationId xmlns:a16="http://schemas.microsoft.com/office/drawing/2014/main" id="{0748CB1E-7D08-45F8-A70E-0897293BA0D7}"/>
+              </a:ext>
+            </a:extLst>
+          </p:cNvPr>
+          <p:cNvPicPr>
+            <a:picLocks noGrp="1" noChangeAspect="1"/>
+          </p:cNvPicPr>
+          <p:nvPr>
+            <p:ph idx="1"/>
+          </p:nvPr>
+        </p:nvPicPr>
+        <p:blipFill>
+          <a:blip r:embed="rId2"/>
+          <a:stretch>
+            <a:fillRect/>
+          </a:stretch>
+        </p:blipFill>
+        <p:spPr>
+          <a:xfrm>
+            <a:off x="546603" y="1822580"/>
+            <a:ext cx="11304830" cy="4285302"/>
           </a:xfrm>
         </p:spPr>
       </p:pic>
@@ -5610,6 +9631,1416 @@
     <p:extLst>
       <p:ext uri="{BB962C8B-B14F-4D97-AF65-F5344CB8AC3E}">
         <p14:creationId xmlns:p14="http://schemas.microsoft.com/office/powerpoint/2010/main" val="2599452507"/>
+      </p:ext>
+    </p:extLst>
+  </p:cSld>
+  <p:clrMapOvr>
+    <a:masterClrMapping/>
+  </p:clrMapOvr>
+</p:sld>
+</file>
+
+<file path=ppt/slides/slide7.xml><?xml version="1.0" encoding="utf-8"?>
+<p:sld xmlns:a="http://schemas.openxmlformats.org/drawingml/2006/main" xmlns:r="http://schemas.openxmlformats.org/officeDocument/2006/relationships" xmlns:p="http://schemas.openxmlformats.org/presentationml/2006/main">
+  <p:cSld>
+    <p:spTree>
+      <p:nvGrpSpPr>
+        <p:cNvPr id="1" name=""/>
+        <p:cNvGrpSpPr/>
+        <p:nvPr/>
+      </p:nvGrpSpPr>
+      <p:grpSpPr>
+        <a:xfrm>
+          <a:off x="0" y="0"/>
+          <a:ext cx="0" cy="0"/>
+          <a:chOff x="0" y="0"/>
+          <a:chExt cx="0" cy="0"/>
+        </a:xfrm>
+      </p:grpSpPr>
+      <p:sp>
+        <p:nvSpPr>
+          <p:cNvPr id="2" name="Title 1">
+            <a:extLst>
+              <a:ext uri="{FF2B5EF4-FFF2-40B4-BE49-F238E27FC236}">
+                <a16:creationId xmlns:a16="http://schemas.microsoft.com/office/drawing/2014/main" id="{2AB8DDE8-21E9-4FE7-9033-C9124254C3F0}"/>
+              </a:ext>
+            </a:extLst>
+          </p:cNvPr>
+          <p:cNvSpPr>
+            <a:spLocks noGrp="1"/>
+          </p:cNvSpPr>
+          <p:nvPr>
+            <p:ph type="title"/>
+          </p:nvPr>
+        </p:nvSpPr>
+        <p:spPr/>
+        <p:txBody>
+          <a:bodyPr>
+            <a:normAutofit fontScale="90000"/>
+          </a:bodyPr>
+          <a:lstStyle/>
+          <a:p>
+            <a:pPr algn="ctr"/>
+            <a:r>
+              <a:rPr lang="en-US"/>
+              <a:t>Decoding of task variables from neural activity</a:t>
+            </a:r>
+          </a:p>
+        </p:txBody>
+      </p:sp>
+      <p:sp>
+        <p:nvSpPr>
+          <p:cNvPr id="4" name="Content Placeholder 3">
+            <a:extLst>
+              <a:ext uri="{FF2B5EF4-FFF2-40B4-BE49-F238E27FC236}">
+                <a16:creationId xmlns:a16="http://schemas.microsoft.com/office/drawing/2014/main" id="{2239C26A-C29A-4B90-AEBD-8B6D907FC42C}"/>
+              </a:ext>
+            </a:extLst>
+          </p:cNvPr>
+          <p:cNvSpPr>
+            <a:spLocks noGrp="1"/>
+          </p:cNvSpPr>
+          <p:nvPr>
+            <p:ph idx="1"/>
+          </p:nvPr>
+        </p:nvSpPr>
+        <p:spPr>
+          <a:xfrm>
+            <a:off x="838200" y="1541046"/>
+            <a:ext cx="10515600" cy="4351338"/>
+          </a:xfrm>
+        </p:spPr>
+        <p:txBody>
+          <a:bodyPr/>
+          <a:lstStyle/>
+          <a:p>
+            <a:r>
+              <a:rPr lang="en-US"/>
+              <a:t>200ms binned firing rates aligned to various task events</a:t>
+            </a:r>
+          </a:p>
+          <a:p>
+            <a:r>
+              <a:rPr lang="en-US"/>
+              <a:t>Neural responses depend on multiple task variables</a:t>
+            </a:r>
+          </a:p>
+          <a:p>
+            <a:pPr marL="0" indent="0">
+              <a:buNone/>
+            </a:pPr>
+            <a:r>
+              <a:rPr lang="en-US">
+                <a:solidFill>
+                  <a:srgbClr val="C00000"/>
+                </a:solidFill>
+              </a:rPr>
+              <a:t>	→ Need to re-balance task design by applying event weights</a:t>
+            </a:r>
+          </a:p>
+          <a:p>
+            <a:r>
+              <a:rPr lang="en-US"/>
+              <a:t>e.g. Dependence on trial outcome (error/correct) and gap direction:</a:t>
+            </a:r>
+          </a:p>
+        </p:txBody>
+      </p:sp>
+      <p:graphicFrame>
+        <p:nvGraphicFramePr>
+          <p:cNvPr id="6" name="Table 6">
+            <a:extLst>
+              <a:ext uri="{FF2B5EF4-FFF2-40B4-BE49-F238E27FC236}">
+                <a16:creationId xmlns:a16="http://schemas.microsoft.com/office/drawing/2014/main" id="{9D5AAAAE-559A-444A-9BFF-4047DC8BA1C1}"/>
+              </a:ext>
+            </a:extLst>
+          </p:cNvPr>
+          <p:cNvGraphicFramePr>
+            <a:graphicFrameLocks noGrp="1"/>
+          </p:cNvGraphicFramePr>
+          <p:nvPr>
+            <p:extLst>
+              <p:ext uri="{D42A27DB-BD31-4B8C-83A1-F6EECF244321}">
+                <p14:modId xmlns:p14="http://schemas.microsoft.com/office/powerpoint/2010/main" val="136465347"/>
+              </p:ext>
+            </p:extLst>
+          </p:nvPr>
+        </p:nvGraphicFramePr>
+        <p:xfrm>
+          <a:off x="1036738" y="4001054"/>
+          <a:ext cx="1967721" cy="2194560"/>
+        </p:xfrm>
+        <a:graphic>
+          <a:graphicData uri="http://schemas.openxmlformats.org/drawingml/2006/table">
+            <a:tbl>
+              <a:tblPr firstRow="1" bandRow="1">
+                <a:tableStyleId>{C083E6E3-FA7D-4D7B-A595-EF9225AFEA82}</a:tableStyleId>
+              </a:tblPr>
+              <a:tblGrid>
+                <a:gridCol w="1246154">
+                  <a:extLst>
+                    <a:ext uri="{9D8B030D-6E8A-4147-A177-3AD203B41FA5}">
+                      <a16:colId xmlns:a16="http://schemas.microsoft.com/office/drawing/2014/main" val="935243779"/>
+                    </a:ext>
+                  </a:extLst>
+                </a:gridCol>
+                <a:gridCol w="721567">
+                  <a:extLst>
+                    <a:ext uri="{9D8B030D-6E8A-4147-A177-3AD203B41FA5}">
+                      <a16:colId xmlns:a16="http://schemas.microsoft.com/office/drawing/2014/main" val="63431457"/>
+                    </a:ext>
+                  </a:extLst>
+                </a:gridCol>
+              </a:tblGrid>
+              <a:tr h="216637">
+                <a:tc>
+                  <a:txBody>
+                    <a:bodyPr/>
+                    <a:lstStyle/>
+                    <a:p>
+                      <a:pPr algn="ctr"/>
+                      <a:r>
+                        <a:rPr lang="en-US"/>
+                        <a:t>Outcome</a:t>
+                      </a:r>
+                    </a:p>
+                  </a:txBody>
+                  <a:tcPr marL="0" marR="0" marT="0" marB="0"/>
+                </a:tc>
+                <a:tc>
+                  <a:txBody>
+                    <a:bodyPr/>
+                    <a:lstStyle/>
+                    <a:p>
+                      <a:pPr algn="ctr"/>
+                      <a:r>
+                        <a:rPr lang="en-US"/>
+                        <a:t>Gap</a:t>
+                      </a:r>
+                    </a:p>
+                  </a:txBody>
+                  <a:tcPr marL="0" marR="0" marT="0" marB="0"/>
+                </a:tc>
+                <a:extLst>
+                  <a:ext uri="{0D108BD9-81ED-4DB2-BD59-A6C34878D82A}">
+                    <a16:rowId xmlns:a16="http://schemas.microsoft.com/office/drawing/2014/main" val="3675945716"/>
+                  </a:ext>
+                </a:extLst>
+              </a:tr>
+              <a:tr h="216637">
+                <a:tc>
+                  <a:txBody>
+                    <a:bodyPr/>
+                    <a:lstStyle/>
+                    <a:p>
+                      <a:pPr algn="ctr"/>
+                      <a:r>
+                        <a:rPr lang="en-US"/>
+                        <a:t>correct</a:t>
+                      </a:r>
+                    </a:p>
+                  </a:txBody>
+                  <a:tcPr marL="0" marR="0" marT="0" marB="0"/>
+                </a:tc>
+                <a:tc>
+                  <a:txBody>
+                    <a:bodyPr/>
+                    <a:lstStyle/>
+                    <a:p>
+                      <a:pPr algn="ctr"/>
+                      <a:r>
+                        <a:rPr lang="en-US"/>
+                        <a:t>0</a:t>
+                      </a:r>
+                    </a:p>
+                  </a:txBody>
+                  <a:tcPr marL="0" marR="0" marT="0" marB="0"/>
+                </a:tc>
+                <a:extLst>
+                  <a:ext uri="{0D108BD9-81ED-4DB2-BD59-A6C34878D82A}">
+                    <a16:rowId xmlns:a16="http://schemas.microsoft.com/office/drawing/2014/main" val="2816350499"/>
+                  </a:ext>
+                </a:extLst>
+              </a:tr>
+              <a:tr h="216637">
+                <a:tc>
+                  <a:txBody>
+                    <a:bodyPr/>
+                    <a:lstStyle/>
+                    <a:p>
+                      <a:pPr algn="ctr"/>
+                      <a:r>
+                        <a:rPr lang="en-US"/>
+                        <a:t>correct</a:t>
+                      </a:r>
+                    </a:p>
+                  </a:txBody>
+                  <a:tcPr marL="0" marR="0" marT="0" marB="0"/>
+                </a:tc>
+                <a:tc>
+                  <a:txBody>
+                    <a:bodyPr/>
+                    <a:lstStyle/>
+                    <a:p>
+                      <a:pPr algn="ctr"/>
+                      <a:r>
+                        <a:rPr lang="en-US"/>
+                        <a:t>180</a:t>
+                      </a:r>
+                    </a:p>
+                  </a:txBody>
+                  <a:tcPr marL="0" marR="0" marT="0" marB="0"/>
+                </a:tc>
+                <a:extLst>
+                  <a:ext uri="{0D108BD9-81ED-4DB2-BD59-A6C34878D82A}">
+                    <a16:rowId xmlns:a16="http://schemas.microsoft.com/office/drawing/2014/main" val="4175613934"/>
+                  </a:ext>
+                </a:extLst>
+              </a:tr>
+              <a:tr h="216637">
+                <a:tc>
+                  <a:txBody>
+                    <a:bodyPr/>
+                    <a:lstStyle/>
+                    <a:p>
+                      <a:pPr algn="ctr"/>
+                      <a:r>
+                        <a:rPr lang="en-US"/>
+                        <a:t>error</a:t>
+                      </a:r>
+                    </a:p>
+                  </a:txBody>
+                  <a:tcPr marL="0" marR="0" marT="0" marB="0"/>
+                </a:tc>
+                <a:tc>
+                  <a:txBody>
+                    <a:bodyPr/>
+                    <a:lstStyle/>
+                    <a:p>
+                      <a:pPr algn="ctr"/>
+                      <a:r>
+                        <a:rPr lang="en-US"/>
+                        <a:t>0</a:t>
+                      </a:r>
+                    </a:p>
+                  </a:txBody>
+                  <a:tcPr marL="0" marR="0" marT="0" marB="0"/>
+                </a:tc>
+                <a:extLst>
+                  <a:ext uri="{0D108BD9-81ED-4DB2-BD59-A6C34878D82A}">
+                    <a16:rowId xmlns:a16="http://schemas.microsoft.com/office/drawing/2014/main" val="969862142"/>
+                  </a:ext>
+                </a:extLst>
+              </a:tr>
+              <a:tr h="216637">
+                <a:tc>
+                  <a:txBody>
+                    <a:bodyPr/>
+                    <a:lstStyle/>
+                    <a:p>
+                      <a:pPr algn="ctr"/>
+                      <a:r>
+                        <a:rPr lang="en-US"/>
+                        <a:t>correct</a:t>
+                      </a:r>
+                    </a:p>
+                  </a:txBody>
+                  <a:tcPr marL="0" marR="0" marT="0" marB="0"/>
+                </a:tc>
+                <a:tc>
+                  <a:txBody>
+                    <a:bodyPr/>
+                    <a:lstStyle/>
+                    <a:p>
+                      <a:pPr algn="ctr"/>
+                      <a:r>
+                        <a:rPr lang="en-US"/>
+                        <a:t>180</a:t>
+                      </a:r>
+                    </a:p>
+                  </a:txBody>
+                  <a:tcPr marL="0" marR="0" marT="0" marB="0"/>
+                </a:tc>
+                <a:extLst>
+                  <a:ext uri="{0D108BD9-81ED-4DB2-BD59-A6C34878D82A}">
+                    <a16:rowId xmlns:a16="http://schemas.microsoft.com/office/drawing/2014/main" val="1833742809"/>
+                  </a:ext>
+                </a:extLst>
+              </a:tr>
+              <a:tr h="216637">
+                <a:tc>
+                  <a:txBody>
+                    <a:bodyPr/>
+                    <a:lstStyle/>
+                    <a:p>
+                      <a:pPr algn="ctr"/>
+                      <a:r>
+                        <a:rPr lang="en-US"/>
+                        <a:t>correct</a:t>
+                      </a:r>
+                    </a:p>
+                  </a:txBody>
+                  <a:tcPr marL="0" marR="0" marT="0" marB="0"/>
+                </a:tc>
+                <a:tc>
+                  <a:txBody>
+                    <a:bodyPr/>
+                    <a:lstStyle/>
+                    <a:p>
+                      <a:pPr algn="ctr"/>
+                      <a:r>
+                        <a:rPr lang="en-US"/>
+                        <a:t>180</a:t>
+                      </a:r>
+                    </a:p>
+                  </a:txBody>
+                  <a:tcPr marL="0" marR="0" marT="0" marB="0"/>
+                </a:tc>
+                <a:extLst>
+                  <a:ext uri="{0D108BD9-81ED-4DB2-BD59-A6C34878D82A}">
+                    <a16:rowId xmlns:a16="http://schemas.microsoft.com/office/drawing/2014/main" val="2985717374"/>
+                  </a:ext>
+                </a:extLst>
+              </a:tr>
+              <a:tr h="216637">
+                <a:tc>
+                  <a:txBody>
+                    <a:bodyPr/>
+                    <a:lstStyle/>
+                    <a:p>
+                      <a:pPr algn="ctr"/>
+                      <a:r>
+                        <a:rPr lang="en-US"/>
+                        <a:t>error</a:t>
+                      </a:r>
+                    </a:p>
+                  </a:txBody>
+                  <a:tcPr marL="0" marR="0" marT="0" marB="0"/>
+                </a:tc>
+                <a:tc>
+                  <a:txBody>
+                    <a:bodyPr/>
+                    <a:lstStyle/>
+                    <a:p>
+                      <a:pPr algn="ctr"/>
+                      <a:r>
+                        <a:rPr lang="en-US"/>
+                        <a:t>0</a:t>
+                      </a:r>
+                    </a:p>
+                  </a:txBody>
+                  <a:tcPr marL="0" marR="0" marT="0" marB="0"/>
+                </a:tc>
+                <a:extLst>
+                  <a:ext uri="{0D108BD9-81ED-4DB2-BD59-A6C34878D82A}">
+                    <a16:rowId xmlns:a16="http://schemas.microsoft.com/office/drawing/2014/main" val="1016077187"/>
+                  </a:ext>
+                </a:extLst>
+              </a:tr>
+              <a:tr h="216637">
+                <a:tc>
+                  <a:txBody>
+                    <a:bodyPr/>
+                    <a:lstStyle/>
+                    <a:p>
+                      <a:pPr algn="ctr"/>
+                      <a:r>
+                        <a:rPr lang="en-US"/>
+                        <a:t>error</a:t>
+                      </a:r>
+                    </a:p>
+                  </a:txBody>
+                  <a:tcPr marL="0" marR="0" marT="0" marB="0"/>
+                </a:tc>
+                <a:tc>
+                  <a:txBody>
+                    <a:bodyPr/>
+                    <a:lstStyle/>
+                    <a:p>
+                      <a:pPr algn="ctr"/>
+                      <a:r>
+                        <a:rPr lang="en-US"/>
+                        <a:t>180</a:t>
+                      </a:r>
+                    </a:p>
+                  </a:txBody>
+                  <a:tcPr marL="0" marR="0" marT="0" marB="0"/>
+                </a:tc>
+                <a:extLst>
+                  <a:ext uri="{0D108BD9-81ED-4DB2-BD59-A6C34878D82A}">
+                    <a16:rowId xmlns:a16="http://schemas.microsoft.com/office/drawing/2014/main" val="1228298790"/>
+                  </a:ext>
+                </a:extLst>
+              </a:tr>
+            </a:tbl>
+          </a:graphicData>
+        </a:graphic>
+      </p:graphicFrame>
+      <p:sp>
+        <p:nvSpPr>
+          <p:cNvPr id="8" name="TextBox 7">
+            <a:extLst>
+              <a:ext uri="{FF2B5EF4-FFF2-40B4-BE49-F238E27FC236}">
+                <a16:creationId xmlns:a16="http://schemas.microsoft.com/office/drawing/2014/main" id="{1D07A080-00F5-434A-82AD-867D10525E34}"/>
+              </a:ext>
+            </a:extLst>
+          </p:cNvPr>
+          <p:cNvSpPr txBox="1"/>
+          <p:nvPr/>
+        </p:nvSpPr>
+        <p:spPr>
+          <a:xfrm>
+            <a:off x="3558078" y="4498169"/>
+            <a:ext cx="3141306" cy="1200329"/>
+          </a:xfrm>
+          <a:prstGeom prst="rect">
+            <a:avLst/>
+          </a:prstGeom>
+          <a:noFill/>
+        </p:spPr>
+        <p:txBody>
+          <a:bodyPr wrap="square" rtlCol="0">
+            <a:spAutoFit/>
+          </a:bodyPr>
+          <a:lstStyle/>
+          <a:p>
+            <a:r>
+              <a:rPr lang="en-US"/>
+              <a:t>If a cell has gap=180 preference</a:t>
+            </a:r>
+          </a:p>
+          <a:p>
+            <a:endParaRPr lang="en-US"/>
+          </a:p>
+          <a:p>
+            <a:r>
+              <a:rPr lang="en-US"/>
+              <a:t>Can decode condition because of </a:t>
+            </a:r>
+            <a:r>
+              <a:rPr lang="en-US" i="1"/>
+              <a:t>behavioral</a:t>
+            </a:r>
+            <a:r>
+              <a:rPr lang="en-US"/>
+              <a:t> correlation</a:t>
+            </a:r>
+          </a:p>
+        </p:txBody>
+      </p:sp>
+      <p:cxnSp>
+        <p:nvCxnSpPr>
+          <p:cNvPr id="10" name="Straight Arrow Connector 9">
+            <a:extLst>
+              <a:ext uri="{FF2B5EF4-FFF2-40B4-BE49-F238E27FC236}">
+                <a16:creationId xmlns:a16="http://schemas.microsoft.com/office/drawing/2014/main" id="{76CE3D42-0D4C-4D75-A33C-6C8E6496FC1E}"/>
+              </a:ext>
+            </a:extLst>
+          </p:cNvPr>
+          <p:cNvCxnSpPr/>
+          <p:nvPr/>
+        </p:nvCxnSpPr>
+        <p:spPr>
+          <a:xfrm>
+            <a:off x="4976330" y="4851922"/>
+            <a:ext cx="0" cy="209091"/>
+          </a:xfrm>
+          <a:prstGeom prst="straightConnector1">
+            <a:avLst/>
+          </a:prstGeom>
+          <a:ln w="9525" cap="flat" cmpd="sng" algn="ctr">
+            <a:solidFill>
+              <a:schemeClr val="dk1"/>
+            </a:solidFill>
+            <a:prstDash val="solid"/>
+            <a:round/>
+            <a:headEnd type="none" w="med" len="med"/>
+            <a:tailEnd type="arrow" w="med" len="med"/>
+          </a:ln>
+        </p:spPr>
+        <p:style>
+          <a:lnRef idx="0">
+            <a:scrgbClr r="0" g="0" b="0"/>
+          </a:lnRef>
+          <a:fillRef idx="0">
+            <a:scrgbClr r="0" g="0" b="0"/>
+          </a:fillRef>
+          <a:effectRef idx="0">
+            <a:scrgbClr r="0" g="0" b="0"/>
+          </a:effectRef>
+          <a:fontRef idx="minor">
+            <a:schemeClr val="tx1"/>
+          </a:fontRef>
+        </p:style>
+      </p:cxnSp>
+      <p:sp>
+        <p:nvSpPr>
+          <p:cNvPr id="11" name="TextBox 10">
+            <a:extLst>
+              <a:ext uri="{FF2B5EF4-FFF2-40B4-BE49-F238E27FC236}">
+                <a16:creationId xmlns:a16="http://schemas.microsoft.com/office/drawing/2014/main" id="{C83BA7A3-C70C-48BD-9E17-67D7A3E56953}"/>
+              </a:ext>
+            </a:extLst>
+          </p:cNvPr>
+          <p:cNvSpPr txBox="1"/>
+          <p:nvPr/>
+        </p:nvSpPr>
+        <p:spPr>
+          <a:xfrm rot="16200000">
+            <a:off x="351329" y="4913667"/>
+            <a:ext cx="1001486" cy="369332"/>
+          </a:xfrm>
+          <a:prstGeom prst="rect">
+            <a:avLst/>
+          </a:prstGeom>
+          <a:noFill/>
+        </p:spPr>
+        <p:txBody>
+          <a:bodyPr wrap="square" rtlCol="0">
+            <a:spAutoFit/>
+          </a:bodyPr>
+          <a:lstStyle/>
+          <a:p>
+            <a:pPr algn="ctr"/>
+            <a:r>
+              <a:rPr lang="en-US"/>
+              <a:t>trials</a:t>
+            </a:r>
+          </a:p>
+        </p:txBody>
+      </p:sp>
+      <p:graphicFrame>
+        <p:nvGraphicFramePr>
+          <p:cNvPr id="12" name="Table 6">
+            <a:extLst>
+              <a:ext uri="{FF2B5EF4-FFF2-40B4-BE49-F238E27FC236}">
+                <a16:creationId xmlns:a16="http://schemas.microsoft.com/office/drawing/2014/main" id="{FE84C03B-D96F-4282-87F4-1676EE0CE8B6}"/>
+              </a:ext>
+            </a:extLst>
+          </p:cNvPr>
+          <p:cNvGraphicFramePr>
+            <a:graphicFrameLocks noGrp="1"/>
+          </p:cNvGraphicFramePr>
+          <p:nvPr>
+            <p:extLst>
+              <p:ext uri="{D42A27DB-BD31-4B8C-83A1-F6EECF244321}">
+                <p14:modId xmlns:p14="http://schemas.microsoft.com/office/powerpoint/2010/main" val="836768845"/>
+              </p:ext>
+            </p:extLst>
+          </p:nvPr>
+        </p:nvGraphicFramePr>
+        <p:xfrm>
+          <a:off x="9617001" y="4001054"/>
+          <a:ext cx="1967721" cy="2194560"/>
+        </p:xfrm>
+        <a:graphic>
+          <a:graphicData uri="http://schemas.openxmlformats.org/drawingml/2006/table">
+            <a:tbl>
+              <a:tblPr firstRow="1" bandRow="1">
+                <a:tableStyleId>{C083E6E3-FA7D-4D7B-A595-EF9225AFEA82}</a:tableStyleId>
+              </a:tblPr>
+              <a:tblGrid>
+                <a:gridCol w="1246154">
+                  <a:extLst>
+                    <a:ext uri="{9D8B030D-6E8A-4147-A177-3AD203B41FA5}">
+                      <a16:colId xmlns:a16="http://schemas.microsoft.com/office/drawing/2014/main" val="935243779"/>
+                    </a:ext>
+                  </a:extLst>
+                </a:gridCol>
+                <a:gridCol w="721567">
+                  <a:extLst>
+                    <a:ext uri="{9D8B030D-6E8A-4147-A177-3AD203B41FA5}">
+                      <a16:colId xmlns:a16="http://schemas.microsoft.com/office/drawing/2014/main" val="63431457"/>
+                    </a:ext>
+                  </a:extLst>
+                </a:gridCol>
+              </a:tblGrid>
+              <a:tr h="216637">
+                <a:tc>
+                  <a:txBody>
+                    <a:bodyPr/>
+                    <a:lstStyle/>
+                    <a:p>
+                      <a:pPr algn="ctr"/>
+                      <a:r>
+                        <a:rPr lang="en-US"/>
+                        <a:t>Outcome</a:t>
+                      </a:r>
+                    </a:p>
+                  </a:txBody>
+                  <a:tcPr marL="0" marR="0" marT="0" marB="0"/>
+                </a:tc>
+                <a:tc>
+                  <a:txBody>
+                    <a:bodyPr/>
+                    <a:lstStyle/>
+                    <a:p>
+                      <a:pPr algn="ctr"/>
+                      <a:r>
+                        <a:rPr lang="en-US"/>
+                        <a:t>Gap</a:t>
+                      </a:r>
+                    </a:p>
+                  </a:txBody>
+                  <a:tcPr marL="0" marR="0" marT="0" marB="0"/>
+                </a:tc>
+                <a:extLst>
+                  <a:ext uri="{0D108BD9-81ED-4DB2-BD59-A6C34878D82A}">
+                    <a16:rowId xmlns:a16="http://schemas.microsoft.com/office/drawing/2014/main" val="3675945716"/>
+                  </a:ext>
+                </a:extLst>
+              </a:tr>
+              <a:tr h="216637">
+                <a:tc>
+                  <a:txBody>
+                    <a:bodyPr/>
+                    <a:lstStyle/>
+                    <a:p>
+                      <a:pPr algn="ctr"/>
+                      <a:r>
+                        <a:rPr lang="en-US"/>
+                        <a:t>correct</a:t>
+                      </a:r>
+                    </a:p>
+                  </a:txBody>
+                  <a:tcPr marL="0" marR="0" marT="0" marB="0"/>
+                </a:tc>
+                <a:tc>
+                  <a:txBody>
+                    <a:bodyPr/>
+                    <a:lstStyle/>
+                    <a:p>
+                      <a:pPr algn="ctr"/>
+                      <a:r>
+                        <a:rPr lang="en-US"/>
+                        <a:t>0</a:t>
+                      </a:r>
+                    </a:p>
+                  </a:txBody>
+                  <a:tcPr marL="0" marR="0" marT="0" marB="0"/>
+                </a:tc>
+                <a:extLst>
+                  <a:ext uri="{0D108BD9-81ED-4DB2-BD59-A6C34878D82A}">
+                    <a16:rowId xmlns:a16="http://schemas.microsoft.com/office/drawing/2014/main" val="2816350499"/>
+                  </a:ext>
+                </a:extLst>
+              </a:tr>
+              <a:tr h="216637">
+                <a:tc>
+                  <a:txBody>
+                    <a:bodyPr/>
+                    <a:lstStyle/>
+                    <a:p>
+                      <a:pPr algn="ctr"/>
+                      <a:r>
+                        <a:rPr lang="en-US">
+                          <a:solidFill>
+                            <a:schemeClr val="bg1">
+                              <a:lumMod val="85000"/>
+                            </a:schemeClr>
+                          </a:solidFill>
+                        </a:rPr>
+                        <a:t>correct</a:t>
+                      </a:r>
+                    </a:p>
+                  </a:txBody>
+                  <a:tcPr marL="0" marR="0" marT="0" marB="0"/>
+                </a:tc>
+                <a:tc>
+                  <a:txBody>
+                    <a:bodyPr/>
+                    <a:lstStyle/>
+                    <a:p>
+                      <a:pPr algn="ctr"/>
+                      <a:r>
+                        <a:rPr lang="en-US">
+                          <a:solidFill>
+                            <a:schemeClr val="bg1">
+                              <a:lumMod val="85000"/>
+                            </a:schemeClr>
+                          </a:solidFill>
+                        </a:rPr>
+                        <a:t>180</a:t>
+                      </a:r>
+                    </a:p>
+                  </a:txBody>
+                  <a:tcPr marL="0" marR="0" marT="0" marB="0"/>
+                </a:tc>
+                <a:extLst>
+                  <a:ext uri="{0D108BD9-81ED-4DB2-BD59-A6C34878D82A}">
+                    <a16:rowId xmlns:a16="http://schemas.microsoft.com/office/drawing/2014/main" val="4175613934"/>
+                  </a:ext>
+                </a:extLst>
+              </a:tr>
+              <a:tr h="216637">
+                <a:tc>
+                  <a:txBody>
+                    <a:bodyPr/>
+                    <a:lstStyle/>
+                    <a:p>
+                      <a:pPr algn="ctr"/>
+                      <a:r>
+                        <a:rPr lang="en-US"/>
+                        <a:t>error</a:t>
+                      </a:r>
+                    </a:p>
+                  </a:txBody>
+                  <a:tcPr marL="0" marR="0" marT="0" marB="0"/>
+                </a:tc>
+                <a:tc>
+                  <a:txBody>
+                    <a:bodyPr/>
+                    <a:lstStyle/>
+                    <a:p>
+                      <a:pPr algn="ctr"/>
+                      <a:r>
+                        <a:rPr lang="en-US"/>
+                        <a:t>0</a:t>
+                      </a:r>
+                    </a:p>
+                  </a:txBody>
+                  <a:tcPr marL="0" marR="0" marT="0" marB="0"/>
+                </a:tc>
+                <a:extLst>
+                  <a:ext uri="{0D108BD9-81ED-4DB2-BD59-A6C34878D82A}">
+                    <a16:rowId xmlns:a16="http://schemas.microsoft.com/office/drawing/2014/main" val="969862142"/>
+                  </a:ext>
+                </a:extLst>
+              </a:tr>
+              <a:tr h="216637">
+                <a:tc>
+                  <a:txBody>
+                    <a:bodyPr/>
+                    <a:lstStyle/>
+                    <a:p>
+                      <a:pPr algn="ctr"/>
+                      <a:r>
+                        <a:rPr lang="en-US"/>
+                        <a:t>correct</a:t>
+                      </a:r>
+                    </a:p>
+                  </a:txBody>
+                  <a:tcPr marL="0" marR="0" marT="0" marB="0"/>
+                </a:tc>
+                <a:tc>
+                  <a:txBody>
+                    <a:bodyPr/>
+                    <a:lstStyle/>
+                    <a:p>
+                      <a:pPr algn="ctr"/>
+                      <a:r>
+                        <a:rPr lang="en-US"/>
+                        <a:t>180</a:t>
+                      </a:r>
+                    </a:p>
+                  </a:txBody>
+                  <a:tcPr marL="0" marR="0" marT="0" marB="0"/>
+                </a:tc>
+                <a:extLst>
+                  <a:ext uri="{0D108BD9-81ED-4DB2-BD59-A6C34878D82A}">
+                    <a16:rowId xmlns:a16="http://schemas.microsoft.com/office/drawing/2014/main" val="1833742809"/>
+                  </a:ext>
+                </a:extLst>
+              </a:tr>
+              <a:tr h="216637">
+                <a:tc>
+                  <a:txBody>
+                    <a:bodyPr/>
+                    <a:lstStyle/>
+                    <a:p>
+                      <a:pPr algn="ctr"/>
+                      <a:r>
+                        <a:rPr lang="en-US">
+                          <a:solidFill>
+                            <a:schemeClr val="bg1">
+                              <a:lumMod val="85000"/>
+                            </a:schemeClr>
+                          </a:solidFill>
+                        </a:rPr>
+                        <a:t>correct</a:t>
+                      </a:r>
+                    </a:p>
+                  </a:txBody>
+                  <a:tcPr marL="0" marR="0" marT="0" marB="0"/>
+                </a:tc>
+                <a:tc>
+                  <a:txBody>
+                    <a:bodyPr/>
+                    <a:lstStyle/>
+                    <a:p>
+                      <a:pPr algn="ctr"/>
+                      <a:r>
+                        <a:rPr lang="en-US">
+                          <a:solidFill>
+                            <a:schemeClr val="bg1">
+                              <a:lumMod val="85000"/>
+                            </a:schemeClr>
+                          </a:solidFill>
+                        </a:rPr>
+                        <a:t>180</a:t>
+                      </a:r>
+                    </a:p>
+                  </a:txBody>
+                  <a:tcPr marL="0" marR="0" marT="0" marB="0"/>
+                </a:tc>
+                <a:extLst>
+                  <a:ext uri="{0D108BD9-81ED-4DB2-BD59-A6C34878D82A}">
+                    <a16:rowId xmlns:a16="http://schemas.microsoft.com/office/drawing/2014/main" val="2985717374"/>
+                  </a:ext>
+                </a:extLst>
+              </a:tr>
+              <a:tr h="216637">
+                <a:tc>
+                  <a:txBody>
+                    <a:bodyPr/>
+                    <a:lstStyle/>
+                    <a:p>
+                      <a:pPr algn="ctr"/>
+                      <a:r>
+                        <a:rPr lang="en-US">
+                          <a:solidFill>
+                            <a:schemeClr val="bg1">
+                              <a:lumMod val="85000"/>
+                            </a:schemeClr>
+                          </a:solidFill>
+                        </a:rPr>
+                        <a:t>error</a:t>
+                      </a:r>
+                    </a:p>
+                  </a:txBody>
+                  <a:tcPr marL="0" marR="0" marT="0" marB="0"/>
+                </a:tc>
+                <a:tc>
+                  <a:txBody>
+                    <a:bodyPr/>
+                    <a:lstStyle/>
+                    <a:p>
+                      <a:pPr algn="ctr"/>
+                      <a:r>
+                        <a:rPr lang="en-US">
+                          <a:solidFill>
+                            <a:schemeClr val="bg1">
+                              <a:lumMod val="85000"/>
+                            </a:schemeClr>
+                          </a:solidFill>
+                        </a:rPr>
+                        <a:t>0</a:t>
+                      </a:r>
+                    </a:p>
+                  </a:txBody>
+                  <a:tcPr marL="0" marR="0" marT="0" marB="0"/>
+                </a:tc>
+                <a:extLst>
+                  <a:ext uri="{0D108BD9-81ED-4DB2-BD59-A6C34878D82A}">
+                    <a16:rowId xmlns:a16="http://schemas.microsoft.com/office/drawing/2014/main" val="1016077187"/>
+                  </a:ext>
+                </a:extLst>
+              </a:tr>
+              <a:tr h="216637">
+                <a:tc>
+                  <a:txBody>
+                    <a:bodyPr/>
+                    <a:lstStyle/>
+                    <a:p>
+                      <a:pPr algn="ctr"/>
+                      <a:r>
+                        <a:rPr lang="en-US"/>
+                        <a:t>error</a:t>
+                      </a:r>
+                    </a:p>
+                  </a:txBody>
+                  <a:tcPr marL="0" marR="0" marT="0" marB="0"/>
+                </a:tc>
+                <a:tc>
+                  <a:txBody>
+                    <a:bodyPr/>
+                    <a:lstStyle/>
+                    <a:p>
+                      <a:pPr algn="ctr"/>
+                      <a:r>
+                        <a:rPr lang="en-US"/>
+                        <a:t>180</a:t>
+                      </a:r>
+                    </a:p>
+                  </a:txBody>
+                  <a:tcPr marL="0" marR="0" marT="0" marB="0"/>
+                </a:tc>
+                <a:extLst>
+                  <a:ext uri="{0D108BD9-81ED-4DB2-BD59-A6C34878D82A}">
+                    <a16:rowId xmlns:a16="http://schemas.microsoft.com/office/drawing/2014/main" val="1228298790"/>
+                  </a:ext>
+                </a:extLst>
+              </a:tr>
+            </a:tbl>
+          </a:graphicData>
+        </a:graphic>
+      </p:graphicFrame>
+      <p:sp>
+        <p:nvSpPr>
+          <p:cNvPr id="13" name="TextBox 12">
+            <a:extLst>
+              <a:ext uri="{FF2B5EF4-FFF2-40B4-BE49-F238E27FC236}">
+                <a16:creationId xmlns:a16="http://schemas.microsoft.com/office/drawing/2014/main" id="{123FCFA7-B000-41D5-A45F-72B2765E8161}"/>
+              </a:ext>
+            </a:extLst>
+          </p:cNvPr>
+          <p:cNvSpPr txBox="1"/>
+          <p:nvPr/>
+        </p:nvSpPr>
+        <p:spPr>
+          <a:xfrm rot="16200000">
+            <a:off x="8931592" y="4913667"/>
+            <a:ext cx="1001486" cy="369332"/>
+          </a:xfrm>
+          <a:prstGeom prst="rect">
+            <a:avLst/>
+          </a:prstGeom>
+          <a:noFill/>
+        </p:spPr>
+        <p:txBody>
+          <a:bodyPr wrap="square" rtlCol="0">
+            <a:spAutoFit/>
+          </a:bodyPr>
+          <a:lstStyle/>
+          <a:p>
+            <a:pPr algn="ctr"/>
+            <a:r>
+              <a:rPr lang="en-US"/>
+              <a:t>trials</a:t>
+            </a:r>
+          </a:p>
+        </p:txBody>
+      </p:sp>
+      <p:sp>
+        <p:nvSpPr>
+          <p:cNvPr id="14" name="TextBox 13">
+            <a:extLst>
+              <a:ext uri="{FF2B5EF4-FFF2-40B4-BE49-F238E27FC236}">
+                <a16:creationId xmlns:a16="http://schemas.microsoft.com/office/drawing/2014/main" id="{B6FF69B5-2723-4F11-A5A7-CD541327E2F5}"/>
+              </a:ext>
+            </a:extLst>
+          </p:cNvPr>
+          <p:cNvSpPr txBox="1"/>
+          <p:nvPr/>
+        </p:nvSpPr>
+        <p:spPr>
+          <a:xfrm>
+            <a:off x="7296665" y="4194042"/>
+            <a:ext cx="1803918" cy="1882567"/>
+          </a:xfrm>
+          <a:prstGeom prst="rect">
+            <a:avLst/>
+          </a:prstGeom>
+          <a:noFill/>
+        </p:spPr>
+        <p:txBody>
+          <a:bodyPr wrap="square" rtlCol="0">
+            <a:spAutoFit/>
+          </a:bodyPr>
+          <a:lstStyle/>
+          <a:p>
+            <a:pPr>
+              <a:spcAft>
+                <a:spcPts val="1000"/>
+              </a:spcAft>
+            </a:pPr>
+            <a:r>
+              <a:rPr lang="en-US">
+                <a:solidFill>
+                  <a:schemeClr val="accent1"/>
+                </a:solidFill>
+              </a:rPr>
+              <a:t>Balanced design:</a:t>
+            </a:r>
+          </a:p>
+          <a:p>
+            <a:r>
+              <a:rPr lang="en-US"/>
+              <a:t>no behavioral correlation between task conditions to be decoded</a:t>
+            </a:r>
+          </a:p>
+        </p:txBody>
+      </p:sp>
+      <p:cxnSp>
+        <p:nvCxnSpPr>
+          <p:cNvPr id="16" name="Straight Connector 15">
+            <a:extLst>
+              <a:ext uri="{FF2B5EF4-FFF2-40B4-BE49-F238E27FC236}">
+                <a16:creationId xmlns:a16="http://schemas.microsoft.com/office/drawing/2014/main" id="{9FED8762-F211-45BF-A54A-1856AF9C99B7}"/>
+              </a:ext>
+            </a:extLst>
+          </p:cNvPr>
+          <p:cNvCxnSpPr/>
+          <p:nvPr/>
+        </p:nvCxnSpPr>
+        <p:spPr>
+          <a:xfrm>
+            <a:off x="7016620" y="3943739"/>
+            <a:ext cx="0" cy="2457062"/>
+          </a:xfrm>
+          <a:prstGeom prst="line">
+            <a:avLst/>
+          </a:prstGeom>
+        </p:spPr>
+        <p:style>
+          <a:lnRef idx="3">
+            <a:schemeClr val="accent5"/>
+          </a:lnRef>
+          <a:fillRef idx="0">
+            <a:schemeClr val="accent5"/>
+          </a:fillRef>
+          <a:effectRef idx="2">
+            <a:schemeClr val="accent5"/>
+          </a:effectRef>
+          <a:fontRef idx="minor">
+            <a:schemeClr val="tx1"/>
+          </a:fontRef>
+        </p:style>
+      </p:cxnSp>
+    </p:spTree>
+    <p:extLst>
+      <p:ext uri="{BB962C8B-B14F-4D97-AF65-F5344CB8AC3E}">
+        <p14:creationId xmlns:p14="http://schemas.microsoft.com/office/powerpoint/2010/main" val="3249206437"/>
+      </p:ext>
+    </p:extLst>
+  </p:cSld>
+  <p:clrMapOvr>
+    <a:masterClrMapping/>
+  </p:clrMapOvr>
+  <p:timing>
+    <p:tnLst>
+      <p:par>
+        <p:cTn id="1" dur="indefinite" restart="never" nodeType="tmRoot">
+          <p:childTnLst>
+            <p:seq concurrent="1" nextAc="seek">
+              <p:cTn id="2" dur="indefinite" nodeType="mainSeq">
+                <p:childTnLst>
+                  <p:par>
+                    <p:cTn id="3" fill="hold">
+                      <p:stCondLst>
+                        <p:cond delay="indefinite"/>
+                      </p:stCondLst>
+                      <p:childTnLst>
+                        <p:par>
+                          <p:cTn id="4" fill="hold">
+                            <p:stCondLst>
+                              <p:cond delay="0"/>
+                            </p:stCondLst>
+                            <p:childTnLst>
+                              <p:par>
+                                <p:cTn id="5" presetID="1" presetClass="entr" presetSubtype="0" fill="hold" nodeType="clickEffect">
+                                  <p:stCondLst>
+                                    <p:cond delay="0"/>
+                                  </p:stCondLst>
+                                  <p:childTnLst>
+                                    <p:set>
+                                      <p:cBhvr>
+                                        <p:cTn id="6" dur="1" fill="hold">
+                                          <p:stCondLst>
+                                            <p:cond delay="0"/>
+                                          </p:stCondLst>
+                                        </p:cTn>
+                                        <p:tgtEl>
+                                          <p:spTgt spid="12"/>
+                                        </p:tgtEl>
+                                        <p:attrNameLst>
+                                          <p:attrName>style.visibility</p:attrName>
+                                        </p:attrNameLst>
+                                      </p:cBhvr>
+                                      <p:to>
+                                        <p:strVal val="visible"/>
+                                      </p:to>
+                                    </p:set>
+                                  </p:childTnLst>
+                                </p:cTn>
+                              </p:par>
+                              <p:par>
+                                <p:cTn id="7" presetID="1" presetClass="entr" presetSubtype="0" fill="hold" grpId="0" nodeType="withEffect">
+                                  <p:stCondLst>
+                                    <p:cond delay="0"/>
+                                  </p:stCondLst>
+                                  <p:childTnLst>
+                                    <p:set>
+                                      <p:cBhvr>
+                                        <p:cTn id="8" dur="1" fill="hold">
+                                          <p:stCondLst>
+                                            <p:cond delay="0"/>
+                                          </p:stCondLst>
+                                        </p:cTn>
+                                        <p:tgtEl>
+                                          <p:spTgt spid="13"/>
+                                        </p:tgtEl>
+                                        <p:attrNameLst>
+                                          <p:attrName>style.visibility</p:attrName>
+                                        </p:attrNameLst>
+                                      </p:cBhvr>
+                                      <p:to>
+                                        <p:strVal val="visible"/>
+                                      </p:to>
+                                    </p:set>
+                                  </p:childTnLst>
+                                </p:cTn>
+                              </p:par>
+                              <p:par>
+                                <p:cTn id="9" presetID="1" presetClass="entr" presetSubtype="0" fill="hold" grpId="0" nodeType="withEffect">
+                                  <p:stCondLst>
+                                    <p:cond delay="0"/>
+                                  </p:stCondLst>
+                                  <p:childTnLst>
+                                    <p:set>
+                                      <p:cBhvr>
+                                        <p:cTn id="10" dur="1" fill="hold">
+                                          <p:stCondLst>
+                                            <p:cond delay="0"/>
+                                          </p:stCondLst>
+                                        </p:cTn>
+                                        <p:tgtEl>
+                                          <p:spTgt spid="14"/>
+                                        </p:tgtEl>
+                                        <p:attrNameLst>
+                                          <p:attrName>style.visibility</p:attrName>
+                                        </p:attrNameLst>
+                                      </p:cBhvr>
+                                      <p:to>
+                                        <p:strVal val="visible"/>
+                                      </p:to>
+                                    </p:set>
+                                  </p:childTnLst>
+                                </p:cTn>
+                              </p:par>
+                              <p:par>
+                                <p:cTn id="11" presetID="1" presetClass="entr" presetSubtype="0" fill="hold" nodeType="withEffect">
+                                  <p:stCondLst>
+                                    <p:cond delay="0"/>
+                                  </p:stCondLst>
+                                  <p:childTnLst>
+                                    <p:set>
+                                      <p:cBhvr>
+                                        <p:cTn id="12" dur="1" fill="hold">
+                                          <p:stCondLst>
+                                            <p:cond delay="0"/>
+                                          </p:stCondLst>
+                                        </p:cTn>
+                                        <p:tgtEl>
+                                          <p:spTgt spid="16"/>
+                                        </p:tgtEl>
+                                        <p:attrNameLst>
+                                          <p:attrName>style.visibility</p:attrName>
+                                        </p:attrNameLst>
+                                      </p:cBhvr>
+                                      <p:to>
+                                        <p:strVal val="visible"/>
+                                      </p:to>
+                                    </p:set>
+                                  </p:childTnLst>
+                                </p:cTn>
+                              </p:par>
+                            </p:childTnLst>
+                          </p:cTn>
+                        </p:par>
+                      </p:childTnLst>
+                    </p:cTn>
+                  </p:par>
+                </p:childTnLst>
+              </p:cTn>
+              <p:prevCondLst>
+                <p:cond evt="onPrev" delay="0">
+                  <p:tgtEl>
+                    <p:sldTgt/>
+                  </p:tgtEl>
+                </p:cond>
+              </p:prevCondLst>
+              <p:nextCondLst>
+                <p:cond evt="onNext" delay="0">
+                  <p:tgtEl>
+                    <p:sldTgt/>
+                  </p:tgtEl>
+                </p:cond>
+              </p:nextCondLst>
+            </p:seq>
+          </p:childTnLst>
+        </p:cTn>
+      </p:par>
+    </p:tnLst>
+    <p:bldLst>
+      <p:bldP spid="13" grpId="0"/>
+      <p:bldP spid="14" grpId="0"/>
+    </p:bldLst>
+  </p:timing>
+</p:sld>
+</file>
+
+<file path=ppt/slides/slide8.xml><?xml version="1.0" encoding="utf-8"?>
+<p:sld xmlns:a="http://schemas.openxmlformats.org/drawingml/2006/main" xmlns:r="http://schemas.openxmlformats.org/officeDocument/2006/relationships" xmlns:p="http://schemas.openxmlformats.org/presentationml/2006/main">
+  <p:cSld>
+    <p:spTree>
+      <p:nvGrpSpPr>
+        <p:cNvPr id="1" name=""/>
+        <p:cNvGrpSpPr/>
+        <p:nvPr/>
+      </p:nvGrpSpPr>
+      <p:grpSpPr>
+        <a:xfrm>
+          <a:off x="0" y="0"/>
+          <a:ext cx="0" cy="0"/>
+          <a:chOff x="0" y="0"/>
+          <a:chExt cx="0" cy="0"/>
+        </a:xfrm>
+      </p:grpSpPr>
+      <p:sp>
+        <p:nvSpPr>
+          <p:cNvPr id="2" name="Title 1">
+            <a:extLst>
+              <a:ext uri="{FF2B5EF4-FFF2-40B4-BE49-F238E27FC236}">
+                <a16:creationId xmlns:a16="http://schemas.microsoft.com/office/drawing/2014/main" id="{3F0DBCBC-2948-4BA6-AB3F-37D321A4BF59}"/>
+              </a:ext>
+            </a:extLst>
+          </p:cNvPr>
+          <p:cNvSpPr>
+            <a:spLocks noGrp="1"/>
+          </p:cNvSpPr>
+          <p:nvPr>
+            <p:ph type="title"/>
+          </p:nvPr>
+        </p:nvSpPr>
+        <p:spPr/>
+        <p:txBody>
+          <a:bodyPr>
+            <a:normAutofit fontScale="90000"/>
+          </a:bodyPr>
+          <a:lstStyle/>
+          <a:p>
+            <a:pPr algn="ctr"/>
+            <a:r>
+              <a:rPr lang="en-US"/>
+              <a:t>Better-performing monkey has sustained neural info about C stimulus gap direction until reward</a:t>
+            </a:r>
+          </a:p>
+        </p:txBody>
+      </p:sp>
+      <p:pic>
+        <p:nvPicPr>
+          <p:cNvPr id="13" name="Content Placeholder 12">
+            <a:extLst>
+              <a:ext uri="{FF2B5EF4-FFF2-40B4-BE49-F238E27FC236}">
+                <a16:creationId xmlns:a16="http://schemas.microsoft.com/office/drawing/2014/main" id="{1501AAA6-A279-48AC-A4F5-D53820AB36C4}"/>
+              </a:ext>
+            </a:extLst>
+          </p:cNvPr>
+          <p:cNvPicPr>
+            <a:picLocks noGrp="1" noChangeAspect="1"/>
+          </p:cNvPicPr>
+          <p:nvPr>
+            <p:ph idx="1"/>
+          </p:nvPr>
+        </p:nvPicPr>
+        <p:blipFill>
+          <a:blip r:embed="rId2"/>
+          <a:stretch>
+            <a:fillRect/>
+          </a:stretch>
+        </p:blipFill>
+        <p:spPr>
+          <a:xfrm>
+            <a:off x="685946" y="1426914"/>
+            <a:ext cx="11085298" cy="5431086"/>
+          </a:xfrm>
+        </p:spPr>
+      </p:pic>
+    </p:spTree>
+    <p:extLst>
+      <p:ext uri="{BB962C8B-B14F-4D97-AF65-F5344CB8AC3E}">
+        <p14:creationId xmlns:p14="http://schemas.microsoft.com/office/powerpoint/2010/main" val="1543534616"/>
+      </p:ext>
+    </p:extLst>
+  </p:cSld>
+  <p:clrMapOvr>
+    <a:masterClrMapping/>
+  </p:clrMapOvr>
+</p:sld>
+</file>
+
+<file path=ppt/slides/slide9.xml><?xml version="1.0" encoding="utf-8"?>
+<p:sld xmlns:a="http://schemas.openxmlformats.org/drawingml/2006/main" xmlns:r="http://schemas.openxmlformats.org/officeDocument/2006/relationships" xmlns:p="http://schemas.openxmlformats.org/presentationml/2006/main">
+  <p:cSld>
+    <p:spTree>
+      <p:nvGrpSpPr>
+        <p:cNvPr id="1" name=""/>
+        <p:cNvGrpSpPr/>
+        <p:nvPr/>
+      </p:nvGrpSpPr>
+      <p:grpSpPr>
+        <a:xfrm>
+          <a:off x="0" y="0"/>
+          <a:ext cx="0" cy="0"/>
+          <a:chOff x="0" y="0"/>
+          <a:chExt cx="0" cy="0"/>
+        </a:xfrm>
+      </p:grpSpPr>
+      <p:sp>
+        <p:nvSpPr>
+          <p:cNvPr id="2" name="Title 1">
+            <a:extLst>
+              <a:ext uri="{FF2B5EF4-FFF2-40B4-BE49-F238E27FC236}">
+                <a16:creationId xmlns:a16="http://schemas.microsoft.com/office/drawing/2014/main" id="{3F0DBCBC-2948-4BA6-AB3F-37D321A4BF59}"/>
+              </a:ext>
+            </a:extLst>
+          </p:cNvPr>
+          <p:cNvSpPr>
+            <a:spLocks noGrp="1"/>
+          </p:cNvSpPr>
+          <p:nvPr>
+            <p:ph type="title"/>
+          </p:nvPr>
+        </p:nvSpPr>
+        <p:spPr/>
+        <p:txBody>
+          <a:bodyPr>
+            <a:normAutofit fontScale="90000"/>
+          </a:bodyPr>
+          <a:lstStyle/>
+          <a:p>
+            <a:pPr algn="ctr"/>
+            <a:r>
+              <a:rPr lang="en-US"/>
+              <a:t>Worse-performing monkey has more neural info about past outcome than C stimulus gap direction</a:t>
+            </a:r>
+          </a:p>
+        </p:txBody>
+      </p:sp>
+      <p:pic>
+        <p:nvPicPr>
+          <p:cNvPr id="9" name="Content Placeholder 8">
+            <a:extLst>
+              <a:ext uri="{FF2B5EF4-FFF2-40B4-BE49-F238E27FC236}">
+                <a16:creationId xmlns:a16="http://schemas.microsoft.com/office/drawing/2014/main" id="{0173E2E9-CEC1-4350-99CD-6B7CF4B22BD7}"/>
+              </a:ext>
+            </a:extLst>
+          </p:cNvPr>
+          <p:cNvPicPr>
+            <a:picLocks noGrp="1" noChangeAspect="1"/>
+          </p:cNvPicPr>
+          <p:nvPr>
+            <p:ph idx="1"/>
+          </p:nvPr>
+        </p:nvPicPr>
+        <p:blipFill>
+          <a:blip r:embed="rId2"/>
+          <a:stretch>
+            <a:fillRect/>
+          </a:stretch>
+        </p:blipFill>
+        <p:spPr>
+          <a:xfrm>
+            <a:off x="685946" y="1426914"/>
+            <a:ext cx="11085298" cy="5431086"/>
+          </a:xfrm>
+        </p:spPr>
+      </p:pic>
+    </p:spTree>
+    <p:extLst>
+      <p:ext uri="{BB962C8B-B14F-4D97-AF65-F5344CB8AC3E}">
+        <p14:creationId xmlns:p14="http://schemas.microsoft.com/office/powerpoint/2010/main" val="820197949"/>
       </p:ext>
     </p:extLst>
   </p:cSld>
